--- a/tutorials.pptx
+++ b/tutorials.pptx
@@ -6,7 +6,14 @@
   </p:sldMasterIdLst>
   <p:sldIdLst>
     <p:sldId id="256" r:id="rId2"/>
-    <p:sldId id="257" r:id="rId3"/>
+    <p:sldId id="261" r:id="rId3"/>
+    <p:sldId id="257" r:id="rId4"/>
+    <p:sldId id="258" r:id="rId5"/>
+    <p:sldId id="259" r:id="rId6"/>
+    <p:sldId id="260" r:id="rId7"/>
+    <p:sldId id="262" r:id="rId8"/>
+    <p:sldId id="263" r:id="rId9"/>
+    <p:sldId id="264" r:id="rId10"/>
   </p:sldIdLst>
   <p:sldSz cx="12192000" cy="6858000"/>
   <p:notesSz cx="6858000" cy="9144000"/>
@@ -105,6 +112,11 @@
       </a:defRPr>
     </a:lvl9pPr>
   </p:defaultTextStyle>
+  <p:extLst>
+    <p:ext uri="{EFAFB233-063F-42B5-8137-9DF3F51BA10A}">
+      <p15:sldGuideLst xmlns:p15="http://schemas.microsoft.com/office/powerpoint/2012/main"/>
+    </p:ext>
+  </p:extLst>
 </p:presentation>
 </file>
 
@@ -255,7 +267,7 @@
           <a:p>
             <a:fld id="{1A6A7B21-3A70-4FAC-AB22-3D7506ED2D07}" type="datetimeFigureOut">
               <a:rPr lang="he-IL" smtClean="0"/>
-              <a:t>ח'/אייר/תשע"ח</a:t>
+              <a:t>י"ז/אייר/תשע"ח</a:t>
             </a:fld>
             <a:endParaRPr lang="he-IL"/>
           </a:p>
@@ -453,7 +465,7 @@
           <a:p>
             <a:fld id="{1A6A7B21-3A70-4FAC-AB22-3D7506ED2D07}" type="datetimeFigureOut">
               <a:rPr lang="he-IL" smtClean="0"/>
-              <a:t>ח'/אייר/תשע"ח</a:t>
+              <a:t>י"ז/אייר/תשע"ח</a:t>
             </a:fld>
             <a:endParaRPr lang="he-IL"/>
           </a:p>
@@ -661,7 +673,7 @@
           <a:p>
             <a:fld id="{1A6A7B21-3A70-4FAC-AB22-3D7506ED2D07}" type="datetimeFigureOut">
               <a:rPr lang="he-IL" smtClean="0"/>
-              <a:t>ח'/אייר/תשע"ח</a:t>
+              <a:t>י"ז/אייר/תשע"ח</a:t>
             </a:fld>
             <a:endParaRPr lang="he-IL"/>
           </a:p>
@@ -725,6 +737,271 @@
     <p:extLst>
       <p:ext uri="{BB962C8B-B14F-4D97-AF65-F5344CB8AC3E}">
         <p14:creationId xmlns:p14="http://schemas.microsoft.com/office/powerpoint/2010/main" val="2908411021"/>
+      </p:ext>
+    </p:extLst>
+  </p:cSld>
+  <p:clrMapOvr>
+    <a:masterClrMapping/>
+  </p:clrMapOvr>
+</p:sldLayout>
+</file>
+
+<file path=ppt/slideLayouts/slideLayout12.xml><?xml version="1.0" encoding="utf-8"?>
+<p:sldLayout xmlns:a="http://schemas.openxmlformats.org/drawingml/2006/main" xmlns:r="http://schemas.openxmlformats.org/officeDocument/2006/relationships" xmlns:p="http://schemas.openxmlformats.org/presentationml/2006/main" showMasterSp="0" userDrawn="1">
+  <p:cSld name="Title Slide">
+    <p:spTree>
+      <p:nvGrpSpPr>
+        <p:cNvPr id="1" name=""/>
+        <p:cNvGrpSpPr/>
+        <p:nvPr/>
+      </p:nvGrpSpPr>
+      <p:grpSpPr>
+        <a:xfrm>
+          <a:off x="0" y="0"/>
+          <a:ext cx="0" cy="0"/>
+          <a:chOff x="0" y="0"/>
+          <a:chExt cx="0" cy="0"/>
+        </a:xfrm>
+      </p:grpSpPr>
+      <p:sp>
+        <p:nvSpPr>
+          <p:cNvPr id="7" name="Rectangle 6"/>
+          <p:cNvSpPr/>
+          <p:nvPr/>
+        </p:nvSpPr>
+        <p:spPr>
+          <a:xfrm>
+            <a:off x="3175" y="6400800"/>
+            <a:ext cx="12188825" cy="457200"/>
+          </a:xfrm>
+          <a:prstGeom prst="rect">
+            <a:avLst/>
+          </a:prstGeom>
+          <a:solidFill>
+            <a:schemeClr val="accent2"/>
+          </a:solidFill>
+          <a:ln>
+            <a:noFill/>
+          </a:ln>
+        </p:spPr>
+        <p:style>
+          <a:lnRef idx="2">
+            <a:schemeClr val="accent1">
+              <a:shade val="50000"/>
+            </a:schemeClr>
+          </a:lnRef>
+          <a:fillRef idx="1">
+            <a:schemeClr val="accent1"/>
+          </a:fillRef>
+          <a:effectRef idx="0">
+            <a:schemeClr val="accent1"/>
+          </a:effectRef>
+          <a:fontRef idx="minor">
+            <a:schemeClr val="lt1"/>
+          </a:fontRef>
+        </p:style>
+      </p:sp>
+      <p:sp>
+        <p:nvSpPr>
+          <p:cNvPr id="8" name="Rectangle 7"/>
+          <p:cNvSpPr/>
+          <p:nvPr/>
+        </p:nvSpPr>
+        <p:spPr>
+          <a:xfrm>
+            <a:off x="15" y="6334316"/>
+            <a:ext cx="12188825" cy="64008"/>
+          </a:xfrm>
+          <a:prstGeom prst="rect">
+            <a:avLst/>
+          </a:prstGeom>
+          <a:solidFill>
+            <a:schemeClr val="accent1"/>
+          </a:solidFill>
+          <a:ln>
+            <a:noFill/>
+          </a:ln>
+        </p:spPr>
+        <p:style>
+          <a:lnRef idx="2">
+            <a:schemeClr val="accent1">
+              <a:shade val="50000"/>
+            </a:schemeClr>
+          </a:lnRef>
+          <a:fillRef idx="1">
+            <a:schemeClr val="accent1"/>
+          </a:fillRef>
+          <a:effectRef idx="0">
+            <a:schemeClr val="accent1"/>
+          </a:effectRef>
+          <a:fontRef idx="minor">
+            <a:schemeClr val="lt1"/>
+          </a:fontRef>
+        </p:style>
+      </p:sp>
+      <p:sp>
+        <p:nvSpPr>
+          <p:cNvPr id="3" name="Subtitle 2"/>
+          <p:cNvSpPr>
+            <a:spLocks noGrp="1"/>
+          </p:cNvSpPr>
+          <p:nvPr>
+            <p:ph type="subTitle" idx="1"/>
+          </p:nvPr>
+        </p:nvSpPr>
+        <p:spPr>
+          <a:xfrm>
+            <a:off x="1100051" y="4455620"/>
+            <a:ext cx="10058400" cy="1143000"/>
+          </a:xfrm>
+        </p:spPr>
+        <p:txBody>
+          <a:bodyPr lIns="91440" rIns="91440">
+            <a:normAutofit/>
+          </a:bodyPr>
+          <a:lstStyle>
+            <a:lvl1pPr marL="0" indent="0" algn="l">
+              <a:buNone/>
+              <a:defRPr sz="2400" cap="all" spc="200" baseline="0">
+                <a:solidFill>
+                  <a:schemeClr val="tx2"/>
+                </a:solidFill>
+                <a:latin typeface="+mj-lt"/>
+              </a:defRPr>
+            </a:lvl1pPr>
+            <a:lvl2pPr marL="457200" indent="0" algn="ctr">
+              <a:buNone/>
+              <a:defRPr sz="2400"/>
+            </a:lvl2pPr>
+            <a:lvl3pPr marL="914400" indent="0" algn="ctr">
+              <a:buNone/>
+              <a:defRPr sz="2400"/>
+            </a:lvl3pPr>
+            <a:lvl4pPr marL="1371600" indent="0" algn="ctr">
+              <a:buNone/>
+              <a:defRPr sz="2000"/>
+            </a:lvl4pPr>
+            <a:lvl5pPr marL="1828800" indent="0" algn="ctr">
+              <a:buNone/>
+              <a:defRPr sz="2000"/>
+            </a:lvl5pPr>
+            <a:lvl6pPr marL="2286000" indent="0" algn="ctr">
+              <a:buNone/>
+              <a:defRPr sz="2000"/>
+            </a:lvl6pPr>
+            <a:lvl7pPr marL="2743200" indent="0" algn="ctr">
+              <a:buNone/>
+              <a:defRPr sz="2000"/>
+            </a:lvl7pPr>
+            <a:lvl8pPr marL="3200400" indent="0" algn="ctr">
+              <a:buNone/>
+              <a:defRPr sz="2000"/>
+            </a:lvl8pPr>
+            <a:lvl9pPr marL="3657600" indent="0" algn="ctr">
+              <a:buNone/>
+              <a:defRPr sz="2000"/>
+            </a:lvl9pPr>
+          </a:lstStyle>
+          <a:p>
+            <a:r>
+              <a:rPr lang="en-US"/>
+              <a:t>Click to edit Master subtitle style</a:t>
+            </a:r>
+            <a:endParaRPr lang="en-US" dirty="0"/>
+          </a:p>
+        </p:txBody>
+      </p:sp>
+      <p:sp>
+        <p:nvSpPr>
+          <p:cNvPr id="10" name="Date Placeholder 9"/>
+          <p:cNvSpPr>
+            <a:spLocks noGrp="1"/>
+          </p:cNvSpPr>
+          <p:nvPr>
+            <p:ph type="dt" sz="half" idx="10"/>
+          </p:nvPr>
+        </p:nvSpPr>
+        <p:spPr/>
+        <p:txBody>
+          <a:bodyPr/>
+          <a:lstStyle/>
+          <a:p>
+            <a:fld id="{547EC484-806A-4DDB-A00D-2C23AC465B75}" type="datetimeFigureOut">
+              <a:rPr lang="en-US" smtClean="0"/>
+              <a:t>5/2/2018</a:t>
+            </a:fld>
+            <a:endParaRPr lang="en-US"/>
+          </a:p>
+        </p:txBody>
+      </p:sp>
+      <p:sp>
+        <p:nvSpPr>
+          <p:cNvPr id="11" name="Footer Placeholder 10"/>
+          <p:cNvSpPr>
+            <a:spLocks noGrp="1"/>
+          </p:cNvSpPr>
+          <p:nvPr>
+            <p:ph type="ftr" sz="quarter" idx="11"/>
+          </p:nvPr>
+        </p:nvSpPr>
+        <p:spPr/>
+        <p:txBody>
+          <a:bodyPr/>
+          <a:lstStyle/>
+          <a:p>
+            <a:endParaRPr lang="en-US"/>
+          </a:p>
+        </p:txBody>
+      </p:sp>
+      <p:sp>
+        <p:nvSpPr>
+          <p:cNvPr id="12" name="Slide Number Placeholder 11"/>
+          <p:cNvSpPr>
+            <a:spLocks noGrp="1"/>
+          </p:cNvSpPr>
+          <p:nvPr>
+            <p:ph type="sldNum" sz="quarter" idx="12"/>
+          </p:nvPr>
+        </p:nvSpPr>
+        <p:spPr/>
+        <p:txBody>
+          <a:bodyPr/>
+          <a:lstStyle/>
+          <a:p>
+            <a:fld id="{3EC99ADE-B1DE-4FD2-ADD2-16D1E78F0D0C}" type="slidenum">
+              <a:rPr lang="en-US" smtClean="0"/>
+              <a:t>‹#›</a:t>
+            </a:fld>
+            <a:endParaRPr lang="en-US"/>
+          </a:p>
+        </p:txBody>
+      </p:sp>
+      <p:sp>
+        <p:nvSpPr>
+          <p:cNvPr id="13" name="Title 12"/>
+          <p:cNvSpPr>
+            <a:spLocks noGrp="1"/>
+          </p:cNvSpPr>
+          <p:nvPr>
+            <p:ph type="title"/>
+          </p:nvPr>
+        </p:nvSpPr>
+        <p:spPr/>
+        <p:txBody>
+          <a:bodyPr/>
+          <a:lstStyle/>
+          <a:p>
+            <a:r>
+              <a:rPr lang="en-US"/>
+              <a:t>Click to edit Master title style</a:t>
+            </a:r>
+          </a:p>
+        </p:txBody>
+      </p:sp>
+    </p:spTree>
+    <p:extLst>
+      <p:ext uri="{BB962C8B-B14F-4D97-AF65-F5344CB8AC3E}">
+        <p14:creationId xmlns:p14="http://schemas.microsoft.com/office/powerpoint/2010/main" val="3002486693"/>
       </p:ext>
     </p:extLst>
   </p:cSld>
@@ -859,7 +1136,7 @@
           <a:p>
             <a:fld id="{1A6A7B21-3A70-4FAC-AB22-3D7506ED2D07}" type="datetimeFigureOut">
               <a:rPr lang="he-IL" smtClean="0"/>
-              <a:t>ח'/אייר/תשע"ח</a:t>
+              <a:t>י"ז/אייר/תשע"ח</a:t>
             </a:fld>
             <a:endParaRPr lang="he-IL"/>
           </a:p>
@@ -1134,7 +1411,7 @@
           <a:p>
             <a:fld id="{1A6A7B21-3A70-4FAC-AB22-3D7506ED2D07}" type="datetimeFigureOut">
               <a:rPr lang="he-IL" smtClean="0"/>
-              <a:t>ח'/אייר/תשע"ח</a:t>
+              <a:t>י"ז/אייר/תשע"ח</a:t>
             </a:fld>
             <a:endParaRPr lang="he-IL"/>
           </a:p>
@@ -1399,7 +1676,7 @@
           <a:p>
             <a:fld id="{1A6A7B21-3A70-4FAC-AB22-3D7506ED2D07}" type="datetimeFigureOut">
               <a:rPr lang="he-IL" smtClean="0"/>
-              <a:t>ח'/אייר/תשע"ח</a:t>
+              <a:t>י"ז/אייר/תשע"ח</a:t>
             </a:fld>
             <a:endParaRPr lang="he-IL"/>
           </a:p>
@@ -1811,7 +2088,7 @@
           <a:p>
             <a:fld id="{1A6A7B21-3A70-4FAC-AB22-3D7506ED2D07}" type="datetimeFigureOut">
               <a:rPr lang="he-IL" smtClean="0"/>
-              <a:t>ח'/אייר/תשע"ח</a:t>
+              <a:t>י"ז/אייר/תשע"ח</a:t>
             </a:fld>
             <a:endParaRPr lang="he-IL"/>
           </a:p>
@@ -1952,7 +2229,7 @@
           <a:p>
             <a:fld id="{1A6A7B21-3A70-4FAC-AB22-3D7506ED2D07}" type="datetimeFigureOut">
               <a:rPr lang="he-IL" smtClean="0"/>
-              <a:t>ח'/אייר/תשע"ח</a:t>
+              <a:t>י"ז/אייר/תשע"ח</a:t>
             </a:fld>
             <a:endParaRPr lang="he-IL"/>
           </a:p>
@@ -2065,7 +2342,7 @@
           <a:p>
             <a:fld id="{1A6A7B21-3A70-4FAC-AB22-3D7506ED2D07}" type="datetimeFigureOut">
               <a:rPr lang="he-IL" smtClean="0"/>
-              <a:t>ח'/אייר/תשע"ח</a:t>
+              <a:t>י"ז/אייר/תשע"ח</a:t>
             </a:fld>
             <a:endParaRPr lang="he-IL"/>
           </a:p>
@@ -2376,7 +2653,7 @@
           <a:p>
             <a:fld id="{1A6A7B21-3A70-4FAC-AB22-3D7506ED2D07}" type="datetimeFigureOut">
               <a:rPr lang="he-IL" smtClean="0"/>
-              <a:t>ח'/אייר/תשע"ח</a:t>
+              <a:t>י"ז/אייר/תשע"ח</a:t>
             </a:fld>
             <a:endParaRPr lang="he-IL"/>
           </a:p>
@@ -2664,7 +2941,7 @@
           <a:p>
             <a:fld id="{1A6A7B21-3A70-4FAC-AB22-3D7506ED2D07}" type="datetimeFigureOut">
               <a:rPr lang="he-IL" smtClean="0"/>
-              <a:t>ח'/אייר/תשע"ח</a:t>
+              <a:t>י"ז/אייר/תשע"ח</a:t>
             </a:fld>
             <a:endParaRPr lang="he-IL"/>
           </a:p>
@@ -2905,7 +3182,7 @@
           <a:p>
             <a:fld id="{1A6A7B21-3A70-4FAC-AB22-3D7506ED2D07}" type="datetimeFigureOut">
               <a:rPr lang="he-IL" smtClean="0"/>
-              <a:t>ח'/אייר/תשע"ח</a:t>
+              <a:t>י"ז/אייר/תשע"ח</a:t>
             </a:fld>
             <a:endParaRPr lang="he-IL"/>
           </a:p>
@@ -3021,6 +3298,7 @@
     <p:sldLayoutId id="2147483657" r:id="rId9"/>
     <p:sldLayoutId id="2147483658" r:id="rId10"/>
     <p:sldLayoutId id="2147483659" r:id="rId11"/>
+    <p:sldLayoutId id="2147483660" r:id="rId12"/>
   </p:sldLayoutIdLst>
   <p:txStyles>
     <p:titleStyle>
@@ -3308,6 +3586,14 @@
 <file path=ppt/slides/slide1.xml><?xml version="1.0" encoding="utf-8"?>
 <p:sld xmlns:a="http://schemas.openxmlformats.org/drawingml/2006/main" xmlns:r="http://schemas.openxmlformats.org/officeDocument/2006/relationships" xmlns:p="http://schemas.openxmlformats.org/presentationml/2006/main">
   <p:cSld>
+    <p:bg>
+      <p:bgPr>
+        <a:solidFill>
+          <a:schemeClr val="bg1"/>
+        </a:solidFill>
+        <a:effectLst/>
+      </p:bgPr>
+    </p:bg>
     <p:spTree>
       <p:nvGrpSpPr>
         <p:cNvPr id="1" name=""/>
@@ -3322,56 +3608,41 @@
           <a:chExt cx="0" cy="0"/>
         </a:xfrm>
       </p:grpSpPr>
-      <p:sp>
-        <p:nvSpPr>
-          <p:cNvPr id="2" name="כותרת 1">
-            <a:extLst>
-              <a:ext uri="{FF2B5EF4-FFF2-40B4-BE49-F238E27FC236}">
-                <a16:creationId xmlns:a16="http://schemas.microsoft.com/office/drawing/2014/main" id="{49C6490E-809E-4C2C-AE5C-C3D70E30827E}"/>
-              </a:ext>
-            </a:extLst>
-          </p:cNvPr>
-          <p:cNvSpPr>
-            <a:spLocks noGrp="1"/>
-          </p:cNvSpPr>
-          <p:nvPr>
-            <p:ph type="ctrTitle"/>
-          </p:nvPr>
-        </p:nvSpPr>
-        <p:spPr/>
-        <p:txBody>
-          <a:bodyPr/>
-          <a:lstStyle/>
-          <a:p>
-            <a:endParaRPr lang="he-IL"/>
-          </a:p>
-        </p:txBody>
-      </p:sp>
-      <p:sp>
-        <p:nvSpPr>
-          <p:cNvPr id="3" name="כותרת משנה 2">
-            <a:extLst>
-              <a:ext uri="{FF2B5EF4-FFF2-40B4-BE49-F238E27FC236}">
-                <a16:creationId xmlns:a16="http://schemas.microsoft.com/office/drawing/2014/main" id="{F4295FEF-533C-4EA9-9189-FA87405FEF54}"/>
-              </a:ext>
-            </a:extLst>
-          </p:cNvPr>
-          <p:cNvSpPr>
-            <a:spLocks noGrp="1"/>
-          </p:cNvSpPr>
-          <p:nvPr>
-            <p:ph type="subTitle" idx="1"/>
-          </p:nvPr>
-        </p:nvSpPr>
-        <p:spPr/>
-        <p:txBody>
-          <a:bodyPr/>
-          <a:lstStyle/>
-          <a:p>
-            <a:endParaRPr lang="he-IL"/>
-          </a:p>
-        </p:txBody>
-      </p:sp>
+      <p:pic>
+        <p:nvPicPr>
+          <p:cNvPr id="6" name="Picture 5">
+            <a:extLst>
+              <a:ext uri="{FF2B5EF4-FFF2-40B4-BE49-F238E27FC236}">
+                <a16:creationId xmlns:a16="http://schemas.microsoft.com/office/drawing/2014/main" id="{8D17072E-C2E3-49A0-95DC-51200ABA6C8B}"/>
+              </a:ext>
+            </a:extLst>
+          </p:cNvPr>
+          <p:cNvPicPr>
+            <a:picLocks noChangeAspect="1"/>
+          </p:cNvPicPr>
+          <p:nvPr/>
+        </p:nvPicPr>
+        <p:blipFill rotWithShape="1">
+          <a:blip r:embed="rId2">
+            <a:extLst>
+              <a:ext uri="{28A0092B-C50C-407E-A947-70E740481C1C}">
+                <a14:useLocalDpi xmlns:a14="http://schemas.microsoft.com/office/drawing/2010/main" val="0"/>
+              </a:ext>
+            </a:extLst>
+          </a:blip>
+          <a:srcRect/>
+          <a:stretch/>
+        </p:blipFill>
+        <p:spPr>
+          <a:xfrm>
+            <a:off x="1487055" y="699654"/>
+            <a:ext cx="9421091" cy="5299364"/>
+          </a:xfrm>
+          <a:prstGeom prst="rect">
+            <a:avLst/>
+          </a:prstGeom>
+        </p:spPr>
+      </p:pic>
     </p:spTree>
     <p:extLst>
       <p:ext uri="{BB962C8B-B14F-4D97-AF65-F5344CB8AC3E}">
@@ -3402,6 +3673,529 @@
           <a:chExt cx="0" cy="0"/>
         </a:xfrm>
       </p:grpSpPr>
+      <p:pic>
+        <p:nvPicPr>
+          <p:cNvPr id="1044" name="Picture 20" descr="Image result for google">
+            <a:extLst>
+              <a:ext uri="{FF2B5EF4-FFF2-40B4-BE49-F238E27FC236}">
+                <a16:creationId xmlns:a16="http://schemas.microsoft.com/office/drawing/2014/main" id="{33E0848B-F4E1-4681-9286-44A2F15C3E5C}"/>
+              </a:ext>
+            </a:extLst>
+          </p:cNvPr>
+          <p:cNvPicPr>
+            <a:picLocks noChangeAspect="1" noChangeArrowheads="1"/>
+          </p:cNvPicPr>
+          <p:nvPr/>
+        </p:nvPicPr>
+        <p:blipFill rotWithShape="1">
+          <a:blip r:embed="rId2">
+            <a:extLst>
+              <a:ext uri="{28A0092B-C50C-407E-A947-70E740481C1C}">
+                <a14:useLocalDpi xmlns:a14="http://schemas.microsoft.com/office/drawing/2010/main" val="0"/>
+              </a:ext>
+            </a:extLst>
+          </a:blip>
+          <a:srcRect t="27059" b="21493"/>
+          <a:stretch/>
+        </p:blipFill>
+        <p:spPr bwMode="auto">
+          <a:xfrm>
+            <a:off x="6096000" y="4849091"/>
+            <a:ext cx="5143500" cy="1764145"/>
+          </a:xfrm>
+          <a:prstGeom prst="rect">
+            <a:avLst/>
+          </a:prstGeom>
+          <a:noFill/>
+          <a:extLst>
+            <a:ext uri="{909E8E84-426E-40DD-AFC4-6F175D3DCCD1}">
+              <a14:hiddenFill xmlns:a14="http://schemas.microsoft.com/office/drawing/2010/main">
+                <a:solidFill>
+                  <a:srgbClr val="FFFFFF"/>
+                </a:solidFill>
+              </a14:hiddenFill>
+            </a:ext>
+          </a:extLst>
+        </p:spPr>
+      </p:pic>
+      <p:pic>
+        <p:nvPicPr>
+          <p:cNvPr id="1040" name="Picture 16" descr="Image result for dell emc">
+            <a:extLst>
+              <a:ext uri="{FF2B5EF4-FFF2-40B4-BE49-F238E27FC236}">
+                <a16:creationId xmlns:a16="http://schemas.microsoft.com/office/drawing/2014/main" id="{E797E158-8311-4E05-BB81-6B1274B929D3}"/>
+              </a:ext>
+            </a:extLst>
+          </p:cNvPr>
+          <p:cNvPicPr>
+            <a:picLocks noChangeAspect="1" noChangeArrowheads="1"/>
+          </p:cNvPicPr>
+          <p:nvPr/>
+        </p:nvPicPr>
+        <p:blipFill>
+          <a:blip r:embed="rId3">
+            <a:extLst>
+              <a:ext uri="{28A0092B-C50C-407E-A947-70E740481C1C}">
+                <a14:useLocalDpi xmlns:a14="http://schemas.microsoft.com/office/drawing/2010/main" val="0"/>
+              </a:ext>
+            </a:extLst>
+          </a:blip>
+          <a:srcRect/>
+          <a:stretch>
+            <a:fillRect/>
+          </a:stretch>
+        </p:blipFill>
+        <p:spPr bwMode="auto">
+          <a:xfrm>
+            <a:off x="1108273" y="2291927"/>
+            <a:ext cx="4169408" cy="2918586"/>
+          </a:xfrm>
+          <a:prstGeom prst="rect">
+            <a:avLst/>
+          </a:prstGeom>
+          <a:noFill/>
+          <a:extLst>
+            <a:ext uri="{909E8E84-426E-40DD-AFC4-6F175D3DCCD1}">
+              <a14:hiddenFill xmlns:a14="http://schemas.microsoft.com/office/drawing/2010/main">
+                <a:solidFill>
+                  <a:srgbClr val="FFFFFF"/>
+                </a:solidFill>
+              </a14:hiddenFill>
+            </a:ext>
+          </a:extLst>
+        </p:spPr>
+      </p:pic>
+      <p:pic>
+        <p:nvPicPr>
+          <p:cNvPr id="4" name="Picture 3">
+            <a:extLst>
+              <a:ext uri="{FF2B5EF4-FFF2-40B4-BE49-F238E27FC236}">
+                <a16:creationId xmlns:a16="http://schemas.microsoft.com/office/drawing/2014/main" id="{AB65ABDB-2DA5-4965-AC25-7B0E00ECF38B}"/>
+              </a:ext>
+            </a:extLst>
+          </p:cNvPr>
+          <p:cNvPicPr>
+            <a:picLocks noChangeAspect="1"/>
+          </p:cNvPicPr>
+          <p:nvPr/>
+        </p:nvPicPr>
+        <p:blipFill rotWithShape="1">
+          <a:blip r:embed="rId4">
+            <a:extLst>
+              <a:ext uri="{28A0092B-C50C-407E-A947-70E740481C1C}">
+                <a14:useLocalDpi xmlns:a14="http://schemas.microsoft.com/office/drawing/2010/main" val="0"/>
+              </a:ext>
+            </a:extLst>
+          </a:blip>
+          <a:srcRect/>
+          <a:stretch/>
+        </p:blipFill>
+        <p:spPr>
+          <a:xfrm>
+            <a:off x="193964" y="230188"/>
+            <a:ext cx="2105889" cy="1184563"/>
+          </a:xfrm>
+          <a:prstGeom prst="rect">
+            <a:avLst/>
+          </a:prstGeom>
+        </p:spPr>
+      </p:pic>
+      <p:pic>
+        <p:nvPicPr>
+          <p:cNvPr id="5" name="Picture 2" descr="Image result for bgu">
+            <a:extLst>
+              <a:ext uri="{FF2B5EF4-FFF2-40B4-BE49-F238E27FC236}">
+                <a16:creationId xmlns:a16="http://schemas.microsoft.com/office/drawing/2014/main" id="{522E04A6-CF02-43EA-92AE-F4DC88F00C9E}"/>
+              </a:ext>
+            </a:extLst>
+          </p:cNvPr>
+          <p:cNvPicPr>
+            <a:picLocks noChangeAspect="1" noChangeArrowheads="1"/>
+          </p:cNvPicPr>
+          <p:nvPr/>
+        </p:nvPicPr>
+        <p:blipFill>
+          <a:blip r:embed="rId5" cstate="print">
+            <a:extLst>
+              <a:ext uri="{28A0092B-C50C-407E-A947-70E740481C1C}">
+                <a14:useLocalDpi xmlns:a14="http://schemas.microsoft.com/office/drawing/2010/main" val="0"/>
+              </a:ext>
+            </a:extLst>
+          </a:blip>
+          <a:srcRect/>
+          <a:stretch>
+            <a:fillRect/>
+          </a:stretch>
+        </p:blipFill>
+        <p:spPr bwMode="auto">
+          <a:xfrm>
+            <a:off x="10526685" y="86793"/>
+            <a:ext cx="1471351" cy="1471351"/>
+          </a:xfrm>
+          <a:prstGeom prst="rect">
+            <a:avLst/>
+          </a:prstGeom>
+          <a:noFill/>
+          <a:extLst>
+            <a:ext uri="{909E8E84-426E-40DD-AFC4-6F175D3DCCD1}">
+              <a14:hiddenFill xmlns:a14="http://schemas.microsoft.com/office/drawing/2010/main">
+                <a:solidFill>
+                  <a:srgbClr val="FFFFFF"/>
+                </a:solidFill>
+              </a14:hiddenFill>
+            </a:ext>
+          </a:extLst>
+        </p:spPr>
+      </p:pic>
+      <p:sp>
+        <p:nvSpPr>
+          <p:cNvPr id="6" name="כותרת 1">
+            <a:extLst>
+              <a:ext uri="{FF2B5EF4-FFF2-40B4-BE49-F238E27FC236}">
+                <a16:creationId xmlns:a16="http://schemas.microsoft.com/office/drawing/2014/main" id="{73E4DFC6-7C50-493A-85A0-14E2760C1AAA}"/>
+              </a:ext>
+            </a:extLst>
+          </p:cNvPr>
+          <p:cNvSpPr>
+            <a:spLocks noGrp="1"/>
+          </p:cNvSpPr>
+          <p:nvPr>
+            <p:ph type="title"/>
+          </p:nvPr>
+        </p:nvSpPr>
+        <p:spPr>
+          <a:xfrm>
+            <a:off x="838200" y="143826"/>
+            <a:ext cx="10515600" cy="1325563"/>
+          </a:xfrm>
+        </p:spPr>
+        <p:txBody>
+          <a:bodyPr vert="horz" lIns="91440" tIns="45720" rIns="91440" bIns="45720" rtlCol="1" anchor="ctr">
+            <a:normAutofit/>
+          </a:bodyPr>
+          <a:lstStyle/>
+          <a:p>
+            <a:pPr algn="ctr"/>
+            <a:r>
+              <a:rPr lang="en-US" sz="6600" b="1" dirty="0"/>
+              <a:t>Thanks to our sponsors</a:t>
+            </a:r>
+            <a:endParaRPr lang="he-IL" sz="6600" b="1" dirty="0"/>
+          </a:p>
+        </p:txBody>
+      </p:sp>
+      <p:pic>
+        <p:nvPicPr>
+          <p:cNvPr id="1026" name="Picture 2" descr="Image result for CBG cyber ben gurion">
+            <a:extLst>
+              <a:ext uri="{FF2B5EF4-FFF2-40B4-BE49-F238E27FC236}">
+                <a16:creationId xmlns:a16="http://schemas.microsoft.com/office/drawing/2014/main" id="{27BFF0FE-6617-44BA-8B41-3B18940B075E}"/>
+              </a:ext>
+            </a:extLst>
+          </p:cNvPr>
+          <p:cNvPicPr>
+            <a:picLocks noChangeAspect="1" noChangeArrowheads="1"/>
+          </p:cNvPicPr>
+          <p:nvPr/>
+        </p:nvPicPr>
+        <p:blipFill>
+          <a:blip r:embed="rId6">
+            <a:extLst>
+              <a:ext uri="{28A0092B-C50C-407E-A947-70E740481C1C}">
+                <a14:useLocalDpi xmlns:a14="http://schemas.microsoft.com/office/drawing/2010/main" val="0"/>
+              </a:ext>
+            </a:extLst>
+          </a:blip>
+          <a:srcRect/>
+          <a:stretch>
+            <a:fillRect/>
+          </a:stretch>
+        </p:blipFill>
+        <p:spPr bwMode="auto">
+          <a:xfrm>
+            <a:off x="5455413" y="1612128"/>
+            <a:ext cx="1693533" cy="1673491"/>
+          </a:xfrm>
+          <a:prstGeom prst="rect">
+            <a:avLst/>
+          </a:prstGeom>
+          <a:noFill/>
+          <a:extLst>
+            <a:ext uri="{909E8E84-426E-40DD-AFC4-6F175D3DCCD1}">
+              <a14:hiddenFill xmlns:a14="http://schemas.microsoft.com/office/drawing/2010/main">
+                <a:solidFill>
+                  <a:srgbClr val="FFFFFF"/>
+                </a:solidFill>
+              </a14:hiddenFill>
+            </a:ext>
+          </a:extLst>
+        </p:spPr>
+      </p:pic>
+      <p:pic>
+        <p:nvPicPr>
+          <p:cNvPr id="1034" name="Picture 10" descr="Image result for amdocs">
+            <a:extLst>
+              <a:ext uri="{FF2B5EF4-FFF2-40B4-BE49-F238E27FC236}">
+                <a16:creationId xmlns:a16="http://schemas.microsoft.com/office/drawing/2014/main" id="{44C187D1-342C-476F-BED8-2DF9AD3D2791}"/>
+              </a:ext>
+            </a:extLst>
+          </p:cNvPr>
+          <p:cNvPicPr>
+            <a:picLocks noChangeAspect="1" noChangeArrowheads="1"/>
+          </p:cNvPicPr>
+          <p:nvPr/>
+        </p:nvPicPr>
+        <p:blipFill>
+          <a:blip r:embed="rId7">
+            <a:extLst>
+              <a:ext uri="{28A0092B-C50C-407E-A947-70E740481C1C}">
+                <a14:useLocalDpi xmlns:a14="http://schemas.microsoft.com/office/drawing/2010/main" val="0"/>
+              </a:ext>
+            </a:extLst>
+          </a:blip>
+          <a:srcRect/>
+          <a:stretch>
+            <a:fillRect/>
+          </a:stretch>
+        </p:blipFill>
+        <p:spPr bwMode="auto">
+          <a:xfrm>
+            <a:off x="623734" y="1913617"/>
+            <a:ext cx="3352237" cy="730683"/>
+          </a:xfrm>
+          <a:prstGeom prst="rect">
+            <a:avLst/>
+          </a:prstGeom>
+          <a:noFill/>
+          <a:extLst>
+            <a:ext uri="{909E8E84-426E-40DD-AFC4-6F175D3DCCD1}">
+              <a14:hiddenFill xmlns:a14="http://schemas.microsoft.com/office/drawing/2010/main">
+                <a:solidFill>
+                  <a:srgbClr val="FFFFFF"/>
+                </a:solidFill>
+              </a14:hiddenFill>
+            </a:ext>
+          </a:extLst>
+        </p:spPr>
+      </p:pic>
+      <p:pic>
+        <p:nvPicPr>
+          <p:cNvPr id="1036" name="Picture 12" descr="Image result for ebay">
+            <a:extLst>
+              <a:ext uri="{FF2B5EF4-FFF2-40B4-BE49-F238E27FC236}">
+                <a16:creationId xmlns:a16="http://schemas.microsoft.com/office/drawing/2014/main" id="{5533B068-267E-437F-9EEE-641558BC48C4}"/>
+              </a:ext>
+            </a:extLst>
+          </p:cNvPr>
+          <p:cNvPicPr>
+            <a:picLocks noChangeAspect="1" noChangeArrowheads="1"/>
+          </p:cNvPicPr>
+          <p:nvPr/>
+        </p:nvPicPr>
+        <p:blipFill>
+          <a:blip r:embed="rId8">
+            <a:extLst>
+              <a:ext uri="{28A0092B-C50C-407E-A947-70E740481C1C}">
+                <a14:useLocalDpi xmlns:a14="http://schemas.microsoft.com/office/drawing/2010/main" val="0"/>
+              </a:ext>
+            </a:extLst>
+          </a:blip>
+          <a:srcRect/>
+          <a:stretch>
+            <a:fillRect/>
+          </a:stretch>
+        </p:blipFill>
+        <p:spPr bwMode="auto">
+          <a:xfrm>
+            <a:off x="8014369" y="1800300"/>
+            <a:ext cx="2493844" cy="997538"/>
+          </a:xfrm>
+          <a:prstGeom prst="rect">
+            <a:avLst/>
+          </a:prstGeom>
+          <a:noFill/>
+          <a:extLst>
+            <a:ext uri="{909E8E84-426E-40DD-AFC4-6F175D3DCCD1}">
+              <a14:hiddenFill xmlns:a14="http://schemas.microsoft.com/office/drawing/2010/main">
+                <a:solidFill>
+                  <a:srgbClr val="FFFFFF"/>
+                </a:solidFill>
+              </a14:hiddenFill>
+            </a:ext>
+          </a:extLst>
+        </p:spPr>
+      </p:pic>
+      <p:pic>
+        <p:nvPicPr>
+          <p:cNvPr id="1042" name="Picture 18" descr="Image result for taboola">
+            <a:extLst>
+              <a:ext uri="{FF2B5EF4-FFF2-40B4-BE49-F238E27FC236}">
+                <a16:creationId xmlns:a16="http://schemas.microsoft.com/office/drawing/2014/main" id="{051CEE05-15E3-401A-9AB1-299DE9F58BFE}"/>
+              </a:ext>
+            </a:extLst>
+          </p:cNvPr>
+          <p:cNvPicPr>
+            <a:picLocks noChangeAspect="1" noChangeArrowheads="1"/>
+          </p:cNvPicPr>
+          <p:nvPr/>
+        </p:nvPicPr>
+        <p:blipFill>
+          <a:blip r:embed="rId9">
+            <a:extLst>
+              <a:ext uri="{28A0092B-C50C-407E-A947-70E740481C1C}">
+                <a14:useLocalDpi xmlns:a14="http://schemas.microsoft.com/office/drawing/2010/main" val="0"/>
+              </a:ext>
+            </a:extLst>
+          </a:blip>
+          <a:srcRect/>
+          <a:stretch>
+            <a:fillRect/>
+          </a:stretch>
+        </p:blipFill>
+        <p:spPr bwMode="auto">
+          <a:xfrm>
+            <a:off x="6914321" y="1707017"/>
+            <a:ext cx="4720676" cy="4720676"/>
+          </a:xfrm>
+          <a:prstGeom prst="rect">
+            <a:avLst/>
+          </a:prstGeom>
+          <a:noFill/>
+          <a:extLst>
+            <a:ext uri="{909E8E84-426E-40DD-AFC4-6F175D3DCCD1}">
+              <a14:hiddenFill xmlns:a14="http://schemas.microsoft.com/office/drawing/2010/main">
+                <a:solidFill>
+                  <a:srgbClr val="FFFFFF"/>
+                </a:solidFill>
+              </a14:hiddenFill>
+            </a:ext>
+          </a:extLst>
+        </p:spPr>
+      </p:pic>
+      <p:pic>
+        <p:nvPicPr>
+          <p:cNvPr id="1046" name="Picture 22" descr="Image result for intel">
+            <a:extLst>
+              <a:ext uri="{FF2B5EF4-FFF2-40B4-BE49-F238E27FC236}">
+                <a16:creationId xmlns:a16="http://schemas.microsoft.com/office/drawing/2014/main" id="{75A60623-9B46-47A6-8B12-0CCD5AF4B657}"/>
+              </a:ext>
+            </a:extLst>
+          </p:cNvPr>
+          <p:cNvPicPr>
+            <a:picLocks noChangeAspect="1" noChangeArrowheads="1"/>
+          </p:cNvPicPr>
+          <p:nvPr/>
+        </p:nvPicPr>
+        <p:blipFill>
+          <a:blip r:embed="rId10">
+            <a:extLst>
+              <a:ext uri="{28A0092B-C50C-407E-A947-70E740481C1C}">
+                <a14:useLocalDpi xmlns:a14="http://schemas.microsoft.com/office/drawing/2010/main" val="0"/>
+              </a:ext>
+            </a:extLst>
+          </a:blip>
+          <a:srcRect/>
+          <a:stretch>
+            <a:fillRect/>
+          </a:stretch>
+        </p:blipFill>
+        <p:spPr bwMode="auto">
+          <a:xfrm>
+            <a:off x="2009231" y="4279312"/>
+            <a:ext cx="3812742" cy="2528949"/>
+          </a:xfrm>
+          <a:prstGeom prst="rect">
+            <a:avLst/>
+          </a:prstGeom>
+          <a:noFill/>
+          <a:extLst>
+            <a:ext uri="{909E8E84-426E-40DD-AFC4-6F175D3DCCD1}">
+              <a14:hiddenFill xmlns:a14="http://schemas.microsoft.com/office/drawing/2010/main">
+                <a:solidFill>
+                  <a:srgbClr val="FFFFFF"/>
+                </a:solidFill>
+              </a14:hiddenFill>
+            </a:ext>
+          </a:extLst>
+        </p:spPr>
+      </p:pic>
+    </p:spTree>
+    <p:extLst>
+      <p:ext uri="{BB962C8B-B14F-4D97-AF65-F5344CB8AC3E}">
+        <p14:creationId xmlns:p14="http://schemas.microsoft.com/office/powerpoint/2010/main" val="2355302854"/>
+      </p:ext>
+    </p:extLst>
+  </p:cSld>
+  <p:clrMapOvr>
+    <a:masterClrMapping/>
+  </p:clrMapOvr>
+</p:sld>
+</file>
+
+<file path=ppt/slides/slide3.xml><?xml version="1.0" encoding="utf-8"?>
+<p:sld xmlns:a="http://schemas.openxmlformats.org/drawingml/2006/main" xmlns:r="http://schemas.openxmlformats.org/officeDocument/2006/relationships" xmlns:p="http://schemas.openxmlformats.org/presentationml/2006/main">
+  <p:cSld>
+    <p:spTree>
+      <p:nvGrpSpPr>
+        <p:cNvPr id="1" name=""/>
+        <p:cNvGrpSpPr/>
+        <p:nvPr/>
+      </p:nvGrpSpPr>
+      <p:grpSpPr>
+        <a:xfrm>
+          <a:off x="0" y="0"/>
+          <a:ext cx="0" cy="0"/>
+          <a:chOff x="0" y="0"/>
+          <a:chExt cx="0" cy="0"/>
+        </a:xfrm>
+      </p:grpSpPr>
+      <p:pic>
+        <p:nvPicPr>
+          <p:cNvPr id="2056" name="Picture 8" descr="Image result for category embedding">
+            <a:extLst>
+              <a:ext uri="{FF2B5EF4-FFF2-40B4-BE49-F238E27FC236}">
+                <a16:creationId xmlns:a16="http://schemas.microsoft.com/office/drawing/2014/main" id="{6E4E133D-3057-471C-98F6-D21AFB614F93}"/>
+              </a:ext>
+            </a:extLst>
+          </p:cNvPr>
+          <p:cNvPicPr>
+            <a:picLocks noChangeAspect="1" noChangeArrowheads="1"/>
+          </p:cNvPicPr>
+          <p:nvPr/>
+        </p:nvPicPr>
+        <p:blipFill>
+          <a:blip r:embed="rId2">
+            <a:extLst>
+              <a:ext uri="{28A0092B-C50C-407E-A947-70E740481C1C}">
+                <a14:useLocalDpi xmlns:a14="http://schemas.microsoft.com/office/drawing/2010/main" val="0"/>
+              </a:ext>
+            </a:extLst>
+          </a:blip>
+          <a:srcRect/>
+          <a:stretch>
+            <a:fillRect/>
+          </a:stretch>
+        </p:blipFill>
+        <p:spPr bwMode="auto">
+          <a:xfrm>
+            <a:off x="4718085" y="2114851"/>
+            <a:ext cx="2449332" cy="1377389"/>
+          </a:xfrm>
+          <a:prstGeom prst="rect">
+            <a:avLst/>
+          </a:prstGeom>
+          <a:noFill/>
+          <a:extLst>
+            <a:ext uri="{909E8E84-426E-40DD-AFC4-6F175D3DCCD1}">
+              <a14:hiddenFill xmlns:a14="http://schemas.microsoft.com/office/drawing/2010/main">
+                <a:solidFill>
+                  <a:srgbClr val="FFFFFF"/>
+                </a:solidFill>
+              </a14:hiddenFill>
+            </a:ext>
+          </a:extLst>
+        </p:spPr>
+      </p:pic>
       <p:sp>
         <p:nvSpPr>
           <p:cNvPr id="2" name="כותרת 1">
@@ -3420,23 +4214,16 @@
         </p:nvSpPr>
         <p:spPr/>
         <p:txBody>
-          <a:bodyPr/>
+          <a:bodyPr vert="horz" lIns="91440" tIns="45720" rIns="91440" bIns="45720" rtlCol="1" anchor="ctr">
+            <a:normAutofit/>
+          </a:bodyPr>
           <a:lstStyle/>
           <a:p>
             <a:pPr algn="ctr"/>
             <a:r>
-              <a:rPr lang="en-US" dirty="0">
-                <a:solidFill>
-                  <a:schemeClr val="accent2">
-                    <a:lumMod val="75000"/>
-                  </a:schemeClr>
-                </a:solidFill>
-              </a:rPr>
+              <a:rPr lang="en-US" dirty="0"/>
               <a:t>DMBI Data Hackathon</a:t>
             </a:r>
-            <a:br>
-              <a:rPr lang="en-US" dirty="0"/>
-            </a:br>
             <a:endParaRPr lang="he-IL" dirty="0"/>
           </a:p>
         </p:txBody>
@@ -3457,57 +4244,5509 @@
             <p:ph idx="1"/>
           </p:nvPr>
         </p:nvSpPr>
+        <p:spPr>
+          <a:xfrm>
+            <a:off x="394855" y="1622425"/>
+            <a:ext cx="10845800" cy="4351338"/>
+          </a:xfrm>
+        </p:spPr>
+        <p:txBody>
+          <a:bodyPr>
+            <a:normAutofit/>
+          </a:bodyPr>
+          <a:lstStyle/>
+          <a:p>
+            <a:pPr marL="0" indent="0" algn="ctr" rtl="0" fontAlgn="base">
+              <a:lnSpc>
+                <a:spcPct val="100000"/>
+              </a:lnSpc>
+              <a:buNone/>
+            </a:pPr>
+            <a:r>
+              <a:rPr lang="en-US" sz="2400" b="1" dirty="0"/>
+              <a:t>12:00 - an Introductory Tutorial on Embeddings with TensorFlow - by Taboola</a:t>
+            </a:r>
+          </a:p>
+          <a:p>
+            <a:pPr marL="0" indent="0" algn="ctr" rtl="0" fontAlgn="base">
+              <a:lnSpc>
+                <a:spcPct val="100000"/>
+              </a:lnSpc>
+              <a:buNone/>
+            </a:pPr>
+            <a:endParaRPr lang="en-US" sz="2400" b="1" dirty="0"/>
+          </a:p>
+          <a:p>
+            <a:pPr marL="0" indent="0" algn="ctr" rtl="0" fontAlgn="base">
+              <a:lnSpc>
+                <a:spcPct val="100000"/>
+              </a:lnSpc>
+              <a:buNone/>
+            </a:pPr>
+            <a:endParaRPr lang="en-US" sz="2400" b="1" dirty="0"/>
+          </a:p>
+          <a:p>
+            <a:pPr marL="0" indent="0" algn="ctr" rtl="0" fontAlgn="base">
+              <a:lnSpc>
+                <a:spcPct val="100000"/>
+              </a:lnSpc>
+              <a:buNone/>
+            </a:pPr>
+            <a:endParaRPr lang="en-US" sz="2400" b="1" dirty="0"/>
+          </a:p>
+          <a:p>
+            <a:pPr marL="0" indent="0" algn="ctr" rtl="0" fontAlgn="base">
+              <a:lnSpc>
+                <a:spcPct val="100000"/>
+              </a:lnSpc>
+              <a:buNone/>
+            </a:pPr>
+            <a:r>
+              <a:rPr lang="en-US" sz="2400" b="1" dirty="0"/>
+              <a:t>16:00 - Advanced </a:t>
+            </a:r>
+            <a:r>
+              <a:rPr lang="en-US" sz="2400" b="1" dirty="0" err="1"/>
+              <a:t>Keras</a:t>
+            </a:r>
+            <a:r>
+              <a:rPr lang="en-US" sz="2400" b="1" dirty="0"/>
+              <a:t> Applications - by Yam Peleg</a:t>
+            </a:r>
+          </a:p>
+          <a:p>
+            <a:pPr marL="0" indent="0" algn="ctr" rtl="0" fontAlgn="base">
+              <a:lnSpc>
+                <a:spcPct val="100000"/>
+              </a:lnSpc>
+              <a:buNone/>
+            </a:pPr>
+            <a:endParaRPr lang="en-US" sz="1050" b="1" dirty="0"/>
+          </a:p>
+          <a:p>
+            <a:pPr marL="0" indent="0" algn="ctr" rtl="0" fontAlgn="base">
+              <a:lnSpc>
+                <a:spcPct val="100000"/>
+              </a:lnSpc>
+              <a:buNone/>
+            </a:pPr>
+            <a:endParaRPr lang="en-US" sz="1050" b="1" dirty="0"/>
+          </a:p>
+          <a:p>
+            <a:pPr marL="0" indent="0" algn="ctr" rtl="0" fontAlgn="base">
+              <a:lnSpc>
+                <a:spcPct val="100000"/>
+              </a:lnSpc>
+              <a:buNone/>
+            </a:pPr>
+            <a:endParaRPr lang="en-US" sz="1050" b="1" dirty="0"/>
+          </a:p>
+          <a:p>
+            <a:pPr marL="0" indent="0" algn="ctr" rtl="0" fontAlgn="base">
+              <a:lnSpc>
+                <a:spcPct val="100000"/>
+              </a:lnSpc>
+              <a:buNone/>
+            </a:pPr>
+            <a:r>
+              <a:rPr lang="en-US" sz="2400" b="1" dirty="0"/>
+              <a:t>19:00 - Interpretability of Machine Learning Models - by  Michaël </a:t>
+            </a:r>
+            <a:r>
+              <a:rPr lang="en-US" sz="2400" b="1" dirty="0" err="1"/>
+              <a:t>Mariën</a:t>
+            </a:r>
+            <a:r>
+              <a:rPr lang="en-US" sz="2400" b="1" dirty="0"/>
+              <a:t> from KBC</a:t>
+            </a:r>
+          </a:p>
+          <a:p>
+            <a:pPr algn="ctr" rtl="0">
+              <a:lnSpc>
+                <a:spcPct val="150000"/>
+              </a:lnSpc>
+            </a:pPr>
+            <a:endParaRPr lang="he-IL" sz="2400" b="1" dirty="0"/>
+          </a:p>
+        </p:txBody>
+      </p:sp>
+      <p:pic>
+        <p:nvPicPr>
+          <p:cNvPr id="6" name="Picture 5">
+            <a:extLst>
+              <a:ext uri="{FF2B5EF4-FFF2-40B4-BE49-F238E27FC236}">
+                <a16:creationId xmlns:a16="http://schemas.microsoft.com/office/drawing/2014/main" id="{F6C8768B-75C6-4862-BD41-955D3EED206B}"/>
+              </a:ext>
+            </a:extLst>
+          </p:cNvPr>
+          <p:cNvPicPr>
+            <a:picLocks noChangeAspect="1"/>
+          </p:cNvPicPr>
+          <p:nvPr/>
+        </p:nvPicPr>
+        <p:blipFill rotWithShape="1">
+          <a:blip r:embed="rId3">
+            <a:extLst>
+              <a:ext uri="{28A0092B-C50C-407E-A947-70E740481C1C}">
+                <a14:useLocalDpi xmlns:a14="http://schemas.microsoft.com/office/drawing/2010/main" val="0"/>
+              </a:ext>
+            </a:extLst>
+          </a:blip>
+          <a:srcRect/>
+          <a:stretch/>
+        </p:blipFill>
+        <p:spPr>
+          <a:xfrm>
+            <a:off x="193964" y="230188"/>
+            <a:ext cx="2105889" cy="1184563"/>
+          </a:xfrm>
+          <a:prstGeom prst="rect">
+            <a:avLst/>
+          </a:prstGeom>
+        </p:spPr>
+      </p:pic>
+      <p:pic>
+        <p:nvPicPr>
+          <p:cNvPr id="7" name="Picture 2" descr="Image result for bgu">
+            <a:extLst>
+              <a:ext uri="{FF2B5EF4-FFF2-40B4-BE49-F238E27FC236}">
+                <a16:creationId xmlns:a16="http://schemas.microsoft.com/office/drawing/2014/main" id="{90848CA4-C583-40E9-8976-C26F6CA508BB}"/>
+              </a:ext>
+            </a:extLst>
+          </p:cNvPr>
+          <p:cNvPicPr>
+            <a:picLocks noChangeAspect="1" noChangeArrowheads="1"/>
+          </p:cNvPicPr>
+          <p:nvPr/>
+        </p:nvPicPr>
+        <p:blipFill>
+          <a:blip r:embed="rId4" cstate="print">
+            <a:extLst>
+              <a:ext uri="{28A0092B-C50C-407E-A947-70E740481C1C}">
+                <a14:useLocalDpi xmlns:a14="http://schemas.microsoft.com/office/drawing/2010/main" val="0"/>
+              </a:ext>
+            </a:extLst>
+          </a:blip>
+          <a:srcRect/>
+          <a:stretch>
+            <a:fillRect/>
+          </a:stretch>
+        </p:blipFill>
+        <p:spPr bwMode="auto">
+          <a:xfrm>
+            <a:off x="10526685" y="86793"/>
+            <a:ext cx="1471351" cy="1471351"/>
+          </a:xfrm>
+          <a:prstGeom prst="rect">
+            <a:avLst/>
+          </a:prstGeom>
+          <a:noFill/>
+          <a:extLst>
+            <a:ext uri="{909E8E84-426E-40DD-AFC4-6F175D3DCCD1}">
+              <a14:hiddenFill xmlns:a14="http://schemas.microsoft.com/office/drawing/2010/main">
+                <a:solidFill>
+                  <a:srgbClr val="FFFFFF"/>
+                </a:solidFill>
+              </a14:hiddenFill>
+            </a:ext>
+          </a:extLst>
+        </p:spPr>
+      </p:pic>
+      <p:pic>
+        <p:nvPicPr>
+          <p:cNvPr id="2052" name="Picture 4" descr="Image result for keras">
+            <a:extLst>
+              <a:ext uri="{FF2B5EF4-FFF2-40B4-BE49-F238E27FC236}">
+                <a16:creationId xmlns:a16="http://schemas.microsoft.com/office/drawing/2014/main" id="{6DD1939C-D5B4-4232-A37D-57084DE2AF37}"/>
+              </a:ext>
+            </a:extLst>
+          </p:cNvPr>
+          <p:cNvPicPr>
+            <a:picLocks noChangeAspect="1" noChangeArrowheads="1"/>
+          </p:cNvPicPr>
+          <p:nvPr/>
+        </p:nvPicPr>
+        <p:blipFill>
+          <a:blip r:embed="rId5">
+            <a:extLst>
+              <a:ext uri="{28A0092B-C50C-407E-A947-70E740481C1C}">
+                <a14:useLocalDpi xmlns:a14="http://schemas.microsoft.com/office/drawing/2010/main" val="0"/>
+              </a:ext>
+            </a:extLst>
+          </a:blip>
+          <a:srcRect/>
+          <a:stretch>
+            <a:fillRect/>
+          </a:stretch>
+        </p:blipFill>
+        <p:spPr bwMode="auto">
+          <a:xfrm>
+            <a:off x="5056418" y="4132986"/>
+            <a:ext cx="1822973" cy="528662"/>
+          </a:xfrm>
+          <a:prstGeom prst="rect">
+            <a:avLst/>
+          </a:prstGeom>
+          <a:noFill/>
+          <a:extLst>
+            <a:ext uri="{909E8E84-426E-40DD-AFC4-6F175D3DCCD1}">
+              <a14:hiddenFill xmlns:a14="http://schemas.microsoft.com/office/drawing/2010/main">
+                <a:solidFill>
+                  <a:srgbClr val="FFFFFF"/>
+                </a:solidFill>
+              </a14:hiddenFill>
+            </a:ext>
+          </a:extLst>
+        </p:spPr>
+      </p:pic>
+      <p:pic>
+        <p:nvPicPr>
+          <p:cNvPr id="2058" name="Picture 10" descr="Image result for lime machine learning">
+            <a:extLst>
+              <a:ext uri="{FF2B5EF4-FFF2-40B4-BE49-F238E27FC236}">
+                <a16:creationId xmlns:a16="http://schemas.microsoft.com/office/drawing/2014/main" id="{F5E0D58F-78A8-4F41-AD92-13DE4AFFFA64}"/>
+              </a:ext>
+            </a:extLst>
+          </p:cNvPr>
+          <p:cNvPicPr>
+            <a:picLocks noChangeAspect="1" noChangeArrowheads="1"/>
+          </p:cNvPicPr>
+          <p:nvPr/>
+        </p:nvPicPr>
+        <p:blipFill>
+          <a:blip r:embed="rId6">
+            <a:extLst>
+              <a:ext uri="{28A0092B-C50C-407E-A947-70E740481C1C}">
+                <a14:useLocalDpi xmlns:a14="http://schemas.microsoft.com/office/drawing/2010/main" val="0"/>
+              </a:ext>
+            </a:extLst>
+          </a:blip>
+          <a:srcRect/>
+          <a:stretch>
+            <a:fillRect/>
+          </a:stretch>
+        </p:blipFill>
+        <p:spPr bwMode="auto">
+          <a:xfrm>
+            <a:off x="4102091" y="5409891"/>
+            <a:ext cx="3379360" cy="1448109"/>
+          </a:xfrm>
+          <a:prstGeom prst="rect">
+            <a:avLst/>
+          </a:prstGeom>
+          <a:noFill/>
+          <a:extLst>
+            <a:ext uri="{909E8E84-426E-40DD-AFC4-6F175D3DCCD1}">
+              <a14:hiddenFill xmlns:a14="http://schemas.microsoft.com/office/drawing/2010/main">
+                <a:solidFill>
+                  <a:srgbClr val="FFFFFF"/>
+                </a:solidFill>
+              </a14:hiddenFill>
+            </a:ext>
+          </a:extLst>
+        </p:spPr>
+      </p:pic>
+    </p:spTree>
+    <p:extLst>
+      <p:ext uri="{BB962C8B-B14F-4D97-AF65-F5344CB8AC3E}">
+        <p14:creationId xmlns:p14="http://schemas.microsoft.com/office/powerpoint/2010/main" val="1053139001"/>
+      </p:ext>
+    </p:extLst>
+  </p:cSld>
+  <p:clrMapOvr>
+    <a:masterClrMapping/>
+  </p:clrMapOvr>
+</p:sld>
+</file>
+
+<file path=ppt/slides/slide4.xml><?xml version="1.0" encoding="utf-8"?>
+<p:sld xmlns:a="http://schemas.openxmlformats.org/drawingml/2006/main" xmlns:r="http://schemas.openxmlformats.org/officeDocument/2006/relationships" xmlns:p="http://schemas.openxmlformats.org/presentationml/2006/main">
+  <p:cSld>
+    <p:spTree>
+      <p:nvGrpSpPr>
+        <p:cNvPr id="1" name=""/>
+        <p:cNvGrpSpPr/>
+        <p:nvPr/>
+      </p:nvGrpSpPr>
+      <p:grpSpPr>
+        <a:xfrm>
+          <a:off x="0" y="0"/>
+          <a:ext cx="0" cy="0"/>
+          <a:chOff x="0" y="0"/>
+          <a:chExt cx="0" cy="0"/>
+        </a:xfrm>
+      </p:grpSpPr>
+      <p:sp>
+        <p:nvSpPr>
+          <p:cNvPr id="2" name="Title 1"/>
+          <p:cNvSpPr>
+            <a:spLocks noGrp="1"/>
+          </p:cNvSpPr>
+          <p:nvPr>
+            <p:ph type="ctrTitle"/>
+          </p:nvPr>
+        </p:nvSpPr>
+        <p:spPr>
+          <a:xfrm>
+            <a:off x="2240692" y="251875"/>
+            <a:ext cx="8040130" cy="886967"/>
+          </a:xfrm>
+        </p:spPr>
+        <p:txBody>
+          <a:bodyPr>
+            <a:normAutofit fontScale="90000"/>
+          </a:bodyPr>
+          <a:lstStyle/>
+          <a:p>
+            <a:pPr algn="l"/>
+            <a:r>
+              <a:rPr lang="en-US" sz="4400" dirty="0"/>
+              <a:t>Drug-Drug interaction discovery (DDI)</a:t>
+            </a:r>
+          </a:p>
+        </p:txBody>
+      </p:sp>
+      <p:sp>
+        <p:nvSpPr>
+          <p:cNvPr id="3" name="Subtitle 2"/>
+          <p:cNvSpPr>
+            <a:spLocks noGrp="1"/>
+          </p:cNvSpPr>
+          <p:nvPr>
+            <p:ph type="subTitle" idx="1"/>
+          </p:nvPr>
+        </p:nvSpPr>
+        <p:spPr>
+          <a:xfrm>
+            <a:off x="99753" y="6392487"/>
+            <a:ext cx="10058400" cy="536169"/>
+          </a:xfrm>
+        </p:spPr>
+        <p:txBody>
+          <a:bodyPr/>
+          <a:lstStyle/>
+          <a:p>
+            <a:r>
+              <a:rPr lang="en-US" dirty="0">
+                <a:solidFill>
+                  <a:schemeClr val="tx1"/>
+                </a:solidFill>
+              </a:rPr>
+              <a:t>Guy </a:t>
+            </a:r>
+            <a:r>
+              <a:rPr lang="en-US" dirty="0" err="1">
+                <a:solidFill>
+                  <a:schemeClr val="tx1"/>
+                </a:solidFill>
+              </a:rPr>
+              <a:t>Shtar</a:t>
+            </a:r>
+            <a:endParaRPr lang="en-US" dirty="0">
+              <a:solidFill>
+                <a:schemeClr val="tx1"/>
+              </a:solidFill>
+            </a:endParaRPr>
+          </a:p>
+        </p:txBody>
+      </p:sp>
+      <p:pic>
+        <p:nvPicPr>
+          <p:cNvPr id="5" name="Picture 4"/>
+          <p:cNvPicPr>
+            <a:picLocks noChangeAspect="1"/>
+          </p:cNvPicPr>
+          <p:nvPr/>
+        </p:nvPicPr>
+        <p:blipFill>
+          <a:blip r:embed="rId2"/>
+          <a:stretch>
+            <a:fillRect/>
+          </a:stretch>
+        </p:blipFill>
+        <p:spPr>
+          <a:xfrm>
+            <a:off x="9268092" y="3152849"/>
+            <a:ext cx="2729944" cy="2732820"/>
+          </a:xfrm>
+          <a:prstGeom prst="rect">
+            <a:avLst/>
+          </a:prstGeom>
+        </p:spPr>
+      </p:pic>
+      <p:sp>
+        <p:nvSpPr>
+          <p:cNvPr id="4" name="TextBox 3"/>
+          <p:cNvSpPr txBox="1"/>
+          <p:nvPr/>
+        </p:nvSpPr>
+        <p:spPr>
+          <a:xfrm>
+            <a:off x="1596044" y="1503332"/>
+            <a:ext cx="7921399" cy="2308324"/>
+          </a:xfrm>
+          <a:prstGeom prst="rect">
+            <a:avLst/>
+          </a:prstGeom>
+          <a:noFill/>
+        </p:spPr>
+        <p:txBody>
+          <a:bodyPr wrap="none" rtlCol="0">
+            <a:spAutoFit/>
+          </a:bodyPr>
+          <a:lstStyle/>
+          <a:p>
+            <a:pPr marL="342900" indent="-342900" algn="l" rtl="0">
+              <a:lnSpc>
+                <a:spcPct val="150000"/>
+              </a:lnSpc>
+              <a:buFont typeface="Arial" panose="020B0604020202020204" pitchFamily="34" charset="0"/>
+              <a:buChar char="•"/>
+            </a:pPr>
+            <a:r>
+              <a:rPr lang="en-US" sz="2400" dirty="0"/>
+              <a:t>Predict unknown interactions in undirected graph </a:t>
+            </a:r>
+            <a:r>
+              <a:rPr lang="en-US" sz="2400" i="1" dirty="0"/>
+              <a:t>G</a:t>
+            </a:r>
+            <a:r>
+              <a:rPr lang="en-US" sz="2400" dirty="0"/>
+              <a:t> = (</a:t>
+            </a:r>
+            <a:r>
+              <a:rPr lang="en-US" sz="2400" i="1" dirty="0"/>
+              <a:t>V</a:t>
+            </a:r>
+            <a:r>
+              <a:rPr lang="en-US" sz="2400" dirty="0"/>
+              <a:t>, </a:t>
+            </a:r>
+            <a:r>
+              <a:rPr lang="en-US" sz="2400" i="1" dirty="0"/>
+              <a:t>E</a:t>
+            </a:r>
+            <a:r>
+              <a:rPr lang="en-US" sz="2400" dirty="0"/>
+              <a:t>)</a:t>
+            </a:r>
+          </a:p>
+          <a:p>
+            <a:pPr marL="342900" indent="-342900" algn="l" rtl="0">
+              <a:lnSpc>
+                <a:spcPct val="150000"/>
+              </a:lnSpc>
+              <a:buFont typeface="Arial" panose="020B0604020202020204" pitchFamily="34" charset="0"/>
+              <a:buChar char="•"/>
+            </a:pPr>
+            <a:r>
+              <a:rPr lang="en-US" sz="2400" dirty="0"/>
+              <a:t>Test on a newer version of the database</a:t>
+            </a:r>
+          </a:p>
+          <a:p>
+            <a:pPr marL="342900" indent="-342900" algn="l" rtl="0">
+              <a:lnSpc>
+                <a:spcPct val="150000"/>
+              </a:lnSpc>
+              <a:buFont typeface="Arial" panose="020B0604020202020204" pitchFamily="34" charset="0"/>
+              <a:buChar char="•"/>
+            </a:pPr>
+            <a:r>
+              <a:rPr lang="en-US" sz="2400" dirty="0"/>
+              <a:t>Evaluation metric: </a:t>
+            </a:r>
+            <a:r>
+              <a:rPr lang="en-US" sz="2400" strike="sngStrike" dirty="0"/>
+              <a:t>AUC</a:t>
+            </a:r>
+            <a:r>
+              <a:rPr lang="en-US" sz="2400" dirty="0"/>
+              <a:t> Average Precision @ k</a:t>
+            </a:r>
+          </a:p>
+          <a:p>
+            <a:pPr marL="342900" indent="-342900" algn="l" rtl="0">
+              <a:lnSpc>
+                <a:spcPct val="150000"/>
+              </a:lnSpc>
+              <a:buFont typeface="Arial" panose="020B0604020202020204" pitchFamily="34" charset="0"/>
+              <a:buChar char="•"/>
+            </a:pPr>
+            <a:r>
+              <a:rPr lang="en-US" sz="2400" dirty="0"/>
+              <a:t>More details in the competition page. </a:t>
+            </a:r>
+            <a:r>
+              <a:rPr lang="en-US" sz="2400" b="1" dirty="0"/>
+              <a:t>Read it carefully</a:t>
+            </a:r>
+            <a:endParaRPr lang="en-US" sz="2400" dirty="0"/>
+          </a:p>
+        </p:txBody>
+      </p:sp>
+      <p:graphicFrame>
+        <p:nvGraphicFramePr>
+          <p:cNvPr id="7" name="Table 6"/>
+          <p:cNvGraphicFramePr>
+            <a:graphicFrameLocks noGrp="1"/>
+          </p:cNvGraphicFramePr>
+          <p:nvPr>
+            <p:extLst/>
+          </p:nvPr>
+        </p:nvGraphicFramePr>
+        <p:xfrm>
+          <a:off x="3364454" y="3902319"/>
+          <a:ext cx="1481865" cy="2061558"/>
+        </p:xfrm>
+        <a:graphic>
+          <a:graphicData uri="http://schemas.openxmlformats.org/drawingml/2006/table">
+            <a:tbl>
+              <a:tblPr firstRow="1" bandRow="1">
+                <a:tableStyleId>{5C22544A-7EE6-4342-B048-85BDC9FD1C3A}</a:tableStyleId>
+              </a:tblPr>
+              <a:tblGrid>
+                <a:gridCol w="1481865">
+                  <a:extLst>
+                    <a:ext uri="{9D8B030D-6E8A-4147-A177-3AD203B41FA5}">
+                      <a16:colId xmlns:a16="http://schemas.microsoft.com/office/drawing/2014/main" val="3932471897"/>
+                    </a:ext>
+                  </a:extLst>
+                </a:gridCol>
+              </a:tblGrid>
+              <a:tr h="343593">
+                <a:tc>
+                  <a:txBody>
+                    <a:bodyPr/>
+                    <a:lstStyle/>
+                    <a:p>
+                      <a:r>
+                        <a:rPr lang="en-US" sz="1600" dirty="0"/>
+                        <a:t>Node1_node2</a:t>
+                      </a:r>
+                    </a:p>
+                  </a:txBody>
+                  <a:tcPr/>
+                </a:tc>
+                <a:extLst>
+                  <a:ext uri="{0D108BD9-81ED-4DB2-BD59-A6C34878D82A}">
+                    <a16:rowId xmlns:a16="http://schemas.microsoft.com/office/drawing/2014/main" val="1213402682"/>
+                  </a:ext>
+                </a:extLst>
+              </a:tr>
+              <a:tr h="343593">
+                <a:tc>
+                  <a:txBody>
+                    <a:bodyPr/>
+                    <a:lstStyle/>
+                    <a:p>
+                      <a:r>
+                        <a:rPr lang="en-US" sz="1600" dirty="0"/>
+                        <a:t>0_1</a:t>
+                      </a:r>
+                    </a:p>
+                  </a:txBody>
+                  <a:tcPr/>
+                </a:tc>
+                <a:extLst>
+                  <a:ext uri="{0D108BD9-81ED-4DB2-BD59-A6C34878D82A}">
+                    <a16:rowId xmlns:a16="http://schemas.microsoft.com/office/drawing/2014/main" val="103216693"/>
+                  </a:ext>
+                </a:extLst>
+              </a:tr>
+              <a:tr h="343593">
+                <a:tc>
+                  <a:txBody>
+                    <a:bodyPr/>
+                    <a:lstStyle/>
+                    <a:p>
+                      <a:r>
+                        <a:rPr lang="en-US" sz="1600" dirty="0"/>
+                        <a:t>1_3</a:t>
+                      </a:r>
+                    </a:p>
+                  </a:txBody>
+                  <a:tcPr/>
+                </a:tc>
+                <a:extLst>
+                  <a:ext uri="{0D108BD9-81ED-4DB2-BD59-A6C34878D82A}">
+                    <a16:rowId xmlns:a16="http://schemas.microsoft.com/office/drawing/2014/main" val="2293866077"/>
+                  </a:ext>
+                </a:extLst>
+              </a:tr>
+              <a:tr h="343593">
+                <a:tc>
+                  <a:txBody>
+                    <a:bodyPr/>
+                    <a:lstStyle/>
+                    <a:p>
+                      <a:r>
+                        <a:rPr lang="en-US" sz="1600" dirty="0"/>
+                        <a:t>0_2</a:t>
+                      </a:r>
+                    </a:p>
+                  </a:txBody>
+                  <a:tcPr/>
+                </a:tc>
+                <a:extLst>
+                  <a:ext uri="{0D108BD9-81ED-4DB2-BD59-A6C34878D82A}">
+                    <a16:rowId xmlns:a16="http://schemas.microsoft.com/office/drawing/2014/main" val="1861383652"/>
+                  </a:ext>
+                </a:extLst>
+              </a:tr>
+              <a:tr h="343593">
+                <a:tc>
+                  <a:txBody>
+                    <a:bodyPr/>
+                    <a:lstStyle/>
+                    <a:p>
+                      <a:r>
+                        <a:rPr lang="en-US" sz="1600" dirty="0"/>
+                        <a:t>2_5</a:t>
+                      </a:r>
+                    </a:p>
+                  </a:txBody>
+                  <a:tcPr/>
+                </a:tc>
+                <a:extLst>
+                  <a:ext uri="{0D108BD9-81ED-4DB2-BD59-A6C34878D82A}">
+                    <a16:rowId xmlns:a16="http://schemas.microsoft.com/office/drawing/2014/main" val="424837530"/>
+                  </a:ext>
+                </a:extLst>
+              </a:tr>
+              <a:tr h="343593">
+                <a:tc>
+                  <a:txBody>
+                    <a:bodyPr/>
+                    <a:lstStyle/>
+                    <a:p>
+                      <a:r>
+                        <a:rPr lang="en-US" sz="1600" dirty="0"/>
+                        <a:t>6_19</a:t>
+                      </a:r>
+                    </a:p>
+                  </a:txBody>
+                  <a:tcPr/>
+                </a:tc>
+                <a:extLst>
+                  <a:ext uri="{0D108BD9-81ED-4DB2-BD59-A6C34878D82A}">
+                    <a16:rowId xmlns:a16="http://schemas.microsoft.com/office/drawing/2014/main" val="1481761364"/>
+                  </a:ext>
+                </a:extLst>
+              </a:tr>
+            </a:tbl>
+          </a:graphicData>
+        </a:graphic>
+      </p:graphicFrame>
+      <p:sp>
+        <p:nvSpPr>
+          <p:cNvPr id="8" name="TextBox 7"/>
+          <p:cNvSpPr txBox="1"/>
+          <p:nvPr/>
+        </p:nvSpPr>
+        <p:spPr>
+          <a:xfrm>
+            <a:off x="2581696" y="5963877"/>
+            <a:ext cx="2850076" cy="369332"/>
+          </a:xfrm>
+          <a:prstGeom prst="rect">
+            <a:avLst/>
+          </a:prstGeom>
+          <a:noFill/>
+        </p:spPr>
+        <p:txBody>
+          <a:bodyPr wrap="none" rtlCol="0">
+            <a:spAutoFit/>
+          </a:bodyPr>
+          <a:lstStyle/>
+          <a:p>
+            <a:r>
+              <a:rPr lang="en-US" dirty="0"/>
+              <a:t>Input CSV structure example</a:t>
+            </a:r>
+          </a:p>
+        </p:txBody>
+      </p:sp>
+      <p:graphicFrame>
+        <p:nvGraphicFramePr>
+          <p:cNvPr id="11" name="Table 10"/>
+          <p:cNvGraphicFramePr>
+            <a:graphicFrameLocks noGrp="1"/>
+          </p:cNvGraphicFramePr>
+          <p:nvPr>
+            <p:extLst/>
+          </p:nvPr>
+        </p:nvGraphicFramePr>
+        <p:xfrm>
+          <a:off x="6435261" y="3918943"/>
+          <a:ext cx="1661336" cy="2061558"/>
+        </p:xfrm>
+        <a:graphic>
+          <a:graphicData uri="http://schemas.openxmlformats.org/drawingml/2006/table">
+            <a:tbl>
+              <a:tblPr firstRow="1" bandRow="1">
+                <a:tableStyleId>{5C22544A-7EE6-4342-B048-85BDC9FD1C3A}</a:tableStyleId>
+              </a:tblPr>
+              <a:tblGrid>
+                <a:gridCol w="1661336">
+                  <a:extLst>
+                    <a:ext uri="{9D8B030D-6E8A-4147-A177-3AD203B41FA5}">
+                      <a16:colId xmlns:a16="http://schemas.microsoft.com/office/drawing/2014/main" val="3932471897"/>
+                    </a:ext>
+                  </a:extLst>
+                </a:gridCol>
+              </a:tblGrid>
+              <a:tr h="343593">
+                <a:tc>
+                  <a:txBody>
+                    <a:bodyPr/>
+                    <a:lstStyle/>
+                    <a:p>
+                      <a:r>
+                        <a:rPr lang="en-US" sz="1600" dirty="0"/>
+                        <a:t>Node1_node2</a:t>
+                      </a:r>
+                    </a:p>
+                  </a:txBody>
+                  <a:tcPr/>
+                </a:tc>
+                <a:extLst>
+                  <a:ext uri="{0D108BD9-81ED-4DB2-BD59-A6C34878D82A}">
+                    <a16:rowId xmlns:a16="http://schemas.microsoft.com/office/drawing/2014/main" val="1213402682"/>
+                  </a:ext>
+                </a:extLst>
+              </a:tr>
+              <a:tr h="343593">
+                <a:tc>
+                  <a:txBody>
+                    <a:bodyPr/>
+                    <a:lstStyle/>
+                    <a:p>
+                      <a:r>
+                        <a:rPr lang="en-US" sz="1600" dirty="0"/>
+                        <a:t>0_2</a:t>
+                      </a:r>
+                    </a:p>
+                  </a:txBody>
+                  <a:tcPr/>
+                </a:tc>
+                <a:extLst>
+                  <a:ext uri="{0D108BD9-81ED-4DB2-BD59-A6C34878D82A}">
+                    <a16:rowId xmlns:a16="http://schemas.microsoft.com/office/drawing/2014/main" val="103216693"/>
+                  </a:ext>
+                </a:extLst>
+              </a:tr>
+              <a:tr h="343593">
+                <a:tc>
+                  <a:txBody>
+                    <a:bodyPr/>
+                    <a:lstStyle/>
+                    <a:p>
+                      <a:r>
+                        <a:rPr lang="en-US" sz="1600" dirty="0"/>
+                        <a:t>1_4</a:t>
+                      </a:r>
+                    </a:p>
+                  </a:txBody>
+                  <a:tcPr/>
+                </a:tc>
+                <a:extLst>
+                  <a:ext uri="{0D108BD9-81ED-4DB2-BD59-A6C34878D82A}">
+                    <a16:rowId xmlns:a16="http://schemas.microsoft.com/office/drawing/2014/main" val="2293866077"/>
+                  </a:ext>
+                </a:extLst>
+              </a:tr>
+              <a:tr h="343593">
+                <a:tc>
+                  <a:txBody>
+                    <a:bodyPr/>
+                    <a:lstStyle/>
+                    <a:p>
+                      <a:r>
+                        <a:rPr lang="en-US" sz="1600" dirty="0"/>
+                        <a:t>6_10</a:t>
+                      </a:r>
+                    </a:p>
+                  </a:txBody>
+                  <a:tcPr/>
+                </a:tc>
+                <a:extLst>
+                  <a:ext uri="{0D108BD9-81ED-4DB2-BD59-A6C34878D82A}">
+                    <a16:rowId xmlns:a16="http://schemas.microsoft.com/office/drawing/2014/main" val="1861383652"/>
+                  </a:ext>
+                </a:extLst>
+              </a:tr>
+              <a:tr h="343593">
+                <a:tc>
+                  <a:txBody>
+                    <a:bodyPr/>
+                    <a:lstStyle/>
+                    <a:p>
+                      <a:r>
+                        <a:rPr lang="en-US" sz="1600" dirty="0"/>
+                        <a:t>7_19</a:t>
+                      </a:r>
+                    </a:p>
+                  </a:txBody>
+                  <a:tcPr/>
+                </a:tc>
+                <a:extLst>
+                  <a:ext uri="{0D108BD9-81ED-4DB2-BD59-A6C34878D82A}">
+                    <a16:rowId xmlns:a16="http://schemas.microsoft.com/office/drawing/2014/main" val="424837530"/>
+                  </a:ext>
+                </a:extLst>
+              </a:tr>
+              <a:tr h="343593">
+                <a:tc>
+                  <a:txBody>
+                    <a:bodyPr/>
+                    <a:lstStyle/>
+                    <a:p>
+                      <a:r>
+                        <a:rPr lang="en-US" sz="1600" dirty="0"/>
+                        <a:t>3_9</a:t>
+                      </a:r>
+                    </a:p>
+                  </a:txBody>
+                  <a:tcPr/>
+                </a:tc>
+                <a:extLst>
+                  <a:ext uri="{0D108BD9-81ED-4DB2-BD59-A6C34878D82A}">
+                    <a16:rowId xmlns:a16="http://schemas.microsoft.com/office/drawing/2014/main" val="1481761364"/>
+                  </a:ext>
+                </a:extLst>
+              </a:tr>
+            </a:tbl>
+          </a:graphicData>
+        </a:graphic>
+      </p:graphicFrame>
+      <p:sp>
+        <p:nvSpPr>
+          <p:cNvPr id="12" name="TextBox 11"/>
+          <p:cNvSpPr txBox="1"/>
+          <p:nvPr/>
+        </p:nvSpPr>
+        <p:spPr>
+          <a:xfrm>
+            <a:off x="5539838" y="5983377"/>
+            <a:ext cx="3688189" cy="369332"/>
+          </a:xfrm>
+          <a:prstGeom prst="rect">
+            <a:avLst/>
+          </a:prstGeom>
+          <a:noFill/>
+        </p:spPr>
+        <p:txBody>
+          <a:bodyPr wrap="none" rtlCol="0">
+            <a:spAutoFit/>
+          </a:bodyPr>
+          <a:lstStyle/>
+          <a:p>
+            <a:r>
+              <a:rPr lang="en-US" dirty="0"/>
+              <a:t>Partial output CSV structure. </a:t>
+            </a:r>
+            <a:r>
+              <a:rPr lang="en-US" b="1" u="sng" dirty="0"/>
+              <a:t>Ordered</a:t>
+            </a:r>
+          </a:p>
+        </p:txBody>
+      </p:sp>
+      <p:pic>
+        <p:nvPicPr>
+          <p:cNvPr id="13" name="Picture 12">
+            <a:extLst>
+              <a:ext uri="{FF2B5EF4-FFF2-40B4-BE49-F238E27FC236}">
+                <a16:creationId xmlns:a16="http://schemas.microsoft.com/office/drawing/2014/main" id="{9061935E-9C19-4F61-A730-FC2762D4899E}"/>
+              </a:ext>
+            </a:extLst>
+          </p:cNvPr>
+          <p:cNvPicPr>
+            <a:picLocks noChangeAspect="1"/>
+          </p:cNvPicPr>
+          <p:nvPr/>
+        </p:nvPicPr>
+        <p:blipFill rotWithShape="1">
+          <a:blip r:embed="rId3">
+            <a:extLst>
+              <a:ext uri="{28A0092B-C50C-407E-A947-70E740481C1C}">
+                <a14:useLocalDpi xmlns:a14="http://schemas.microsoft.com/office/drawing/2010/main" val="0"/>
+              </a:ext>
+            </a:extLst>
+          </a:blip>
+          <a:srcRect/>
+          <a:stretch/>
+        </p:blipFill>
+        <p:spPr>
+          <a:xfrm>
+            <a:off x="193964" y="230188"/>
+            <a:ext cx="2105889" cy="1184563"/>
+          </a:xfrm>
+          <a:prstGeom prst="rect">
+            <a:avLst/>
+          </a:prstGeom>
+        </p:spPr>
+      </p:pic>
+      <p:pic>
+        <p:nvPicPr>
+          <p:cNvPr id="14" name="Picture 2" descr="Image result for bgu">
+            <a:extLst>
+              <a:ext uri="{FF2B5EF4-FFF2-40B4-BE49-F238E27FC236}">
+                <a16:creationId xmlns:a16="http://schemas.microsoft.com/office/drawing/2014/main" id="{25B74C52-F139-40A2-AEDC-39EBE1826A42}"/>
+              </a:ext>
+            </a:extLst>
+          </p:cNvPr>
+          <p:cNvPicPr>
+            <a:picLocks noChangeAspect="1" noChangeArrowheads="1"/>
+          </p:cNvPicPr>
+          <p:nvPr/>
+        </p:nvPicPr>
+        <p:blipFill>
+          <a:blip r:embed="rId4" cstate="print">
+            <a:extLst>
+              <a:ext uri="{28A0092B-C50C-407E-A947-70E740481C1C}">
+                <a14:useLocalDpi xmlns:a14="http://schemas.microsoft.com/office/drawing/2010/main" val="0"/>
+              </a:ext>
+            </a:extLst>
+          </a:blip>
+          <a:srcRect/>
+          <a:stretch>
+            <a:fillRect/>
+          </a:stretch>
+        </p:blipFill>
+        <p:spPr bwMode="auto">
+          <a:xfrm>
+            <a:off x="10526685" y="86793"/>
+            <a:ext cx="1471351" cy="1471351"/>
+          </a:xfrm>
+          <a:prstGeom prst="rect">
+            <a:avLst/>
+          </a:prstGeom>
+          <a:noFill/>
+          <a:extLst>
+            <a:ext uri="{909E8E84-426E-40DD-AFC4-6F175D3DCCD1}">
+              <a14:hiddenFill xmlns:a14="http://schemas.microsoft.com/office/drawing/2010/main">
+                <a:solidFill>
+                  <a:srgbClr val="FFFFFF"/>
+                </a:solidFill>
+              </a14:hiddenFill>
+            </a:ext>
+          </a:extLst>
+        </p:spPr>
+      </p:pic>
+    </p:spTree>
+    <p:extLst>
+      <p:ext uri="{BB962C8B-B14F-4D97-AF65-F5344CB8AC3E}">
+        <p14:creationId xmlns:p14="http://schemas.microsoft.com/office/powerpoint/2010/main" val="3024622143"/>
+      </p:ext>
+    </p:extLst>
+  </p:cSld>
+  <p:clrMapOvr>
+    <a:masterClrMapping/>
+  </p:clrMapOvr>
+</p:sld>
+</file>
+
+<file path=ppt/slides/slide5.xml><?xml version="1.0" encoding="utf-8"?>
+<p:sld xmlns:a="http://schemas.openxmlformats.org/drawingml/2006/main" xmlns:r="http://schemas.openxmlformats.org/officeDocument/2006/relationships" xmlns:p="http://schemas.openxmlformats.org/presentationml/2006/main">
+  <p:cSld>
+    <p:spTree>
+      <p:nvGrpSpPr>
+        <p:cNvPr id="1" name=""/>
+        <p:cNvGrpSpPr/>
+        <p:nvPr/>
+      </p:nvGrpSpPr>
+      <p:grpSpPr>
+        <a:xfrm>
+          <a:off x="0" y="0"/>
+          <a:ext cx="0" cy="0"/>
+          <a:chOff x="0" y="0"/>
+          <a:chExt cx="0" cy="0"/>
+        </a:xfrm>
+      </p:grpSpPr>
+      <p:sp>
+        <p:nvSpPr>
+          <p:cNvPr id="2" name="Title 1"/>
+          <p:cNvSpPr>
+            <a:spLocks noGrp="1"/>
+          </p:cNvSpPr>
+          <p:nvPr>
+            <p:ph type="title"/>
+          </p:nvPr>
+        </p:nvSpPr>
+        <p:spPr>
+          <a:xfrm>
+            <a:off x="2001795" y="352799"/>
+            <a:ext cx="8353167" cy="1325563"/>
+          </a:xfrm>
+        </p:spPr>
+        <p:txBody>
+          <a:bodyPr/>
+          <a:lstStyle/>
+          <a:p>
+            <a:pPr algn="ctr"/>
+            <a:r>
+              <a:rPr lang="en-US" dirty="0"/>
+              <a:t>IoT device type identification</a:t>
+            </a:r>
+          </a:p>
+        </p:txBody>
+      </p:sp>
+      <p:pic>
+        <p:nvPicPr>
+          <p:cNvPr id="4" name="Picture 3"/>
+          <p:cNvPicPr>
+            <a:picLocks noChangeAspect="1"/>
+          </p:cNvPicPr>
+          <p:nvPr/>
+        </p:nvPicPr>
+        <p:blipFill>
+          <a:blip r:embed="rId2" cstate="print">
+            <a:extLst>
+              <a:ext uri="{28A0092B-C50C-407E-A947-70E740481C1C}">
+                <a14:useLocalDpi xmlns:a14="http://schemas.microsoft.com/office/drawing/2010/main" val="0"/>
+              </a:ext>
+            </a:extLst>
+          </a:blip>
+          <a:stretch>
+            <a:fillRect/>
+          </a:stretch>
+        </p:blipFill>
+        <p:spPr>
+          <a:xfrm>
+            <a:off x="3422786" y="3178394"/>
+            <a:ext cx="1035533" cy="470264"/>
+          </a:xfrm>
+          <a:prstGeom prst="rect">
+            <a:avLst/>
+          </a:prstGeom>
+          <a:effectLst>
+            <a:softEdge rad="63500"/>
+          </a:effectLst>
+        </p:spPr>
+      </p:pic>
+      <p:sp>
+        <p:nvSpPr>
+          <p:cNvPr id="5" name="Date Placeholder 1"/>
+          <p:cNvSpPr>
+            <a:spLocks noGrp="1"/>
+          </p:cNvSpPr>
+          <p:nvPr>
+            <p:ph type="dt" sz="half" idx="10"/>
+          </p:nvPr>
+        </p:nvSpPr>
+        <p:spPr>
+          <a:xfrm>
+            <a:off x="2930726" y="5917671"/>
+            <a:ext cx="2133600" cy="274320"/>
+          </a:xfrm>
+        </p:spPr>
+        <p:txBody>
+          <a:bodyPr/>
+          <a:lstStyle/>
+          <a:p>
+            <a:fld id="{FADAFFCC-3068-47C7-A553-613C66E7752E}" type="datetime1">
+              <a:rPr lang="en-US" smtClean="0"/>
+              <a:t>5/2/2018</a:t>
+            </a:fld>
+            <a:endParaRPr lang="he-IL"/>
+          </a:p>
+        </p:txBody>
+      </p:sp>
+      <p:sp>
+        <p:nvSpPr>
+          <p:cNvPr id="7" name="Rounded Rectangle 6"/>
+          <p:cNvSpPr/>
+          <p:nvPr/>
+        </p:nvSpPr>
+        <p:spPr>
+          <a:xfrm>
+            <a:off x="2468542" y="2010753"/>
+            <a:ext cx="2828850" cy="418083"/>
+          </a:xfrm>
+          <a:prstGeom prst="roundRect">
+            <a:avLst/>
+          </a:prstGeom>
+        </p:spPr>
+        <p:style>
+          <a:lnRef idx="2">
+            <a:schemeClr val="accent1">
+              <a:shade val="50000"/>
+            </a:schemeClr>
+          </a:lnRef>
+          <a:fillRef idx="1">
+            <a:schemeClr val="accent1"/>
+          </a:fillRef>
+          <a:effectRef idx="0">
+            <a:schemeClr val="accent1"/>
+          </a:effectRef>
+          <a:fontRef idx="minor">
+            <a:schemeClr val="lt1"/>
+          </a:fontRef>
+        </p:style>
+        <p:txBody>
+          <a:bodyPr rtlCol="0" anchor="ctr"/>
+          <a:lstStyle/>
+          <a:p>
+            <a:pPr algn="ctr"/>
+            <a:r>
+              <a:rPr lang="en-US" sz="2400" dirty="0"/>
+              <a:t>IoT IP stream</a:t>
+            </a:r>
+          </a:p>
+        </p:txBody>
+      </p:sp>
+      <p:sp>
+        <p:nvSpPr>
+          <p:cNvPr id="8" name="Rounded Rectangle 7"/>
+          <p:cNvSpPr/>
+          <p:nvPr/>
+        </p:nvSpPr>
+        <p:spPr>
+          <a:xfrm>
+            <a:off x="7421097" y="1681925"/>
+            <a:ext cx="2404429" cy="418083"/>
+          </a:xfrm>
+          <a:prstGeom prst="roundRect">
+            <a:avLst/>
+          </a:prstGeom>
+        </p:spPr>
+        <p:style>
+          <a:lnRef idx="2">
+            <a:schemeClr val="accent1">
+              <a:shade val="50000"/>
+            </a:schemeClr>
+          </a:lnRef>
+          <a:fillRef idx="1">
+            <a:schemeClr val="accent1"/>
+          </a:fillRef>
+          <a:effectRef idx="0">
+            <a:schemeClr val="accent1"/>
+          </a:effectRef>
+          <a:fontRef idx="minor">
+            <a:schemeClr val="lt1"/>
+          </a:fontRef>
+        </p:style>
+        <p:txBody>
+          <a:bodyPr rtlCol="0" anchor="ctr"/>
+          <a:lstStyle/>
+          <a:p>
+            <a:pPr algn="ctr"/>
+            <a:r>
+              <a:rPr lang="en-US" sz="2400" dirty="0"/>
+              <a:t>What type?</a:t>
+            </a:r>
+          </a:p>
+        </p:txBody>
+      </p:sp>
+      <p:sp>
+        <p:nvSpPr>
+          <p:cNvPr id="9" name="Rounded Rectangle 8"/>
+          <p:cNvSpPr/>
+          <p:nvPr/>
+        </p:nvSpPr>
+        <p:spPr>
+          <a:xfrm>
+            <a:off x="7432532" y="2384153"/>
+            <a:ext cx="2404429" cy="418083"/>
+          </a:xfrm>
+          <a:prstGeom prst="roundRect">
+            <a:avLst/>
+          </a:prstGeom>
+        </p:spPr>
+        <p:style>
+          <a:lnRef idx="2">
+            <a:schemeClr val="accent1">
+              <a:shade val="50000"/>
+            </a:schemeClr>
+          </a:lnRef>
+          <a:fillRef idx="1">
+            <a:schemeClr val="accent1"/>
+          </a:fillRef>
+          <a:effectRef idx="0">
+            <a:schemeClr val="accent1"/>
+          </a:effectRef>
+          <a:fontRef idx="minor">
+            <a:schemeClr val="lt1"/>
+          </a:fontRef>
+        </p:style>
+        <p:txBody>
+          <a:bodyPr rtlCol="0" anchor="ctr"/>
+          <a:lstStyle/>
+          <a:p>
+            <a:pPr algn="ctr"/>
+            <a:r>
+              <a:rPr lang="en-US" sz="2400" dirty="0"/>
+              <a:t>Authorized?</a:t>
+            </a:r>
+          </a:p>
+        </p:txBody>
+      </p:sp>
+      <p:cxnSp>
+        <p:nvCxnSpPr>
+          <p:cNvPr id="12" name="Straight Arrow Connector 11"/>
+          <p:cNvCxnSpPr>
+            <a:stCxn id="7" idx="3"/>
+            <a:endCxn id="9" idx="1"/>
+          </p:cNvCxnSpPr>
+          <p:nvPr/>
+        </p:nvCxnSpPr>
+        <p:spPr>
+          <a:xfrm>
+            <a:off x="5297392" y="2219795"/>
+            <a:ext cx="2135140" cy="373400"/>
+          </a:xfrm>
+          <a:prstGeom prst="straightConnector1">
+            <a:avLst/>
+          </a:prstGeom>
+          <a:ln w="76200">
+            <a:tailEnd type="triangle"/>
+          </a:ln>
+        </p:spPr>
+        <p:style>
+          <a:lnRef idx="1">
+            <a:schemeClr val="accent1"/>
+          </a:lnRef>
+          <a:fillRef idx="0">
+            <a:schemeClr val="accent1"/>
+          </a:fillRef>
+          <a:effectRef idx="0">
+            <a:schemeClr val="accent1"/>
+          </a:effectRef>
+          <a:fontRef idx="minor">
+            <a:schemeClr val="tx1"/>
+          </a:fontRef>
+        </p:style>
+      </p:cxnSp>
+      <p:cxnSp>
+        <p:nvCxnSpPr>
+          <p:cNvPr id="13" name="Straight Arrow Connector 12"/>
+          <p:cNvCxnSpPr>
+            <a:stCxn id="7" idx="3"/>
+            <a:endCxn id="8" idx="1"/>
+          </p:cNvCxnSpPr>
+          <p:nvPr/>
+        </p:nvCxnSpPr>
+        <p:spPr>
+          <a:xfrm flipV="1">
+            <a:off x="5297392" y="1890967"/>
+            <a:ext cx="2123705" cy="328828"/>
+          </a:xfrm>
+          <a:prstGeom prst="straightConnector1">
+            <a:avLst/>
+          </a:prstGeom>
+          <a:ln w="76200">
+            <a:tailEnd type="triangle"/>
+          </a:ln>
+        </p:spPr>
+        <p:style>
+          <a:lnRef idx="1">
+            <a:schemeClr val="accent1"/>
+          </a:lnRef>
+          <a:fillRef idx="0">
+            <a:schemeClr val="accent1"/>
+          </a:fillRef>
+          <a:effectRef idx="0">
+            <a:schemeClr val="accent1"/>
+          </a:effectRef>
+          <a:fontRef idx="minor">
+            <a:schemeClr val="tx1"/>
+          </a:fontRef>
+        </p:style>
+      </p:cxnSp>
+      <p:pic>
+        <p:nvPicPr>
+          <p:cNvPr id="18" name="Picture 2" descr="Internet of Things "/>
+          <p:cNvPicPr>
+            <a:picLocks noGrp="1" noChangeAspect="1" noChangeArrowheads="1"/>
+          </p:cNvPicPr>
+          <p:nvPr>
+            <p:ph idx="1"/>
+          </p:nvPr>
+        </p:nvPicPr>
+        <p:blipFill>
+          <a:blip r:embed="rId3">
+            <a:extLst>
+              <a:ext uri="{28A0092B-C50C-407E-A947-70E740481C1C}">
+                <a14:useLocalDpi xmlns:a14="http://schemas.microsoft.com/office/drawing/2010/main" val="0"/>
+              </a:ext>
+            </a:extLst>
+          </a:blip>
+          <a:srcRect/>
+          <a:stretch>
+            <a:fillRect/>
+          </a:stretch>
+        </p:blipFill>
+        <p:spPr bwMode="auto">
+          <a:xfrm>
+            <a:off x="853709" y="3881540"/>
+            <a:ext cx="3518892" cy="2288359"/>
+          </a:xfrm>
+          <a:prstGeom prst="rect">
+            <a:avLst/>
+          </a:prstGeom>
+          <a:noFill/>
+          <a:extLst>
+            <a:ext uri="{909E8E84-426E-40DD-AFC4-6F175D3DCCD1}">
+              <a14:hiddenFill xmlns:a14="http://schemas.microsoft.com/office/drawing/2010/main">
+                <a:solidFill>
+                  <a:srgbClr val="FFFFFF"/>
+                </a:solidFill>
+              </a14:hiddenFill>
+            </a:ext>
+          </a:extLst>
+        </p:spPr>
+      </p:pic>
+      <p:sp>
+        <p:nvSpPr>
+          <p:cNvPr id="19" name="Oval 18"/>
+          <p:cNvSpPr/>
+          <p:nvPr/>
+        </p:nvSpPr>
+        <p:spPr>
+          <a:xfrm>
+            <a:off x="4660633" y="3443904"/>
+            <a:ext cx="393955" cy="409512"/>
+          </a:xfrm>
+          <a:prstGeom prst="ellipse">
+            <a:avLst/>
+          </a:prstGeom>
+          <a:ln w="28575"/>
+        </p:spPr>
+        <p:style>
+          <a:lnRef idx="2">
+            <a:schemeClr val="accent2"/>
+          </a:lnRef>
+          <a:fillRef idx="1">
+            <a:schemeClr val="lt1"/>
+          </a:fillRef>
+          <a:effectRef idx="0">
+            <a:schemeClr val="accent2"/>
+          </a:effectRef>
+          <a:fontRef idx="minor">
+            <a:schemeClr val="dk1"/>
+          </a:fontRef>
+        </p:style>
+        <p:txBody>
+          <a:bodyPr rtlCol="0" anchor="ctr"/>
+          <a:lstStyle/>
+          <a:p>
+            <a:pPr algn="ctr"/>
+            <a:r>
+              <a:rPr lang="en-US" sz="2000" dirty="0"/>
+              <a:t>?</a:t>
+            </a:r>
+          </a:p>
+        </p:txBody>
+      </p:sp>
+      <p:cxnSp>
+        <p:nvCxnSpPr>
+          <p:cNvPr id="20" name="Elbow Connector 19"/>
+          <p:cNvCxnSpPr>
+            <a:stCxn id="19" idx="2"/>
+            <a:endCxn id="18" idx="0"/>
+          </p:cNvCxnSpPr>
+          <p:nvPr/>
+        </p:nvCxnSpPr>
+        <p:spPr>
+          <a:xfrm rot="10800000" flipV="1">
+            <a:off x="2613155" y="3648660"/>
+            <a:ext cx="2047478" cy="232880"/>
+          </a:xfrm>
+          <a:prstGeom prst="bentConnector2">
+            <a:avLst/>
+          </a:prstGeom>
+          <a:ln w="38100">
+            <a:headEnd type="triangle"/>
+            <a:tailEnd type="triangle"/>
+          </a:ln>
+        </p:spPr>
+        <p:style>
+          <a:lnRef idx="3">
+            <a:schemeClr val="accent2"/>
+          </a:lnRef>
+          <a:fillRef idx="0">
+            <a:schemeClr val="accent2"/>
+          </a:fillRef>
+          <a:effectRef idx="2">
+            <a:schemeClr val="accent2"/>
+          </a:effectRef>
+          <a:fontRef idx="minor">
+            <a:schemeClr val="tx1"/>
+          </a:fontRef>
+        </p:style>
+      </p:cxnSp>
+      <p:sp>
+        <p:nvSpPr>
+          <p:cNvPr id="22" name="Footer Placeholder 21"/>
+          <p:cNvSpPr>
+            <a:spLocks noGrp="1"/>
+          </p:cNvSpPr>
+          <p:nvPr>
+            <p:ph type="ftr" sz="quarter" idx="11"/>
+          </p:nvPr>
+        </p:nvSpPr>
         <p:spPr/>
         <p:txBody>
           <a:bodyPr/>
           <a:lstStyle/>
           <a:p>
+            <a:r>
+              <a:rPr lang="en-US" dirty="0"/>
+              <a:t>Yair Meidan, 052-6040619, yair.meidan@gmail.com</a:t>
+            </a:r>
+          </a:p>
+        </p:txBody>
+      </p:sp>
+      <p:sp>
+        <p:nvSpPr>
+          <p:cNvPr id="21" name="Content Placeholder 2"/>
+          <p:cNvSpPr txBox="1">
+            <a:spLocks/>
+          </p:cNvSpPr>
+          <p:nvPr/>
+        </p:nvSpPr>
+        <p:spPr>
+          <a:xfrm>
+            <a:off x="5416339" y="2922023"/>
+            <a:ext cx="6702136" cy="3598686"/>
+          </a:xfrm>
+          <a:prstGeom prst="rect">
+            <a:avLst/>
+          </a:prstGeom>
+        </p:spPr>
+        <p:txBody>
+          <a:bodyPr vert="horz" lIns="91440" tIns="45720" rIns="91440" bIns="45720" rtlCol="0">
+            <a:noAutofit/>
+          </a:bodyPr>
+          <a:lstStyle>
+            <a:lvl1pPr marL="228600" indent="-228600" algn="l" defTabSz="914400" rtl="0" eaLnBrk="1" latinLnBrk="0" hangingPunct="1">
+              <a:lnSpc>
+                <a:spcPct val="90000"/>
+              </a:lnSpc>
+              <a:spcBef>
+                <a:spcPts val="1000"/>
+              </a:spcBef>
+              <a:buFont typeface="Arial" panose="020B0604020202020204" pitchFamily="34" charset="0"/>
+              <a:buChar char="•"/>
+              <a:defRPr sz="2800" kern="1200">
+                <a:solidFill>
+                  <a:schemeClr val="tx1"/>
+                </a:solidFill>
+                <a:latin typeface="+mn-lt"/>
+                <a:ea typeface="+mn-ea"/>
+                <a:cs typeface="+mn-cs"/>
+              </a:defRPr>
+            </a:lvl1pPr>
+            <a:lvl2pPr marL="685800" indent="-228600" algn="l" defTabSz="914400" rtl="0" eaLnBrk="1" latinLnBrk="0" hangingPunct="1">
+              <a:lnSpc>
+                <a:spcPct val="90000"/>
+              </a:lnSpc>
+              <a:spcBef>
+                <a:spcPts val="500"/>
+              </a:spcBef>
+              <a:buFont typeface="Arial" panose="020B0604020202020204" pitchFamily="34" charset="0"/>
+              <a:buChar char="•"/>
+              <a:defRPr sz="2400" kern="1200">
+                <a:solidFill>
+                  <a:schemeClr val="tx1"/>
+                </a:solidFill>
+                <a:latin typeface="+mn-lt"/>
+                <a:ea typeface="+mn-ea"/>
+                <a:cs typeface="+mn-cs"/>
+              </a:defRPr>
+            </a:lvl2pPr>
+            <a:lvl3pPr marL="1143000" indent="-228600" algn="l" defTabSz="914400" rtl="0" eaLnBrk="1" latinLnBrk="0" hangingPunct="1">
+              <a:lnSpc>
+                <a:spcPct val="90000"/>
+              </a:lnSpc>
+              <a:spcBef>
+                <a:spcPts val="500"/>
+              </a:spcBef>
+              <a:buFont typeface="Arial" panose="020B0604020202020204" pitchFamily="34" charset="0"/>
+              <a:buChar char="•"/>
+              <a:defRPr sz="2000" kern="1200">
+                <a:solidFill>
+                  <a:schemeClr val="tx1"/>
+                </a:solidFill>
+                <a:latin typeface="+mn-lt"/>
+                <a:ea typeface="+mn-ea"/>
+                <a:cs typeface="+mn-cs"/>
+              </a:defRPr>
+            </a:lvl3pPr>
+            <a:lvl4pPr marL="1600200" indent="-228600" algn="l" defTabSz="914400" rtl="0" eaLnBrk="1" latinLnBrk="0" hangingPunct="1">
+              <a:lnSpc>
+                <a:spcPct val="90000"/>
+              </a:lnSpc>
+              <a:spcBef>
+                <a:spcPts val="500"/>
+              </a:spcBef>
+              <a:buFont typeface="Arial" panose="020B0604020202020204" pitchFamily="34" charset="0"/>
+              <a:buChar char="•"/>
+              <a:defRPr sz="1800" kern="1200">
+                <a:solidFill>
+                  <a:schemeClr val="tx1"/>
+                </a:solidFill>
+                <a:latin typeface="+mn-lt"/>
+                <a:ea typeface="+mn-ea"/>
+                <a:cs typeface="+mn-cs"/>
+              </a:defRPr>
+            </a:lvl4pPr>
+            <a:lvl5pPr marL="2057400" indent="-228600" algn="l" defTabSz="914400" rtl="0" eaLnBrk="1" latinLnBrk="0" hangingPunct="1">
+              <a:lnSpc>
+                <a:spcPct val="90000"/>
+              </a:lnSpc>
+              <a:spcBef>
+                <a:spcPts val="500"/>
+              </a:spcBef>
+              <a:buFont typeface="Arial" panose="020B0604020202020204" pitchFamily="34" charset="0"/>
+              <a:buChar char="•"/>
+              <a:defRPr sz="1800" kern="1200">
+                <a:solidFill>
+                  <a:schemeClr val="tx1"/>
+                </a:solidFill>
+                <a:latin typeface="+mn-lt"/>
+                <a:ea typeface="+mn-ea"/>
+                <a:cs typeface="+mn-cs"/>
+              </a:defRPr>
+            </a:lvl5pPr>
+            <a:lvl6pPr marL="2514600" indent="-228600" algn="l" defTabSz="914400" rtl="0" eaLnBrk="1" latinLnBrk="0" hangingPunct="1">
+              <a:lnSpc>
+                <a:spcPct val="90000"/>
+              </a:lnSpc>
+              <a:spcBef>
+                <a:spcPts val="500"/>
+              </a:spcBef>
+              <a:buFont typeface="Arial" panose="020B0604020202020204" pitchFamily="34" charset="0"/>
+              <a:buChar char="•"/>
+              <a:defRPr sz="1800" kern="1200">
+                <a:solidFill>
+                  <a:schemeClr val="tx1"/>
+                </a:solidFill>
+                <a:latin typeface="+mn-lt"/>
+                <a:ea typeface="+mn-ea"/>
+                <a:cs typeface="+mn-cs"/>
+              </a:defRPr>
+            </a:lvl6pPr>
+            <a:lvl7pPr marL="2971800" indent="-228600" algn="l" defTabSz="914400" rtl="0" eaLnBrk="1" latinLnBrk="0" hangingPunct="1">
+              <a:lnSpc>
+                <a:spcPct val="90000"/>
+              </a:lnSpc>
+              <a:spcBef>
+                <a:spcPts val="500"/>
+              </a:spcBef>
+              <a:buFont typeface="Arial" panose="020B0604020202020204" pitchFamily="34" charset="0"/>
+              <a:buChar char="•"/>
+              <a:defRPr sz="1800" kern="1200">
+                <a:solidFill>
+                  <a:schemeClr val="tx1"/>
+                </a:solidFill>
+                <a:latin typeface="+mn-lt"/>
+                <a:ea typeface="+mn-ea"/>
+                <a:cs typeface="+mn-cs"/>
+              </a:defRPr>
+            </a:lvl7pPr>
+            <a:lvl8pPr marL="3429000" indent="-228600" algn="l" defTabSz="914400" rtl="0" eaLnBrk="1" latinLnBrk="0" hangingPunct="1">
+              <a:lnSpc>
+                <a:spcPct val="90000"/>
+              </a:lnSpc>
+              <a:spcBef>
+                <a:spcPts val="500"/>
+              </a:spcBef>
+              <a:buFont typeface="Arial" panose="020B0604020202020204" pitchFamily="34" charset="0"/>
+              <a:buChar char="•"/>
+              <a:defRPr sz="1800" kern="1200">
+                <a:solidFill>
+                  <a:schemeClr val="tx1"/>
+                </a:solidFill>
+                <a:latin typeface="+mn-lt"/>
+                <a:ea typeface="+mn-ea"/>
+                <a:cs typeface="+mn-cs"/>
+              </a:defRPr>
+            </a:lvl8pPr>
+            <a:lvl9pPr marL="3886200" indent="-228600" algn="l" defTabSz="914400" rtl="0" eaLnBrk="1" latinLnBrk="0" hangingPunct="1">
+              <a:lnSpc>
+                <a:spcPct val="90000"/>
+              </a:lnSpc>
+              <a:spcBef>
+                <a:spcPts val="500"/>
+              </a:spcBef>
+              <a:buFont typeface="Arial" panose="020B0604020202020204" pitchFamily="34" charset="0"/>
+              <a:buChar char="•"/>
+              <a:defRPr sz="1800" kern="1200">
+                <a:solidFill>
+                  <a:schemeClr val="tx1"/>
+                </a:solidFill>
+                <a:latin typeface="+mn-lt"/>
+                <a:ea typeface="+mn-ea"/>
+                <a:cs typeface="+mn-cs"/>
+              </a:defRPr>
+            </a:lvl9pPr>
+          </a:lstStyle>
+          <a:p>
+            <a:pPr>
+              <a:lnSpc>
+                <a:spcPct val="150000"/>
+              </a:lnSpc>
+              <a:buFont typeface="Wingdings" panose="05000000000000000000" pitchFamily="2" charset="2"/>
+              <a:buChar char="§"/>
+            </a:pPr>
+            <a:r>
+              <a:rPr lang="en-US" sz="2000" u="sng" dirty="0"/>
+              <a:t>Input</a:t>
+            </a:r>
+            <a:r>
+              <a:rPr lang="en-US" sz="2000" dirty="0"/>
+              <a:t>: A 297-feature vector describing a session</a:t>
+            </a:r>
+          </a:p>
+          <a:p>
+            <a:pPr>
+              <a:lnSpc>
+                <a:spcPct val="150000"/>
+              </a:lnSpc>
+              <a:buFont typeface="Wingdings" panose="05000000000000000000" pitchFamily="2" charset="2"/>
+              <a:buChar char="§"/>
+            </a:pPr>
+            <a:r>
+              <a:rPr lang="en-US" sz="2000" u="sng" dirty="0"/>
+              <a:t>Output</a:t>
+            </a:r>
+            <a:r>
+              <a:rPr lang="en-US" sz="2000" dirty="0"/>
+              <a:t>: The type of the IoT device generating this session</a:t>
+            </a:r>
+          </a:p>
+          <a:p>
+            <a:pPr>
+              <a:lnSpc>
+                <a:spcPct val="150000"/>
+              </a:lnSpc>
+              <a:buFont typeface="Wingdings" panose="05000000000000000000" pitchFamily="2" charset="2"/>
+              <a:buChar char="§"/>
+            </a:pPr>
+            <a:r>
+              <a:rPr lang="en-US" sz="2000" dirty="0"/>
+              <a:t>Evaluation metric: Classification accuracy &amp; innovation</a:t>
+            </a:r>
+          </a:p>
+          <a:p>
+            <a:pPr>
+              <a:lnSpc>
+                <a:spcPct val="150000"/>
+              </a:lnSpc>
+              <a:buFont typeface="Wingdings" panose="05000000000000000000" pitchFamily="2" charset="2"/>
+              <a:buChar char="§"/>
+            </a:pPr>
+            <a:r>
+              <a:rPr lang="en-US" sz="2000" dirty="0"/>
+              <a:t>Note:</a:t>
+            </a:r>
+          </a:p>
+          <a:p>
+            <a:pPr lvl="1">
+              <a:lnSpc>
+                <a:spcPct val="150000"/>
+              </a:lnSpc>
+              <a:buFont typeface="Wingdings" panose="05000000000000000000" pitchFamily="2" charset="2"/>
+              <a:buChar char="§"/>
+            </a:pPr>
+            <a:r>
+              <a:rPr lang="en-US" sz="1600" dirty="0"/>
+              <a:t>The training set is highly imbalanced</a:t>
+            </a:r>
+          </a:p>
+          <a:p>
+            <a:pPr lvl="1">
+              <a:lnSpc>
+                <a:spcPct val="150000"/>
+              </a:lnSpc>
+              <a:buFont typeface="Wingdings" panose="05000000000000000000" pitchFamily="2" charset="2"/>
+              <a:buChar char="§"/>
+            </a:pPr>
+            <a:r>
+              <a:rPr lang="en-US" sz="1600" dirty="0"/>
+              <a:t>The training/validation/test sets don’t necessarily include the same IoT device types (unknown or omitted types in the validation/test sets)</a:t>
+            </a:r>
+            <a:endParaRPr lang="en-US" sz="2000" dirty="0">
+              <a:solidFill>
+                <a:srgbClr val="FF0000"/>
+              </a:solidFill>
+            </a:endParaRPr>
+          </a:p>
+        </p:txBody>
+      </p:sp>
+      <p:pic>
+        <p:nvPicPr>
+          <p:cNvPr id="15" name="Picture 14">
+            <a:extLst>
+              <a:ext uri="{FF2B5EF4-FFF2-40B4-BE49-F238E27FC236}">
+                <a16:creationId xmlns:a16="http://schemas.microsoft.com/office/drawing/2014/main" id="{F474197C-5601-4A1C-A126-F140D2EEC65B}"/>
+              </a:ext>
+            </a:extLst>
+          </p:cNvPr>
+          <p:cNvPicPr>
+            <a:picLocks noChangeAspect="1"/>
+          </p:cNvPicPr>
+          <p:nvPr/>
+        </p:nvPicPr>
+        <p:blipFill rotWithShape="1">
+          <a:blip r:embed="rId4">
+            <a:extLst>
+              <a:ext uri="{28A0092B-C50C-407E-A947-70E740481C1C}">
+                <a14:useLocalDpi xmlns:a14="http://schemas.microsoft.com/office/drawing/2010/main" val="0"/>
+              </a:ext>
+            </a:extLst>
+          </a:blip>
+          <a:srcRect/>
+          <a:stretch/>
+        </p:blipFill>
+        <p:spPr>
+          <a:xfrm>
+            <a:off x="193964" y="230188"/>
+            <a:ext cx="2105889" cy="1184563"/>
+          </a:xfrm>
+          <a:prstGeom prst="rect">
+            <a:avLst/>
+          </a:prstGeom>
+        </p:spPr>
+      </p:pic>
+      <p:pic>
+        <p:nvPicPr>
+          <p:cNvPr id="16" name="Picture 2" descr="Image result for bgu">
+            <a:extLst>
+              <a:ext uri="{FF2B5EF4-FFF2-40B4-BE49-F238E27FC236}">
+                <a16:creationId xmlns:a16="http://schemas.microsoft.com/office/drawing/2014/main" id="{CC34AF02-C2E3-44B9-9FFC-656A601E23D9}"/>
+              </a:ext>
+            </a:extLst>
+          </p:cNvPr>
+          <p:cNvPicPr>
+            <a:picLocks noChangeAspect="1" noChangeArrowheads="1"/>
+          </p:cNvPicPr>
+          <p:nvPr/>
+        </p:nvPicPr>
+        <p:blipFill>
+          <a:blip r:embed="rId5" cstate="print">
+            <a:extLst>
+              <a:ext uri="{28A0092B-C50C-407E-A947-70E740481C1C}">
+                <a14:useLocalDpi xmlns:a14="http://schemas.microsoft.com/office/drawing/2010/main" val="0"/>
+              </a:ext>
+            </a:extLst>
+          </a:blip>
+          <a:srcRect/>
+          <a:stretch>
+            <a:fillRect/>
+          </a:stretch>
+        </p:blipFill>
+        <p:spPr bwMode="auto">
+          <a:xfrm>
+            <a:off x="10526685" y="86793"/>
+            <a:ext cx="1471351" cy="1471351"/>
+          </a:xfrm>
+          <a:prstGeom prst="rect">
+            <a:avLst/>
+          </a:prstGeom>
+          <a:noFill/>
+          <a:extLst>
+            <a:ext uri="{909E8E84-426E-40DD-AFC4-6F175D3DCCD1}">
+              <a14:hiddenFill xmlns:a14="http://schemas.microsoft.com/office/drawing/2010/main">
+                <a:solidFill>
+                  <a:srgbClr val="FFFFFF"/>
+                </a:solidFill>
+              </a14:hiddenFill>
+            </a:ext>
+          </a:extLst>
+        </p:spPr>
+      </p:pic>
+    </p:spTree>
+    <p:extLst>
+      <p:ext uri="{BB962C8B-B14F-4D97-AF65-F5344CB8AC3E}">
+        <p14:creationId xmlns:p14="http://schemas.microsoft.com/office/powerpoint/2010/main" val="2886593200"/>
+      </p:ext>
+    </p:extLst>
+  </p:cSld>
+  <p:clrMapOvr>
+    <a:masterClrMapping/>
+  </p:clrMapOvr>
+  <p:timing>
+    <p:tnLst>
+      <p:par>
+        <p:cTn id="1" dur="indefinite" restart="never" nodeType="tmRoot">
+          <p:childTnLst>
+            <p:seq concurrent="1" nextAc="seek">
+              <p:cTn id="2" dur="indefinite" nodeType="mainSeq">
+                <p:childTnLst>
+                  <p:par>
+                    <p:cTn id="3" fill="hold">
+                      <p:stCondLst>
+                        <p:cond delay="indefinite"/>
+                      </p:stCondLst>
+                      <p:childTnLst>
+                        <p:par>
+                          <p:cTn id="4" fill="hold">
+                            <p:stCondLst>
+                              <p:cond delay="0"/>
+                            </p:stCondLst>
+                            <p:childTnLst>
+                              <p:par>
+                                <p:cTn id="5" presetID="1" presetClass="entr" presetSubtype="0" fill="hold" nodeType="clickEffect">
+                                  <p:stCondLst>
+                                    <p:cond delay="0"/>
+                                  </p:stCondLst>
+                                  <p:childTnLst>
+                                    <p:set>
+                                      <p:cBhvr>
+                                        <p:cTn id="6" dur="1" fill="hold">
+                                          <p:stCondLst>
+                                            <p:cond delay="0"/>
+                                          </p:stCondLst>
+                                        </p:cTn>
+                                        <p:tgtEl>
+                                          <p:spTgt spid="20"/>
+                                        </p:tgtEl>
+                                        <p:attrNameLst>
+                                          <p:attrName>style.visibility</p:attrName>
+                                        </p:attrNameLst>
+                                      </p:cBhvr>
+                                      <p:to>
+                                        <p:strVal val="visible"/>
+                                      </p:to>
+                                    </p:set>
+                                  </p:childTnLst>
+                                </p:cTn>
+                              </p:par>
+                              <p:par>
+                                <p:cTn id="7" presetID="1" presetClass="entr" presetSubtype="0" fill="hold" grpId="0" nodeType="withEffect">
+                                  <p:stCondLst>
+                                    <p:cond delay="0"/>
+                                  </p:stCondLst>
+                                  <p:childTnLst>
+                                    <p:set>
+                                      <p:cBhvr>
+                                        <p:cTn id="8" dur="1" fill="hold">
+                                          <p:stCondLst>
+                                            <p:cond delay="0"/>
+                                          </p:stCondLst>
+                                        </p:cTn>
+                                        <p:tgtEl>
+                                          <p:spTgt spid="19"/>
+                                        </p:tgtEl>
+                                        <p:attrNameLst>
+                                          <p:attrName>style.visibility</p:attrName>
+                                        </p:attrNameLst>
+                                      </p:cBhvr>
+                                      <p:to>
+                                        <p:strVal val="visible"/>
+                                      </p:to>
+                                    </p:set>
+                                  </p:childTnLst>
+                                </p:cTn>
+                              </p:par>
+                              <p:par>
+                                <p:cTn id="9" presetID="1" presetClass="entr" presetSubtype="0" fill="hold" nodeType="withEffect">
+                                  <p:stCondLst>
+                                    <p:cond delay="0"/>
+                                  </p:stCondLst>
+                                  <p:childTnLst>
+                                    <p:set>
+                                      <p:cBhvr>
+                                        <p:cTn id="10" dur="1" fill="hold">
+                                          <p:stCondLst>
+                                            <p:cond delay="0"/>
+                                          </p:stCondLst>
+                                        </p:cTn>
+                                        <p:tgtEl>
+                                          <p:spTgt spid="4"/>
+                                        </p:tgtEl>
+                                        <p:attrNameLst>
+                                          <p:attrName>style.visibility</p:attrName>
+                                        </p:attrNameLst>
+                                      </p:cBhvr>
+                                      <p:to>
+                                        <p:strVal val="visible"/>
+                                      </p:to>
+                                    </p:set>
+                                  </p:childTnLst>
+                                </p:cTn>
+                              </p:par>
+                              <p:par>
+                                <p:cTn id="11" presetID="1" presetClass="entr" presetSubtype="0" fill="hold" grpId="0" nodeType="withEffect">
+                                  <p:stCondLst>
+                                    <p:cond delay="0"/>
+                                  </p:stCondLst>
+                                  <p:childTnLst>
+                                    <p:set>
+                                      <p:cBhvr>
+                                        <p:cTn id="12" dur="1" fill="hold">
+                                          <p:stCondLst>
+                                            <p:cond delay="0"/>
+                                          </p:stCondLst>
+                                        </p:cTn>
+                                        <p:tgtEl>
+                                          <p:spTgt spid="7"/>
+                                        </p:tgtEl>
+                                        <p:attrNameLst>
+                                          <p:attrName>style.visibility</p:attrName>
+                                        </p:attrNameLst>
+                                      </p:cBhvr>
+                                      <p:to>
+                                        <p:strVal val="visible"/>
+                                      </p:to>
+                                    </p:set>
+                                  </p:childTnLst>
+                                </p:cTn>
+                              </p:par>
+                            </p:childTnLst>
+                          </p:cTn>
+                        </p:par>
+                      </p:childTnLst>
+                    </p:cTn>
+                  </p:par>
+                  <p:par>
+                    <p:cTn id="13" fill="hold">
+                      <p:stCondLst>
+                        <p:cond delay="indefinite"/>
+                      </p:stCondLst>
+                      <p:childTnLst>
+                        <p:par>
+                          <p:cTn id="14" fill="hold">
+                            <p:stCondLst>
+                              <p:cond delay="0"/>
+                            </p:stCondLst>
+                            <p:childTnLst>
+                              <p:par>
+                                <p:cTn id="15" presetID="1" presetClass="entr" presetSubtype="0" fill="hold" nodeType="clickEffect">
+                                  <p:stCondLst>
+                                    <p:cond delay="0"/>
+                                  </p:stCondLst>
+                                  <p:childTnLst>
+                                    <p:set>
+                                      <p:cBhvr>
+                                        <p:cTn id="16" dur="1" fill="hold">
+                                          <p:stCondLst>
+                                            <p:cond delay="0"/>
+                                          </p:stCondLst>
+                                        </p:cTn>
+                                        <p:tgtEl>
+                                          <p:spTgt spid="13"/>
+                                        </p:tgtEl>
+                                        <p:attrNameLst>
+                                          <p:attrName>style.visibility</p:attrName>
+                                        </p:attrNameLst>
+                                      </p:cBhvr>
+                                      <p:to>
+                                        <p:strVal val="visible"/>
+                                      </p:to>
+                                    </p:set>
+                                  </p:childTnLst>
+                                </p:cTn>
+                              </p:par>
+                              <p:par>
+                                <p:cTn id="17" presetID="1" presetClass="entr" presetSubtype="0" fill="hold" nodeType="withEffect">
+                                  <p:stCondLst>
+                                    <p:cond delay="0"/>
+                                  </p:stCondLst>
+                                  <p:childTnLst>
+                                    <p:set>
+                                      <p:cBhvr>
+                                        <p:cTn id="18" dur="1" fill="hold">
+                                          <p:stCondLst>
+                                            <p:cond delay="0"/>
+                                          </p:stCondLst>
+                                        </p:cTn>
+                                        <p:tgtEl>
+                                          <p:spTgt spid="12"/>
+                                        </p:tgtEl>
+                                        <p:attrNameLst>
+                                          <p:attrName>style.visibility</p:attrName>
+                                        </p:attrNameLst>
+                                      </p:cBhvr>
+                                      <p:to>
+                                        <p:strVal val="visible"/>
+                                      </p:to>
+                                    </p:set>
+                                  </p:childTnLst>
+                                </p:cTn>
+                              </p:par>
+                              <p:par>
+                                <p:cTn id="19" presetID="1" presetClass="entr" presetSubtype="0" fill="hold" grpId="0" nodeType="withEffect">
+                                  <p:stCondLst>
+                                    <p:cond delay="0"/>
+                                  </p:stCondLst>
+                                  <p:childTnLst>
+                                    <p:set>
+                                      <p:cBhvr>
+                                        <p:cTn id="20" dur="1" fill="hold">
+                                          <p:stCondLst>
+                                            <p:cond delay="0"/>
+                                          </p:stCondLst>
+                                        </p:cTn>
+                                        <p:tgtEl>
+                                          <p:spTgt spid="8"/>
+                                        </p:tgtEl>
+                                        <p:attrNameLst>
+                                          <p:attrName>style.visibility</p:attrName>
+                                        </p:attrNameLst>
+                                      </p:cBhvr>
+                                      <p:to>
+                                        <p:strVal val="visible"/>
+                                      </p:to>
+                                    </p:set>
+                                  </p:childTnLst>
+                                </p:cTn>
+                              </p:par>
+                              <p:par>
+                                <p:cTn id="21" presetID="1" presetClass="entr" presetSubtype="0" fill="hold" grpId="0" nodeType="withEffect">
+                                  <p:stCondLst>
+                                    <p:cond delay="0"/>
+                                  </p:stCondLst>
+                                  <p:childTnLst>
+                                    <p:set>
+                                      <p:cBhvr>
+                                        <p:cTn id="22" dur="1" fill="hold">
+                                          <p:stCondLst>
+                                            <p:cond delay="0"/>
+                                          </p:stCondLst>
+                                        </p:cTn>
+                                        <p:tgtEl>
+                                          <p:spTgt spid="9"/>
+                                        </p:tgtEl>
+                                        <p:attrNameLst>
+                                          <p:attrName>style.visibility</p:attrName>
+                                        </p:attrNameLst>
+                                      </p:cBhvr>
+                                      <p:to>
+                                        <p:strVal val="visible"/>
+                                      </p:to>
+                                    </p:set>
+                                  </p:childTnLst>
+                                </p:cTn>
+                              </p:par>
+                            </p:childTnLst>
+                          </p:cTn>
+                        </p:par>
+                      </p:childTnLst>
+                    </p:cTn>
+                  </p:par>
+                  <p:par>
+                    <p:cTn id="23" fill="hold">
+                      <p:stCondLst>
+                        <p:cond delay="indefinite"/>
+                      </p:stCondLst>
+                      <p:childTnLst>
+                        <p:par>
+                          <p:cTn id="24" fill="hold">
+                            <p:stCondLst>
+                              <p:cond delay="0"/>
+                            </p:stCondLst>
+                            <p:childTnLst>
+                              <p:par>
+                                <p:cTn id="25" presetID="1" presetClass="entr" presetSubtype="0" fill="hold" grpId="0" nodeType="clickEffect">
+                                  <p:stCondLst>
+                                    <p:cond delay="0"/>
+                                  </p:stCondLst>
+                                  <p:childTnLst>
+                                    <p:set>
+                                      <p:cBhvr>
+                                        <p:cTn id="26" dur="1" fill="hold">
+                                          <p:stCondLst>
+                                            <p:cond delay="0"/>
+                                          </p:stCondLst>
+                                        </p:cTn>
+                                        <p:tgtEl>
+                                          <p:spTgt spid="21"/>
+                                        </p:tgtEl>
+                                        <p:attrNameLst>
+                                          <p:attrName>style.visibility</p:attrName>
+                                        </p:attrNameLst>
+                                      </p:cBhvr>
+                                      <p:to>
+                                        <p:strVal val="visible"/>
+                                      </p:to>
+                                    </p:set>
+                                  </p:childTnLst>
+                                </p:cTn>
+                              </p:par>
+                            </p:childTnLst>
+                          </p:cTn>
+                        </p:par>
+                      </p:childTnLst>
+                    </p:cTn>
+                  </p:par>
+                </p:childTnLst>
+              </p:cTn>
+              <p:prevCondLst>
+                <p:cond evt="onPrev" delay="0">
+                  <p:tgtEl>
+                    <p:sldTgt/>
+                  </p:tgtEl>
+                </p:cond>
+              </p:prevCondLst>
+              <p:nextCondLst>
+                <p:cond evt="onNext" delay="0">
+                  <p:tgtEl>
+                    <p:sldTgt/>
+                  </p:tgtEl>
+                </p:cond>
+              </p:nextCondLst>
+            </p:seq>
+          </p:childTnLst>
+        </p:cTn>
+      </p:par>
+    </p:tnLst>
+    <p:bldLst>
+      <p:bldP spid="7" grpId="0" animBg="1"/>
+      <p:bldP spid="8" grpId="0" animBg="1"/>
+      <p:bldP spid="9" grpId="0" animBg="1"/>
+      <p:bldP spid="19" grpId="0" animBg="1"/>
+      <p:bldP spid="21" grpId="0"/>
+    </p:bldLst>
+  </p:timing>
+</p:sld>
+</file>
+
+<file path=ppt/slides/slide6.xml><?xml version="1.0" encoding="utf-8"?>
+<p:sld xmlns:a="http://schemas.openxmlformats.org/drawingml/2006/main" xmlns:r="http://schemas.openxmlformats.org/officeDocument/2006/relationships" xmlns:p="http://schemas.openxmlformats.org/presentationml/2006/main">
+  <p:cSld>
+    <p:spTree>
+      <p:nvGrpSpPr>
+        <p:cNvPr id="1" name=""/>
+        <p:cNvGrpSpPr/>
+        <p:nvPr/>
+      </p:nvGrpSpPr>
+      <p:grpSpPr>
+        <a:xfrm>
+          <a:off x="0" y="0"/>
+          <a:ext cx="0" cy="0"/>
+          <a:chOff x="0" y="0"/>
+          <a:chExt cx="0" cy="0"/>
+        </a:xfrm>
+      </p:grpSpPr>
+      <p:sp>
+        <p:nvSpPr>
+          <p:cNvPr id="2" name="Title 1"/>
+          <p:cNvSpPr>
+            <a:spLocks noGrp="1"/>
+          </p:cNvSpPr>
+          <p:nvPr>
+            <p:ph type="title"/>
+          </p:nvPr>
+        </p:nvSpPr>
+        <p:spPr>
+          <a:xfrm>
+            <a:off x="1097280" y="286603"/>
+            <a:ext cx="10058400" cy="1450757"/>
+          </a:xfrm>
+        </p:spPr>
+        <p:txBody>
+          <a:bodyPr/>
+          <a:lstStyle/>
+          <a:p>
+            <a:pPr algn="ctr"/>
+            <a:r>
+              <a:rPr lang="en-US" dirty="0"/>
+              <a:t>Meteorology challenge</a:t>
+            </a:r>
+          </a:p>
+        </p:txBody>
+      </p:sp>
+      <p:sp>
+        <p:nvSpPr>
+          <p:cNvPr id="3" name="Content Placeholder 2"/>
+          <p:cNvSpPr>
+            <a:spLocks noGrp="1"/>
+          </p:cNvSpPr>
+          <p:nvPr>
+            <p:ph idx="1"/>
+          </p:nvPr>
+        </p:nvSpPr>
+        <p:spPr>
+          <a:xfrm>
+            <a:off x="421777" y="1689223"/>
+            <a:ext cx="8186764" cy="2011680"/>
+          </a:xfrm>
+        </p:spPr>
+        <p:txBody>
+          <a:bodyPr>
+            <a:normAutofit/>
+          </a:bodyPr>
+          <a:lstStyle/>
+          <a:p>
+            <a:pPr algn="l" rtl="0">
+              <a:lnSpc>
+                <a:spcPct val="150000"/>
+              </a:lnSpc>
+              <a:buFont typeface="Wingdings" panose="05000000000000000000" pitchFamily="2" charset="2"/>
+              <a:buChar char="§"/>
+            </a:pPr>
+            <a:r>
+              <a:rPr lang="en-US" sz="1800" dirty="0"/>
+              <a:t>Predict </a:t>
+            </a:r>
+            <a:r>
+              <a:rPr lang="en-US" sz="1800" b="1" dirty="0"/>
+              <a:t>Max daily temperature </a:t>
+            </a:r>
+            <a:r>
+              <a:rPr lang="en-US" sz="1800" dirty="0"/>
+              <a:t>Given max temp, min temp, wind and humidity from numerical and statistical meteorological models</a:t>
+            </a:r>
+          </a:p>
+          <a:p>
+            <a:pPr algn="l" rtl="0">
+              <a:lnSpc>
+                <a:spcPct val="150000"/>
+              </a:lnSpc>
+              <a:buFont typeface="Wingdings" panose="05000000000000000000" pitchFamily="2" charset="2"/>
+              <a:buChar char="§"/>
+            </a:pPr>
+            <a:r>
+              <a:rPr lang="en-US" sz="1800" dirty="0"/>
+              <a:t>Data: 2 years training, 15 stations, evening and morning models per day per station</a:t>
+            </a:r>
+          </a:p>
+          <a:p>
+            <a:pPr algn="l" rtl="0">
+              <a:lnSpc>
+                <a:spcPct val="150000"/>
+              </a:lnSpc>
+              <a:buFont typeface="Wingdings" panose="05000000000000000000" pitchFamily="2" charset="2"/>
+              <a:buChar char="§"/>
+            </a:pPr>
+            <a:r>
+              <a:rPr lang="en-US" sz="1800" dirty="0"/>
+              <a:t>Evaluation: RMSE</a:t>
+            </a:r>
+          </a:p>
+          <a:p>
+            <a:pPr lvl="1" algn="l" rtl="0"/>
+            <a:endParaRPr lang="en-US" dirty="0"/>
+          </a:p>
+          <a:p>
+            <a:pPr algn="l" rtl="0">
+              <a:buFont typeface="Wingdings" panose="05000000000000000000" pitchFamily="2" charset="2"/>
+              <a:buChar char="§"/>
+            </a:pPr>
+            <a:endParaRPr lang="en-US" sz="1800" dirty="0"/>
+          </a:p>
+          <a:p>
+            <a:pPr algn="l" rtl="0">
+              <a:buFont typeface="Wingdings" panose="05000000000000000000" pitchFamily="2" charset="2"/>
+              <a:buChar char="§"/>
+            </a:pPr>
+            <a:endParaRPr lang="en-US" sz="1800" dirty="0"/>
+          </a:p>
+          <a:p>
+            <a:pPr algn="l" rtl="0">
+              <a:buFont typeface="Wingdings" panose="05000000000000000000" pitchFamily="2" charset="2"/>
+              <a:buChar char="§"/>
+            </a:pPr>
+            <a:endParaRPr lang="en-US" sz="1800" dirty="0"/>
+          </a:p>
+        </p:txBody>
+      </p:sp>
+      <p:graphicFrame>
+        <p:nvGraphicFramePr>
+          <p:cNvPr id="6" name="Table 5"/>
+          <p:cNvGraphicFramePr>
+            <a:graphicFrameLocks noGrp="1"/>
+          </p:cNvGraphicFramePr>
+          <p:nvPr>
+            <p:extLst/>
+          </p:nvPr>
+        </p:nvGraphicFramePr>
+        <p:xfrm>
+          <a:off x="8279704" y="4125635"/>
+          <a:ext cx="3705923" cy="2238640"/>
+        </p:xfrm>
+        <a:graphic>
+          <a:graphicData uri="http://schemas.openxmlformats.org/drawingml/2006/table">
+            <a:tbl>
+              <a:tblPr firstRow="1" bandRow="1">
+                <a:tableStyleId>{5C22544A-7EE6-4342-B048-85BDC9FD1C3A}</a:tableStyleId>
+              </a:tblPr>
+              <a:tblGrid>
+                <a:gridCol w="1931283">
+                  <a:extLst>
+                    <a:ext uri="{9D8B030D-6E8A-4147-A177-3AD203B41FA5}">
+                      <a16:colId xmlns:a16="http://schemas.microsoft.com/office/drawing/2014/main" val="3288850108"/>
+                    </a:ext>
+                  </a:extLst>
+                </a:gridCol>
+                <a:gridCol w="1774640">
+                  <a:extLst>
+                    <a:ext uri="{9D8B030D-6E8A-4147-A177-3AD203B41FA5}">
+                      <a16:colId xmlns:a16="http://schemas.microsoft.com/office/drawing/2014/main" val="479840798"/>
+                    </a:ext>
+                  </a:extLst>
+                </a:gridCol>
+              </a:tblGrid>
+              <a:tr h="413950">
+                <a:tc>
+                  <a:txBody>
+                    <a:bodyPr/>
+                    <a:lstStyle/>
+                    <a:p>
+                      <a:pPr algn="l"/>
+                      <a:r>
+                        <a:rPr lang="en-US" sz="1700" dirty="0" err="1">
+                          <a:solidFill>
+                            <a:schemeClr val="tx1"/>
+                          </a:solidFill>
+                        </a:rPr>
+                        <a:t>Date_city</a:t>
+                      </a:r>
+                      <a:endParaRPr lang="en-US" sz="1700" dirty="0">
+                        <a:solidFill>
+                          <a:schemeClr val="tx1"/>
+                        </a:solidFill>
+                      </a:endParaRPr>
+                    </a:p>
+                  </a:txBody>
+                  <a:tcPr/>
+                </a:tc>
+                <a:tc>
+                  <a:txBody>
+                    <a:bodyPr/>
+                    <a:lstStyle/>
+                    <a:p>
+                      <a:pPr algn="l"/>
+                      <a:r>
+                        <a:rPr lang="en-US" sz="1700" dirty="0">
+                          <a:solidFill>
+                            <a:schemeClr val="tx1"/>
+                          </a:solidFill>
+                        </a:rPr>
+                        <a:t>Prediction</a:t>
+                      </a:r>
+                    </a:p>
+                  </a:txBody>
+                  <a:tcPr/>
+                </a:tc>
+                <a:extLst>
+                  <a:ext uri="{0D108BD9-81ED-4DB2-BD59-A6C34878D82A}">
+                    <a16:rowId xmlns:a16="http://schemas.microsoft.com/office/drawing/2014/main" val="1213402682"/>
+                  </a:ext>
+                </a:extLst>
+              </a:tr>
+              <a:tr h="364938">
+                <a:tc>
+                  <a:txBody>
+                    <a:bodyPr/>
+                    <a:lstStyle/>
+                    <a:p>
+                      <a:pPr algn="l"/>
+                      <a:r>
+                        <a:rPr lang="en-US" sz="1400" dirty="0">
+                          <a:cs typeface="+mn-cs"/>
+                        </a:rPr>
+                        <a:t>01-01-18_Afula</a:t>
+                      </a:r>
+                    </a:p>
+                  </a:txBody>
+                  <a:tcPr/>
+                </a:tc>
+                <a:tc>
+                  <a:txBody>
+                    <a:bodyPr/>
+                    <a:lstStyle/>
+                    <a:p>
+                      <a:pPr algn="l"/>
+                      <a:r>
+                        <a:rPr lang="en-US" sz="1400" dirty="0">
+                          <a:cs typeface="+mn-cs"/>
+                        </a:rPr>
+                        <a:t>12</a:t>
+                      </a:r>
+                    </a:p>
+                  </a:txBody>
+                  <a:tcPr/>
+                </a:tc>
+                <a:extLst>
+                  <a:ext uri="{0D108BD9-81ED-4DB2-BD59-A6C34878D82A}">
+                    <a16:rowId xmlns:a16="http://schemas.microsoft.com/office/drawing/2014/main" val="103216693"/>
+                  </a:ext>
+                </a:extLst>
+              </a:tr>
+              <a:tr h="364938">
+                <a:tc>
+                  <a:txBody>
+                    <a:bodyPr/>
+                    <a:lstStyle/>
+                    <a:p>
+                      <a:pPr algn="l"/>
+                      <a:r>
+                        <a:rPr lang="en-US" sz="1400" dirty="0">
+                          <a:cs typeface="+mn-cs"/>
+                        </a:rPr>
+                        <a:t>01-01-18_Ashdod</a:t>
+                      </a:r>
+                    </a:p>
+                  </a:txBody>
+                  <a:tcPr/>
+                </a:tc>
+                <a:tc>
+                  <a:txBody>
+                    <a:bodyPr/>
+                    <a:lstStyle/>
+                    <a:p>
+                      <a:pPr algn="l"/>
+                      <a:r>
+                        <a:rPr lang="en-US" sz="1400" dirty="0">
+                          <a:cs typeface="+mn-cs"/>
+                        </a:rPr>
+                        <a:t>14</a:t>
+                      </a:r>
+                    </a:p>
+                  </a:txBody>
+                  <a:tcPr/>
+                </a:tc>
+                <a:extLst>
+                  <a:ext uri="{0D108BD9-81ED-4DB2-BD59-A6C34878D82A}">
+                    <a16:rowId xmlns:a16="http://schemas.microsoft.com/office/drawing/2014/main" val="2293866077"/>
+                  </a:ext>
+                </a:extLst>
+              </a:tr>
+              <a:tr h="364938">
+                <a:tc>
+                  <a:txBody>
+                    <a:bodyPr/>
+                    <a:lstStyle/>
+                    <a:p>
+                      <a:pPr algn="l"/>
+                      <a:r>
+                        <a:rPr lang="en-US" sz="1400" dirty="0">
+                          <a:cs typeface="+mn-cs"/>
+                        </a:rPr>
+                        <a:t>01-01-18_Beer Sheva</a:t>
+                      </a:r>
+                    </a:p>
+                  </a:txBody>
+                  <a:tcPr/>
+                </a:tc>
+                <a:tc>
+                  <a:txBody>
+                    <a:bodyPr/>
+                    <a:lstStyle/>
+                    <a:p>
+                      <a:pPr algn="l"/>
+                      <a:r>
+                        <a:rPr lang="en-US" sz="1400" dirty="0">
+                          <a:cs typeface="+mn-cs"/>
+                        </a:rPr>
+                        <a:t>11</a:t>
+                      </a:r>
+                    </a:p>
+                  </a:txBody>
+                  <a:tcPr/>
+                </a:tc>
+                <a:extLst>
+                  <a:ext uri="{0D108BD9-81ED-4DB2-BD59-A6C34878D82A}">
+                    <a16:rowId xmlns:a16="http://schemas.microsoft.com/office/drawing/2014/main" val="1861383652"/>
+                  </a:ext>
+                </a:extLst>
+              </a:tr>
+              <a:tr h="364938">
+                <a:tc>
+                  <a:txBody>
+                    <a:bodyPr/>
+                    <a:lstStyle/>
+                    <a:p>
+                      <a:pPr algn="l"/>
+                      <a:r>
+                        <a:rPr lang="en-US" sz="1400" dirty="0">
+                          <a:cs typeface="+mn-cs"/>
+                        </a:rPr>
+                        <a:t>01-01-18_Bet </a:t>
+                      </a:r>
+                      <a:r>
+                        <a:rPr lang="en-US" sz="1400" dirty="0" err="1">
+                          <a:cs typeface="+mn-cs"/>
+                        </a:rPr>
+                        <a:t>Shean</a:t>
+                      </a:r>
+                      <a:endParaRPr lang="en-US" sz="1400" dirty="0">
+                        <a:cs typeface="+mn-cs"/>
+                      </a:endParaRPr>
+                    </a:p>
+                  </a:txBody>
+                  <a:tcPr/>
+                </a:tc>
+                <a:tc>
+                  <a:txBody>
+                    <a:bodyPr/>
+                    <a:lstStyle/>
+                    <a:p>
+                      <a:pPr algn="l"/>
+                      <a:r>
+                        <a:rPr lang="en-US" sz="1400" dirty="0">
+                          <a:cs typeface="+mn-cs"/>
+                        </a:rPr>
+                        <a:t>16</a:t>
+                      </a:r>
+                    </a:p>
+                  </a:txBody>
+                  <a:tcPr/>
+                </a:tc>
+                <a:extLst>
+                  <a:ext uri="{0D108BD9-81ED-4DB2-BD59-A6C34878D82A}">
+                    <a16:rowId xmlns:a16="http://schemas.microsoft.com/office/drawing/2014/main" val="424837530"/>
+                  </a:ext>
+                </a:extLst>
+              </a:tr>
+              <a:tr h="364938">
+                <a:tc>
+                  <a:txBody>
+                    <a:bodyPr/>
+                    <a:lstStyle/>
+                    <a:p>
+                      <a:pPr algn="l"/>
+                      <a:r>
+                        <a:rPr lang="en-US" sz="1400" dirty="0">
+                          <a:cs typeface="+mn-cs"/>
+                        </a:rPr>
+                        <a:t>01-01-18_Eilat</a:t>
+                      </a:r>
+                    </a:p>
+                  </a:txBody>
+                  <a:tcPr/>
+                </a:tc>
+                <a:tc>
+                  <a:txBody>
+                    <a:bodyPr/>
+                    <a:lstStyle/>
+                    <a:p>
+                      <a:pPr algn="l"/>
+                      <a:r>
+                        <a:rPr lang="en-US" sz="1400" dirty="0">
+                          <a:cs typeface="+mn-cs"/>
+                        </a:rPr>
+                        <a:t>20</a:t>
+                      </a:r>
+                    </a:p>
+                  </a:txBody>
+                  <a:tcPr/>
+                </a:tc>
+                <a:extLst>
+                  <a:ext uri="{0D108BD9-81ED-4DB2-BD59-A6C34878D82A}">
+                    <a16:rowId xmlns:a16="http://schemas.microsoft.com/office/drawing/2014/main" val="1481761364"/>
+                  </a:ext>
+                </a:extLst>
+              </a:tr>
+            </a:tbl>
+          </a:graphicData>
+        </a:graphic>
+      </p:graphicFrame>
+      <p:graphicFrame>
+        <p:nvGraphicFramePr>
+          <p:cNvPr id="9" name="טבלה 8">
+            <a:extLst>
+              <a:ext uri="{FF2B5EF4-FFF2-40B4-BE49-F238E27FC236}">
+                <a16:creationId xmlns:a16="http://schemas.microsoft.com/office/drawing/2014/main" id="{1AEE4F7F-5B3D-436D-AFA2-F64C4B939C97}"/>
+              </a:ext>
+            </a:extLst>
+          </p:cNvPr>
+          <p:cNvGraphicFramePr>
+            <a:graphicFrameLocks noGrp="1"/>
+          </p:cNvGraphicFramePr>
+          <p:nvPr>
+            <p:extLst>
+              <p:ext uri="{D42A27DB-BD31-4B8C-83A1-F6EECF244321}">
+                <p14:modId xmlns:p14="http://schemas.microsoft.com/office/powerpoint/2010/main" val="2238249586"/>
+              </p:ext>
+            </p:extLst>
+          </p:nvPr>
+        </p:nvGraphicFramePr>
+        <p:xfrm>
+          <a:off x="583729" y="4125635"/>
+          <a:ext cx="7333637" cy="2201140"/>
+        </p:xfrm>
+        <a:graphic>
+          <a:graphicData uri="http://schemas.openxmlformats.org/drawingml/2006/table">
+            <a:tbl>
+              <a:tblPr>
+                <a:tableStyleId>{69CF1AB2-1976-4502-BF36-3FF5EA218861}</a:tableStyleId>
+              </a:tblPr>
+              <a:tblGrid>
+                <a:gridCol w="1073408">
+                  <a:extLst>
+                    <a:ext uri="{9D8B030D-6E8A-4147-A177-3AD203B41FA5}">
+                      <a16:colId xmlns:a16="http://schemas.microsoft.com/office/drawing/2014/main" val="2699078306"/>
+                    </a:ext>
+                  </a:extLst>
+                </a:gridCol>
+                <a:gridCol w="950463">
+                  <a:extLst>
+                    <a:ext uri="{9D8B030D-6E8A-4147-A177-3AD203B41FA5}">
+                      <a16:colId xmlns:a16="http://schemas.microsoft.com/office/drawing/2014/main" val="2803132224"/>
+                    </a:ext>
+                  </a:extLst>
+                </a:gridCol>
+                <a:gridCol w="601704">
+                  <a:extLst>
+                    <a:ext uri="{9D8B030D-6E8A-4147-A177-3AD203B41FA5}">
+                      <a16:colId xmlns:a16="http://schemas.microsoft.com/office/drawing/2014/main" val="1100758189"/>
+                    </a:ext>
+                  </a:extLst>
+                </a:gridCol>
+                <a:gridCol w="810741">
+                  <a:extLst>
+                    <a:ext uri="{9D8B030D-6E8A-4147-A177-3AD203B41FA5}">
+                      <a16:colId xmlns:a16="http://schemas.microsoft.com/office/drawing/2014/main" val="3498143991"/>
+                    </a:ext>
+                  </a:extLst>
+                </a:gridCol>
+                <a:gridCol w="768085">
+                  <a:extLst>
+                    <a:ext uri="{9D8B030D-6E8A-4147-A177-3AD203B41FA5}">
+                      <a16:colId xmlns:a16="http://schemas.microsoft.com/office/drawing/2014/main" val="3564521674"/>
+                    </a:ext>
+                  </a:extLst>
+                </a:gridCol>
+                <a:gridCol w="768085">
+                  <a:extLst>
+                    <a:ext uri="{9D8B030D-6E8A-4147-A177-3AD203B41FA5}">
+                      <a16:colId xmlns:a16="http://schemas.microsoft.com/office/drawing/2014/main" val="1383669604"/>
+                    </a:ext>
+                  </a:extLst>
+                </a:gridCol>
+                <a:gridCol w="768085">
+                  <a:extLst>
+                    <a:ext uri="{9D8B030D-6E8A-4147-A177-3AD203B41FA5}">
+                      <a16:colId xmlns:a16="http://schemas.microsoft.com/office/drawing/2014/main" val="1581355348"/>
+                    </a:ext>
+                  </a:extLst>
+                </a:gridCol>
+                <a:gridCol w="768085">
+                  <a:extLst>
+                    <a:ext uri="{9D8B030D-6E8A-4147-A177-3AD203B41FA5}">
+                      <a16:colId xmlns:a16="http://schemas.microsoft.com/office/drawing/2014/main" val="3087758259"/>
+                    </a:ext>
+                  </a:extLst>
+                </a:gridCol>
+                <a:gridCol w="824981">
+                  <a:extLst>
+                    <a:ext uri="{9D8B030D-6E8A-4147-A177-3AD203B41FA5}">
+                      <a16:colId xmlns:a16="http://schemas.microsoft.com/office/drawing/2014/main" val="4030382871"/>
+                    </a:ext>
+                  </a:extLst>
+                </a:gridCol>
+              </a:tblGrid>
+              <a:tr h="240972">
+                <a:tc>
+                  <a:txBody>
+                    <a:bodyPr/>
+                    <a:lstStyle/>
+                    <a:p>
+                      <a:pPr algn="l" fontAlgn="b"/>
+                      <a:r>
+                        <a:rPr lang="en-US" sz="1400" b="1" u="none" strike="noStrike" dirty="0">
+                          <a:effectLst/>
+                          <a:cs typeface="+mn-cs"/>
+                        </a:rPr>
+                        <a:t>Basis date</a:t>
+                      </a:r>
+                      <a:endParaRPr lang="en-US" sz="1400" b="1" i="0" u="none" strike="noStrike" dirty="0">
+                        <a:solidFill>
+                          <a:srgbClr val="000000"/>
+                        </a:solidFill>
+                        <a:effectLst/>
+                        <a:latin typeface="+mn-lt"/>
+                        <a:cs typeface="+mn-cs"/>
+                      </a:endParaRPr>
+                    </a:p>
+                  </a:txBody>
+                  <a:tcPr marL="9525" marR="9525" marT="9525" marB="0" anchor="b">
+                    <a:solidFill>
+                      <a:schemeClr val="accent1">
+                        <a:lumMod val="60000"/>
+                        <a:lumOff val="40000"/>
+                      </a:schemeClr>
+                    </a:solidFill>
+                  </a:tcPr>
+                </a:tc>
+                <a:tc>
+                  <a:txBody>
+                    <a:bodyPr/>
+                    <a:lstStyle/>
+                    <a:p>
+                      <a:pPr algn="l" fontAlgn="b"/>
+                      <a:r>
+                        <a:rPr lang="en-US" sz="1400" b="1" u="none" strike="noStrike" dirty="0">
+                          <a:effectLst/>
+                          <a:cs typeface="+mn-cs"/>
+                        </a:rPr>
+                        <a:t>City</a:t>
+                      </a:r>
+                      <a:endParaRPr lang="en-US" sz="1400" b="1" i="0" u="none" strike="noStrike" dirty="0">
+                        <a:solidFill>
+                          <a:srgbClr val="000000"/>
+                        </a:solidFill>
+                        <a:effectLst/>
+                        <a:latin typeface="+mn-lt"/>
+                        <a:cs typeface="+mn-cs"/>
+                      </a:endParaRPr>
+                    </a:p>
+                  </a:txBody>
+                  <a:tcPr marL="9525" marR="9525" marT="9525" marB="0" anchor="b">
+                    <a:solidFill>
+                      <a:schemeClr val="accent1">
+                        <a:lumMod val="60000"/>
+                        <a:lumOff val="40000"/>
+                      </a:schemeClr>
+                    </a:solidFill>
+                  </a:tcPr>
+                </a:tc>
+                <a:tc>
+                  <a:txBody>
+                    <a:bodyPr/>
+                    <a:lstStyle/>
+                    <a:p>
+                      <a:pPr algn="l" fontAlgn="b"/>
+                      <a:r>
+                        <a:rPr lang="en-US" sz="1400" b="1" i="0" u="none" strike="noStrike" dirty="0">
+                          <a:solidFill>
+                            <a:srgbClr val="000000"/>
+                          </a:solidFill>
+                          <a:effectLst/>
+                          <a:latin typeface="+mn-lt"/>
+                          <a:cs typeface="+mn-cs"/>
+                        </a:rPr>
+                        <a:t>Time</a:t>
+                      </a:r>
+                    </a:p>
+                  </a:txBody>
+                  <a:tcPr marL="9525" marR="9525" marT="9525" marB="0" anchor="b">
+                    <a:solidFill>
+                      <a:schemeClr val="accent1">
+                        <a:lumMod val="60000"/>
+                        <a:lumOff val="40000"/>
+                      </a:schemeClr>
+                    </a:solidFill>
+                  </a:tcPr>
+                </a:tc>
+                <a:tc>
+                  <a:txBody>
+                    <a:bodyPr/>
+                    <a:lstStyle/>
+                    <a:p>
+                      <a:pPr algn="l" fontAlgn="b"/>
+                      <a:r>
+                        <a:rPr lang="en-US" sz="1400" b="1" u="none" strike="noStrike" dirty="0">
+                          <a:effectLst/>
+                          <a:cs typeface="+mn-cs"/>
+                        </a:rPr>
+                        <a:t>Persist. value</a:t>
+                      </a:r>
+                      <a:endParaRPr lang="en-US" sz="1400" b="1" i="0" u="none" strike="noStrike" dirty="0">
+                        <a:solidFill>
+                          <a:srgbClr val="000000"/>
+                        </a:solidFill>
+                        <a:effectLst/>
+                        <a:latin typeface="+mn-lt"/>
+                        <a:cs typeface="+mn-cs"/>
+                      </a:endParaRPr>
+                    </a:p>
+                  </a:txBody>
+                  <a:tcPr marL="9525" marR="9525" marT="9525" marB="0" anchor="b">
+                    <a:solidFill>
+                      <a:schemeClr val="accent1">
+                        <a:lumMod val="60000"/>
+                        <a:lumOff val="40000"/>
+                      </a:schemeClr>
+                    </a:solidFill>
+                  </a:tcPr>
+                </a:tc>
+                <a:tc>
+                  <a:txBody>
+                    <a:bodyPr/>
+                    <a:lstStyle/>
+                    <a:p>
+                      <a:pPr algn="l" fontAlgn="b"/>
+                      <a:r>
+                        <a:rPr lang="en-US" sz="1400" b="1" u="none" strike="noStrike" dirty="0">
+                          <a:effectLst/>
+                          <a:cs typeface="+mn-cs"/>
+                        </a:rPr>
+                        <a:t>EC</a:t>
+                      </a:r>
+                      <a:endParaRPr lang="en-US" sz="1400" b="1" i="0" u="none" strike="noStrike" dirty="0">
+                        <a:solidFill>
+                          <a:srgbClr val="000000"/>
+                        </a:solidFill>
+                        <a:effectLst/>
+                        <a:latin typeface="+mn-lt"/>
+                        <a:cs typeface="+mn-cs"/>
+                      </a:endParaRPr>
+                    </a:p>
+                  </a:txBody>
+                  <a:tcPr marL="9525" marR="9525" marT="9525" marB="0" anchor="b">
+                    <a:solidFill>
+                      <a:schemeClr val="accent1">
+                        <a:lumMod val="60000"/>
+                        <a:lumOff val="40000"/>
+                      </a:schemeClr>
+                    </a:solidFill>
+                  </a:tcPr>
+                </a:tc>
+                <a:tc>
+                  <a:txBody>
+                    <a:bodyPr/>
+                    <a:lstStyle/>
+                    <a:p>
+                      <a:pPr algn="l" fontAlgn="b"/>
+                      <a:r>
+                        <a:rPr lang="en-US" sz="1400" b="1" u="none" strike="noStrike" dirty="0">
+                          <a:effectLst/>
+                          <a:cs typeface="+mn-cs"/>
+                        </a:rPr>
+                        <a:t>CO</a:t>
+                      </a:r>
+                      <a:endParaRPr lang="en-US" sz="1400" b="1" i="0" u="none" strike="noStrike" dirty="0">
+                        <a:solidFill>
+                          <a:srgbClr val="000000"/>
+                        </a:solidFill>
+                        <a:effectLst/>
+                        <a:latin typeface="+mn-lt"/>
+                        <a:cs typeface="+mn-cs"/>
+                      </a:endParaRPr>
+                    </a:p>
+                  </a:txBody>
+                  <a:tcPr marL="9525" marR="9525" marT="9525" marB="0" anchor="b">
+                    <a:solidFill>
+                      <a:schemeClr val="accent1">
+                        <a:lumMod val="60000"/>
+                        <a:lumOff val="40000"/>
+                      </a:schemeClr>
+                    </a:solidFill>
+                  </a:tcPr>
+                </a:tc>
+                <a:tc>
+                  <a:txBody>
+                    <a:bodyPr/>
+                    <a:lstStyle/>
+                    <a:p>
+                      <a:pPr algn="l" fontAlgn="b"/>
+                      <a:r>
+                        <a:rPr lang="en-US" sz="1400" b="1" u="none" strike="noStrike" dirty="0">
+                          <a:effectLst/>
+                          <a:cs typeface="+mn-cs"/>
+                        </a:rPr>
+                        <a:t>C3</a:t>
+                      </a:r>
+                      <a:endParaRPr lang="en-US" sz="1400" b="1" i="0" u="none" strike="noStrike" dirty="0">
+                        <a:solidFill>
+                          <a:srgbClr val="000000"/>
+                        </a:solidFill>
+                        <a:effectLst/>
+                        <a:latin typeface="+mn-lt"/>
+                        <a:cs typeface="+mn-cs"/>
+                      </a:endParaRPr>
+                    </a:p>
+                  </a:txBody>
+                  <a:tcPr marL="9525" marR="9525" marT="9525" marB="0" anchor="b">
+                    <a:solidFill>
+                      <a:schemeClr val="accent1">
+                        <a:lumMod val="60000"/>
+                        <a:lumOff val="40000"/>
+                      </a:schemeClr>
+                    </a:solidFill>
+                  </a:tcPr>
+                </a:tc>
+                <a:tc>
+                  <a:txBody>
+                    <a:bodyPr/>
+                    <a:lstStyle/>
+                    <a:p>
+                      <a:pPr algn="l" fontAlgn="b"/>
+                      <a:r>
+                        <a:rPr lang="en-US" sz="1400" b="1" u="none" strike="noStrike" dirty="0">
+                          <a:effectLst/>
+                          <a:cs typeface="+mn-cs"/>
+                        </a:rPr>
+                        <a:t>OH</a:t>
+                      </a:r>
+                      <a:endParaRPr lang="en-US" sz="1400" b="1" i="0" u="none" strike="noStrike" dirty="0">
+                        <a:solidFill>
+                          <a:srgbClr val="000000"/>
+                        </a:solidFill>
+                        <a:effectLst/>
+                        <a:latin typeface="+mn-lt"/>
+                        <a:cs typeface="+mn-cs"/>
+                      </a:endParaRPr>
+                    </a:p>
+                  </a:txBody>
+                  <a:tcPr marL="9525" marR="9525" marT="9525" marB="0" anchor="b">
+                    <a:solidFill>
+                      <a:schemeClr val="accent1">
+                        <a:lumMod val="60000"/>
+                        <a:lumOff val="40000"/>
+                      </a:schemeClr>
+                    </a:solidFill>
+                  </a:tcPr>
+                </a:tc>
+                <a:tc>
+                  <a:txBody>
+                    <a:bodyPr/>
+                    <a:lstStyle/>
+                    <a:p>
+                      <a:pPr algn="l" fontAlgn="b"/>
+                      <a:r>
+                        <a:rPr lang="en-US" sz="1400" b="1" u="none" strike="noStrike" dirty="0">
+                          <a:effectLst/>
+                          <a:cs typeface="+mn-cs"/>
+                        </a:rPr>
+                        <a:t>Obs. value</a:t>
+                      </a:r>
+                      <a:endParaRPr lang="en-US" sz="1400" b="1" i="0" u="none" strike="noStrike" dirty="0">
+                        <a:solidFill>
+                          <a:srgbClr val="000000"/>
+                        </a:solidFill>
+                        <a:effectLst/>
+                        <a:latin typeface="+mn-lt"/>
+                        <a:cs typeface="+mn-cs"/>
+                      </a:endParaRPr>
+                    </a:p>
+                  </a:txBody>
+                  <a:tcPr marL="9525" marR="9525" marT="9525" marB="0" anchor="b">
+                    <a:solidFill>
+                      <a:schemeClr val="accent1">
+                        <a:lumMod val="60000"/>
+                        <a:lumOff val="40000"/>
+                      </a:schemeClr>
+                    </a:solidFill>
+                  </a:tcPr>
+                </a:tc>
+                <a:extLst>
+                  <a:ext uri="{0D108BD9-81ED-4DB2-BD59-A6C34878D82A}">
+                    <a16:rowId xmlns:a16="http://schemas.microsoft.com/office/drawing/2014/main" val="4223412683"/>
+                  </a:ext>
+                </a:extLst>
+              </a:tr>
+              <a:tr h="352979">
+                <a:tc>
+                  <a:txBody>
+                    <a:bodyPr/>
+                    <a:lstStyle/>
+                    <a:p>
+                      <a:pPr algn="ctr" fontAlgn="b"/>
+                      <a:r>
+                        <a:rPr kumimoji="0" lang="en-US" sz="1700" b="0" i="0" u="none" strike="noStrike" kern="1200" cap="none" spc="0" normalizeH="0" baseline="0" noProof="0" dirty="0">
+                          <a:ln>
+                            <a:noFill/>
+                          </a:ln>
+                          <a:solidFill>
+                            <a:prstClr val="black"/>
+                          </a:solidFill>
+                          <a:effectLst/>
+                          <a:uLnTx/>
+                          <a:uFillTx/>
+                          <a:latin typeface="Calibri" panose="020F0502020204030204"/>
+                          <a:ea typeface="+mn-ea"/>
+                          <a:cs typeface="+mn-cs"/>
+                        </a:rPr>
+                        <a:t>01-01-18</a:t>
+                      </a:r>
+                      <a:endParaRPr lang="he-IL" sz="1400" b="0" i="0" u="none" strike="noStrike" dirty="0">
+                        <a:solidFill>
+                          <a:srgbClr val="000000"/>
+                        </a:solidFill>
+                        <a:effectLst/>
+                        <a:latin typeface="+mn-lt"/>
+                        <a:cs typeface="+mn-cs"/>
+                      </a:endParaRPr>
+                    </a:p>
+                  </a:txBody>
+                  <a:tcPr marL="9525" marR="9525" marT="9525" marB="0" anchor="b"/>
+                </a:tc>
+                <a:tc>
+                  <a:txBody>
+                    <a:bodyPr/>
+                    <a:lstStyle/>
+                    <a:p>
+                      <a:pPr algn="ctr" fontAlgn="b"/>
+                      <a:r>
+                        <a:rPr lang="en-US" sz="1400" u="none" strike="noStrike" dirty="0">
+                          <a:effectLst/>
+                          <a:cs typeface="+mn-cs"/>
+                        </a:rPr>
+                        <a:t>Afula</a:t>
+                      </a:r>
+                      <a:endParaRPr lang="en-US" sz="1400" b="0" i="0" u="none" strike="noStrike" dirty="0">
+                        <a:solidFill>
+                          <a:srgbClr val="000000"/>
+                        </a:solidFill>
+                        <a:effectLst/>
+                        <a:latin typeface="+mn-lt"/>
+                        <a:cs typeface="+mn-cs"/>
+                      </a:endParaRPr>
+                    </a:p>
+                  </a:txBody>
+                  <a:tcPr marL="9525" marR="9525" marT="9525" marB="0" anchor="b"/>
+                </a:tc>
+                <a:tc>
+                  <a:txBody>
+                    <a:bodyPr/>
+                    <a:lstStyle/>
+                    <a:p>
+                      <a:pPr algn="ctr" fontAlgn="b"/>
+                      <a:r>
+                        <a:rPr lang="en-US" sz="1400" b="0" i="0" u="none" strike="noStrike" dirty="0">
+                          <a:solidFill>
+                            <a:srgbClr val="000000"/>
+                          </a:solidFill>
+                          <a:effectLst/>
+                          <a:latin typeface="+mn-lt"/>
+                          <a:cs typeface="+mn-cs"/>
+                        </a:rPr>
+                        <a:t>1</a:t>
+                      </a:r>
+                      <a:endParaRPr lang="he-IL" sz="1400" b="0" i="0" u="none" strike="noStrike" dirty="0">
+                        <a:solidFill>
+                          <a:srgbClr val="000000"/>
+                        </a:solidFill>
+                        <a:effectLst/>
+                        <a:latin typeface="+mn-lt"/>
+                        <a:cs typeface="+mn-cs"/>
+                      </a:endParaRPr>
+                    </a:p>
+                  </a:txBody>
+                  <a:tcPr marL="9525" marR="9525" marT="9525" marB="0" anchor="b"/>
+                </a:tc>
+                <a:tc>
+                  <a:txBody>
+                    <a:bodyPr/>
+                    <a:lstStyle/>
+                    <a:p>
+                      <a:pPr algn="ctr" fontAlgn="b"/>
+                      <a:r>
+                        <a:rPr lang="he-IL" sz="1400" u="none" strike="noStrike" dirty="0">
+                          <a:effectLst/>
+                          <a:cs typeface="+mn-cs"/>
+                        </a:rPr>
+                        <a:t>18</a:t>
+                      </a:r>
+                      <a:endParaRPr lang="he-IL" sz="1400" b="0" i="0" u="none" strike="noStrike" dirty="0">
+                        <a:solidFill>
+                          <a:srgbClr val="000000"/>
+                        </a:solidFill>
+                        <a:effectLst/>
+                        <a:latin typeface="+mn-lt"/>
+                        <a:cs typeface="+mn-cs"/>
+                      </a:endParaRPr>
+                    </a:p>
+                  </a:txBody>
+                  <a:tcPr marL="9525" marR="9525" marT="9525" marB="0" anchor="b"/>
+                </a:tc>
+                <a:tc>
+                  <a:txBody>
+                    <a:bodyPr/>
+                    <a:lstStyle/>
+                    <a:p>
+                      <a:pPr algn="ctr" fontAlgn="b"/>
+                      <a:r>
+                        <a:rPr lang="he-IL" sz="1400" u="none" strike="noStrike" dirty="0">
+                          <a:effectLst/>
+                          <a:cs typeface="+mn-cs"/>
+                        </a:rPr>
+                        <a:t>11</a:t>
+                      </a:r>
+                      <a:endParaRPr lang="he-IL" sz="1400" b="0" i="0" u="none" strike="noStrike" dirty="0">
+                        <a:solidFill>
+                          <a:srgbClr val="000000"/>
+                        </a:solidFill>
+                        <a:effectLst/>
+                        <a:latin typeface="+mn-lt"/>
+                        <a:cs typeface="+mn-cs"/>
+                      </a:endParaRPr>
+                    </a:p>
+                  </a:txBody>
+                  <a:tcPr marL="9525" marR="9525" marT="9525" marB="0" anchor="b"/>
+                </a:tc>
+                <a:tc>
+                  <a:txBody>
+                    <a:bodyPr/>
+                    <a:lstStyle/>
+                    <a:p>
+                      <a:pPr algn="ctr" fontAlgn="b"/>
+                      <a:r>
+                        <a:rPr lang="he-IL" sz="1400" u="none" strike="noStrike" dirty="0">
+                          <a:effectLst/>
+                          <a:cs typeface="+mn-cs"/>
+                        </a:rPr>
+                        <a:t>11</a:t>
+                      </a:r>
+                      <a:endParaRPr lang="he-IL" sz="1400" b="0" i="0" u="none" strike="noStrike" dirty="0">
+                        <a:solidFill>
+                          <a:srgbClr val="000000"/>
+                        </a:solidFill>
+                        <a:effectLst/>
+                        <a:latin typeface="+mn-lt"/>
+                        <a:cs typeface="+mn-cs"/>
+                      </a:endParaRPr>
+                    </a:p>
+                  </a:txBody>
+                  <a:tcPr marL="9525" marR="9525" marT="9525" marB="0" anchor="b"/>
+                </a:tc>
+                <a:tc>
+                  <a:txBody>
+                    <a:bodyPr/>
+                    <a:lstStyle/>
+                    <a:p>
+                      <a:pPr algn="ctr" fontAlgn="b"/>
+                      <a:r>
+                        <a:rPr lang="he-IL" sz="1400" u="none" strike="noStrike">
+                          <a:effectLst/>
+                          <a:cs typeface="+mn-cs"/>
+                        </a:rPr>
+                        <a:t>12</a:t>
+                      </a:r>
+                      <a:endParaRPr lang="he-IL" sz="1400" b="0" i="0" u="none" strike="noStrike">
+                        <a:solidFill>
+                          <a:srgbClr val="000000"/>
+                        </a:solidFill>
+                        <a:effectLst/>
+                        <a:latin typeface="+mn-lt"/>
+                        <a:cs typeface="+mn-cs"/>
+                      </a:endParaRPr>
+                    </a:p>
+                  </a:txBody>
+                  <a:tcPr marL="9525" marR="9525" marT="9525" marB="0" anchor="b"/>
+                </a:tc>
+                <a:tc>
+                  <a:txBody>
+                    <a:bodyPr/>
+                    <a:lstStyle/>
+                    <a:p>
+                      <a:pPr algn="ctr" fontAlgn="b"/>
+                      <a:r>
+                        <a:rPr lang="he-IL" sz="1400" u="none" strike="noStrike" dirty="0">
+                          <a:effectLst/>
+                          <a:cs typeface="+mn-cs"/>
+                        </a:rPr>
+                        <a:t>12</a:t>
+                      </a:r>
+                      <a:endParaRPr lang="he-IL" sz="1400" b="0" i="0" u="none" strike="noStrike" dirty="0">
+                        <a:solidFill>
+                          <a:srgbClr val="000000"/>
+                        </a:solidFill>
+                        <a:effectLst/>
+                        <a:latin typeface="+mn-lt"/>
+                        <a:cs typeface="+mn-cs"/>
+                      </a:endParaRPr>
+                    </a:p>
+                  </a:txBody>
+                  <a:tcPr marL="9525" marR="9525" marT="9525" marB="0" anchor="b"/>
+                </a:tc>
+                <a:tc>
+                  <a:txBody>
+                    <a:bodyPr/>
+                    <a:lstStyle/>
+                    <a:p>
+                      <a:pPr algn="ctr" fontAlgn="b"/>
+                      <a:r>
+                        <a:rPr lang="he-IL" sz="1400" u="none" strike="noStrike">
+                          <a:effectLst/>
+                          <a:cs typeface="+mn-cs"/>
+                        </a:rPr>
+                        <a:t>12</a:t>
+                      </a:r>
+                      <a:endParaRPr lang="he-IL" sz="1400" b="0" i="0" u="none" strike="noStrike">
+                        <a:solidFill>
+                          <a:srgbClr val="000000"/>
+                        </a:solidFill>
+                        <a:effectLst/>
+                        <a:latin typeface="+mn-lt"/>
+                        <a:cs typeface="+mn-cs"/>
+                      </a:endParaRPr>
+                    </a:p>
+                  </a:txBody>
+                  <a:tcPr marL="9525" marR="9525" marT="9525" marB="0" anchor="b"/>
+                </a:tc>
+                <a:extLst>
+                  <a:ext uri="{0D108BD9-81ED-4DB2-BD59-A6C34878D82A}">
+                    <a16:rowId xmlns:a16="http://schemas.microsoft.com/office/drawing/2014/main" val="3283273362"/>
+                  </a:ext>
+                </a:extLst>
+              </a:tr>
+              <a:tr h="352979">
+                <a:tc>
+                  <a:txBody>
+                    <a:bodyPr/>
+                    <a:lstStyle/>
+                    <a:p>
+                      <a:pPr algn="ctr" fontAlgn="b"/>
+                      <a:r>
+                        <a:rPr kumimoji="0" lang="en-US" sz="1700" b="0" i="0" u="none" strike="noStrike" kern="1200" cap="none" spc="0" normalizeH="0" baseline="0" noProof="0" dirty="0">
+                          <a:ln>
+                            <a:noFill/>
+                          </a:ln>
+                          <a:solidFill>
+                            <a:prstClr val="black"/>
+                          </a:solidFill>
+                          <a:effectLst/>
+                          <a:uLnTx/>
+                          <a:uFillTx/>
+                          <a:latin typeface="Calibri" panose="020F0502020204030204"/>
+                          <a:ea typeface="+mn-ea"/>
+                          <a:cs typeface="+mn-cs"/>
+                        </a:rPr>
+                        <a:t>01-01-18</a:t>
+                      </a:r>
+                      <a:endParaRPr lang="he-IL" sz="1400" b="0" i="0" u="none" strike="noStrike" dirty="0">
+                        <a:solidFill>
+                          <a:srgbClr val="000000"/>
+                        </a:solidFill>
+                        <a:effectLst/>
+                        <a:latin typeface="+mn-lt"/>
+                        <a:cs typeface="+mn-cs"/>
+                      </a:endParaRPr>
+                    </a:p>
+                  </a:txBody>
+                  <a:tcPr marL="9525" marR="9525" marT="9525" marB="0" anchor="b"/>
+                </a:tc>
+                <a:tc>
+                  <a:txBody>
+                    <a:bodyPr/>
+                    <a:lstStyle/>
+                    <a:p>
+                      <a:pPr algn="ctr" fontAlgn="b"/>
+                      <a:r>
+                        <a:rPr lang="en-US" sz="1400" u="none" strike="noStrike" dirty="0">
+                          <a:effectLst/>
+                          <a:cs typeface="+mn-cs"/>
+                        </a:rPr>
+                        <a:t>Ashdod</a:t>
+                      </a:r>
+                      <a:endParaRPr lang="en-US" sz="1400" b="0" i="0" u="none" strike="noStrike" dirty="0">
+                        <a:solidFill>
+                          <a:srgbClr val="000000"/>
+                        </a:solidFill>
+                        <a:effectLst/>
+                        <a:latin typeface="+mn-lt"/>
+                        <a:cs typeface="+mn-cs"/>
+                      </a:endParaRPr>
+                    </a:p>
+                  </a:txBody>
+                  <a:tcPr marL="9525" marR="9525" marT="9525" marB="0" anchor="b"/>
+                </a:tc>
+                <a:tc>
+                  <a:txBody>
+                    <a:bodyPr/>
+                    <a:lstStyle/>
+                    <a:p>
+                      <a:pPr algn="ctr" fontAlgn="b"/>
+                      <a:r>
+                        <a:rPr lang="en-US" sz="1400" b="0" i="0" u="none" strike="noStrike" dirty="0">
+                          <a:solidFill>
+                            <a:srgbClr val="000000"/>
+                          </a:solidFill>
+                          <a:effectLst/>
+                          <a:latin typeface="+mn-lt"/>
+                          <a:cs typeface="+mn-cs"/>
+                        </a:rPr>
+                        <a:t>1</a:t>
+                      </a:r>
+                      <a:endParaRPr lang="he-IL" sz="1400" b="0" i="0" u="none" strike="noStrike" dirty="0">
+                        <a:solidFill>
+                          <a:srgbClr val="000000"/>
+                        </a:solidFill>
+                        <a:effectLst/>
+                        <a:latin typeface="+mn-lt"/>
+                        <a:cs typeface="+mn-cs"/>
+                      </a:endParaRPr>
+                    </a:p>
+                  </a:txBody>
+                  <a:tcPr marL="9525" marR="9525" marT="9525" marB="0" anchor="b"/>
+                </a:tc>
+                <a:tc>
+                  <a:txBody>
+                    <a:bodyPr/>
+                    <a:lstStyle/>
+                    <a:p>
+                      <a:pPr algn="ctr" fontAlgn="b"/>
+                      <a:r>
+                        <a:rPr lang="he-IL" sz="1400" u="none" strike="noStrike" dirty="0">
+                          <a:effectLst/>
+                          <a:cs typeface="+mn-cs"/>
+                        </a:rPr>
+                        <a:t>18</a:t>
+                      </a:r>
+                      <a:endParaRPr lang="he-IL" sz="1400" b="0" i="0" u="none" strike="noStrike" dirty="0">
+                        <a:solidFill>
+                          <a:srgbClr val="000000"/>
+                        </a:solidFill>
+                        <a:effectLst/>
+                        <a:latin typeface="+mn-lt"/>
+                        <a:cs typeface="+mn-cs"/>
+                      </a:endParaRPr>
+                    </a:p>
+                  </a:txBody>
+                  <a:tcPr marL="9525" marR="9525" marT="9525" marB="0" anchor="b"/>
+                </a:tc>
+                <a:tc>
+                  <a:txBody>
+                    <a:bodyPr/>
+                    <a:lstStyle/>
+                    <a:p>
+                      <a:pPr algn="ctr" fontAlgn="b"/>
+                      <a:r>
+                        <a:rPr lang="he-IL" sz="1400" u="none" strike="noStrike" dirty="0">
+                          <a:effectLst/>
+                          <a:cs typeface="+mn-cs"/>
+                        </a:rPr>
+                        <a:t>14</a:t>
+                      </a:r>
+                      <a:endParaRPr lang="he-IL" sz="1400" b="0" i="0" u="none" strike="noStrike" dirty="0">
+                        <a:solidFill>
+                          <a:srgbClr val="000000"/>
+                        </a:solidFill>
+                        <a:effectLst/>
+                        <a:latin typeface="+mn-lt"/>
+                        <a:cs typeface="+mn-cs"/>
+                      </a:endParaRPr>
+                    </a:p>
+                  </a:txBody>
+                  <a:tcPr marL="9525" marR="9525" marT="9525" marB="0" anchor="b"/>
+                </a:tc>
+                <a:tc>
+                  <a:txBody>
+                    <a:bodyPr/>
+                    <a:lstStyle/>
+                    <a:p>
+                      <a:pPr algn="ctr" fontAlgn="b"/>
+                      <a:r>
+                        <a:rPr lang="he-IL" sz="1400" u="none" strike="noStrike" dirty="0">
+                          <a:effectLst/>
+                          <a:cs typeface="+mn-cs"/>
+                        </a:rPr>
+                        <a:t>14</a:t>
+                      </a:r>
+                      <a:endParaRPr lang="he-IL" sz="1400" b="0" i="0" u="none" strike="noStrike" dirty="0">
+                        <a:solidFill>
+                          <a:srgbClr val="000000"/>
+                        </a:solidFill>
+                        <a:effectLst/>
+                        <a:latin typeface="+mn-lt"/>
+                        <a:cs typeface="+mn-cs"/>
+                      </a:endParaRPr>
+                    </a:p>
+                  </a:txBody>
+                  <a:tcPr marL="9525" marR="9525" marT="9525" marB="0" anchor="b"/>
+                </a:tc>
+                <a:tc>
+                  <a:txBody>
+                    <a:bodyPr/>
+                    <a:lstStyle/>
+                    <a:p>
+                      <a:pPr algn="ctr" fontAlgn="b"/>
+                      <a:r>
+                        <a:rPr lang="he-IL" sz="1400" u="none" strike="noStrike" dirty="0">
+                          <a:effectLst/>
+                          <a:cs typeface="+mn-cs"/>
+                        </a:rPr>
+                        <a:t>15</a:t>
+                      </a:r>
+                      <a:endParaRPr lang="he-IL" sz="1400" b="0" i="0" u="none" strike="noStrike" dirty="0">
+                        <a:solidFill>
+                          <a:srgbClr val="000000"/>
+                        </a:solidFill>
+                        <a:effectLst/>
+                        <a:latin typeface="+mn-lt"/>
+                        <a:cs typeface="+mn-cs"/>
+                      </a:endParaRPr>
+                    </a:p>
+                  </a:txBody>
+                  <a:tcPr marL="9525" marR="9525" marT="9525" marB="0" anchor="b"/>
+                </a:tc>
+                <a:tc>
+                  <a:txBody>
+                    <a:bodyPr/>
+                    <a:lstStyle/>
+                    <a:p>
+                      <a:pPr algn="ctr" fontAlgn="b"/>
+                      <a:r>
+                        <a:rPr lang="he-IL" sz="1400" u="none" strike="noStrike" dirty="0">
+                          <a:effectLst/>
+                          <a:cs typeface="+mn-cs"/>
+                        </a:rPr>
+                        <a:t>11</a:t>
+                      </a:r>
+                      <a:endParaRPr lang="he-IL" sz="1400" b="0" i="0" u="none" strike="noStrike" dirty="0">
+                        <a:solidFill>
+                          <a:srgbClr val="000000"/>
+                        </a:solidFill>
+                        <a:effectLst/>
+                        <a:latin typeface="+mn-lt"/>
+                        <a:cs typeface="+mn-cs"/>
+                      </a:endParaRPr>
+                    </a:p>
+                  </a:txBody>
+                  <a:tcPr marL="9525" marR="9525" marT="9525" marB="0" anchor="b"/>
+                </a:tc>
+                <a:tc>
+                  <a:txBody>
+                    <a:bodyPr/>
+                    <a:lstStyle/>
+                    <a:p>
+                      <a:pPr algn="ctr" fontAlgn="b"/>
+                      <a:r>
+                        <a:rPr lang="he-IL" sz="1400" u="none" strike="noStrike">
+                          <a:effectLst/>
+                          <a:cs typeface="+mn-cs"/>
+                        </a:rPr>
+                        <a:t>15</a:t>
+                      </a:r>
+                      <a:endParaRPr lang="he-IL" sz="1400" b="0" i="0" u="none" strike="noStrike">
+                        <a:solidFill>
+                          <a:srgbClr val="000000"/>
+                        </a:solidFill>
+                        <a:effectLst/>
+                        <a:latin typeface="+mn-lt"/>
+                        <a:cs typeface="+mn-cs"/>
+                      </a:endParaRPr>
+                    </a:p>
+                  </a:txBody>
+                  <a:tcPr marL="9525" marR="9525" marT="9525" marB="0" anchor="b"/>
+                </a:tc>
+                <a:extLst>
+                  <a:ext uri="{0D108BD9-81ED-4DB2-BD59-A6C34878D82A}">
+                    <a16:rowId xmlns:a16="http://schemas.microsoft.com/office/drawing/2014/main" val="499873466"/>
+                  </a:ext>
+                </a:extLst>
+              </a:tr>
+              <a:tr h="352979">
+                <a:tc>
+                  <a:txBody>
+                    <a:bodyPr/>
+                    <a:lstStyle/>
+                    <a:p>
+                      <a:pPr algn="ctr" fontAlgn="b"/>
+                      <a:r>
+                        <a:rPr kumimoji="0" lang="en-US" sz="1700" b="0" i="0" u="none" strike="noStrike" kern="1200" cap="none" spc="0" normalizeH="0" baseline="0" noProof="0" dirty="0">
+                          <a:ln>
+                            <a:noFill/>
+                          </a:ln>
+                          <a:solidFill>
+                            <a:prstClr val="black"/>
+                          </a:solidFill>
+                          <a:effectLst/>
+                          <a:uLnTx/>
+                          <a:uFillTx/>
+                          <a:latin typeface="Calibri" panose="020F0502020204030204"/>
+                          <a:ea typeface="+mn-ea"/>
+                          <a:cs typeface="+mn-cs"/>
+                        </a:rPr>
+                        <a:t>01-01-18</a:t>
+                      </a:r>
+                      <a:endParaRPr lang="he-IL" sz="1400" b="0" i="0" u="none" strike="noStrike" dirty="0">
+                        <a:solidFill>
+                          <a:srgbClr val="000000"/>
+                        </a:solidFill>
+                        <a:effectLst/>
+                        <a:latin typeface="+mn-lt"/>
+                        <a:cs typeface="+mn-cs"/>
+                      </a:endParaRPr>
+                    </a:p>
+                  </a:txBody>
+                  <a:tcPr marL="9525" marR="9525" marT="9525" marB="0" anchor="b"/>
+                </a:tc>
+                <a:tc>
+                  <a:txBody>
+                    <a:bodyPr/>
+                    <a:lstStyle/>
+                    <a:p>
+                      <a:pPr algn="ctr" fontAlgn="b"/>
+                      <a:r>
+                        <a:rPr lang="en-US" sz="1400" u="none" strike="noStrike" dirty="0">
+                          <a:effectLst/>
+                          <a:cs typeface="+mn-cs"/>
+                        </a:rPr>
+                        <a:t>Beer </a:t>
+                      </a:r>
+                      <a:r>
+                        <a:rPr lang="en-US" sz="1400" u="none" strike="noStrike" dirty="0" err="1">
+                          <a:effectLst/>
+                          <a:cs typeface="+mn-cs"/>
+                        </a:rPr>
+                        <a:t>Sheva</a:t>
+                      </a:r>
+                      <a:endParaRPr lang="en-US" sz="1400" b="0" i="0" u="none" strike="noStrike" dirty="0">
+                        <a:solidFill>
+                          <a:srgbClr val="000000"/>
+                        </a:solidFill>
+                        <a:effectLst/>
+                        <a:latin typeface="+mn-lt"/>
+                        <a:cs typeface="+mn-cs"/>
+                      </a:endParaRPr>
+                    </a:p>
+                  </a:txBody>
+                  <a:tcPr marL="9525" marR="9525" marT="9525" marB="0" anchor="b"/>
+                </a:tc>
+                <a:tc>
+                  <a:txBody>
+                    <a:bodyPr/>
+                    <a:lstStyle/>
+                    <a:p>
+                      <a:pPr algn="ctr" fontAlgn="b"/>
+                      <a:r>
+                        <a:rPr lang="en-US" sz="1400" b="0" i="0" u="none" strike="noStrike" dirty="0">
+                          <a:solidFill>
+                            <a:srgbClr val="000000"/>
+                          </a:solidFill>
+                          <a:effectLst/>
+                          <a:latin typeface="+mn-lt"/>
+                          <a:cs typeface="+mn-cs"/>
+                        </a:rPr>
+                        <a:t>2</a:t>
+                      </a:r>
+                      <a:endParaRPr lang="he-IL" sz="1400" b="0" i="0" u="none" strike="noStrike" dirty="0">
+                        <a:solidFill>
+                          <a:srgbClr val="000000"/>
+                        </a:solidFill>
+                        <a:effectLst/>
+                        <a:latin typeface="+mn-lt"/>
+                        <a:cs typeface="+mn-cs"/>
+                      </a:endParaRPr>
+                    </a:p>
+                  </a:txBody>
+                  <a:tcPr marL="9525" marR="9525" marT="9525" marB="0" anchor="b"/>
+                </a:tc>
+                <a:tc>
+                  <a:txBody>
+                    <a:bodyPr/>
+                    <a:lstStyle/>
+                    <a:p>
+                      <a:pPr algn="ctr" fontAlgn="b"/>
+                      <a:r>
+                        <a:rPr lang="he-IL" sz="1400" u="none" strike="noStrike" dirty="0">
+                          <a:effectLst/>
+                          <a:cs typeface="+mn-cs"/>
+                        </a:rPr>
+                        <a:t>17</a:t>
+                      </a:r>
+                      <a:endParaRPr lang="he-IL" sz="1400" b="0" i="0" u="none" strike="noStrike" dirty="0">
+                        <a:solidFill>
+                          <a:srgbClr val="000000"/>
+                        </a:solidFill>
+                        <a:effectLst/>
+                        <a:latin typeface="+mn-lt"/>
+                        <a:cs typeface="+mn-cs"/>
+                      </a:endParaRPr>
+                    </a:p>
+                  </a:txBody>
+                  <a:tcPr marL="9525" marR="9525" marT="9525" marB="0" anchor="b"/>
+                </a:tc>
+                <a:tc>
+                  <a:txBody>
+                    <a:bodyPr/>
+                    <a:lstStyle/>
+                    <a:p>
+                      <a:pPr algn="ctr" fontAlgn="b"/>
+                      <a:r>
+                        <a:rPr lang="he-IL" sz="1400" u="none" strike="noStrike" dirty="0">
+                          <a:effectLst/>
+                          <a:cs typeface="+mn-cs"/>
+                        </a:rPr>
+                        <a:t>11</a:t>
+                      </a:r>
+                      <a:endParaRPr lang="he-IL" sz="1400" b="0" i="0" u="none" strike="noStrike" dirty="0">
+                        <a:solidFill>
+                          <a:srgbClr val="000000"/>
+                        </a:solidFill>
+                        <a:effectLst/>
+                        <a:latin typeface="+mn-lt"/>
+                        <a:cs typeface="+mn-cs"/>
+                      </a:endParaRPr>
+                    </a:p>
+                  </a:txBody>
+                  <a:tcPr marL="9525" marR="9525" marT="9525" marB="0" anchor="b"/>
+                </a:tc>
+                <a:tc>
+                  <a:txBody>
+                    <a:bodyPr/>
+                    <a:lstStyle/>
+                    <a:p>
+                      <a:pPr algn="ctr" fontAlgn="b"/>
+                      <a:r>
+                        <a:rPr lang="he-IL" sz="1400" u="none" strike="noStrike" dirty="0">
+                          <a:effectLst/>
+                          <a:cs typeface="+mn-cs"/>
+                        </a:rPr>
+                        <a:t>9</a:t>
+                      </a:r>
+                      <a:endParaRPr lang="he-IL" sz="1400" b="0" i="0" u="none" strike="noStrike" dirty="0">
+                        <a:solidFill>
+                          <a:srgbClr val="000000"/>
+                        </a:solidFill>
+                        <a:effectLst/>
+                        <a:latin typeface="+mn-lt"/>
+                        <a:cs typeface="+mn-cs"/>
+                      </a:endParaRPr>
+                    </a:p>
+                  </a:txBody>
+                  <a:tcPr marL="9525" marR="9525" marT="9525" marB="0" anchor="b"/>
+                </a:tc>
+                <a:tc>
+                  <a:txBody>
+                    <a:bodyPr/>
+                    <a:lstStyle/>
+                    <a:p>
+                      <a:pPr algn="ctr" fontAlgn="b"/>
+                      <a:r>
+                        <a:rPr lang="he-IL" sz="1400" u="none" strike="noStrike" dirty="0">
+                          <a:effectLst/>
+                          <a:cs typeface="+mn-cs"/>
+                        </a:rPr>
+                        <a:t>11</a:t>
+                      </a:r>
+                      <a:endParaRPr lang="he-IL" sz="1400" b="0" i="0" u="none" strike="noStrike" dirty="0">
+                        <a:solidFill>
+                          <a:srgbClr val="000000"/>
+                        </a:solidFill>
+                        <a:effectLst/>
+                        <a:latin typeface="+mn-lt"/>
+                        <a:cs typeface="+mn-cs"/>
+                      </a:endParaRPr>
+                    </a:p>
+                  </a:txBody>
+                  <a:tcPr marL="9525" marR="9525" marT="9525" marB="0" anchor="b"/>
+                </a:tc>
+                <a:tc>
+                  <a:txBody>
+                    <a:bodyPr/>
+                    <a:lstStyle/>
+                    <a:p>
+                      <a:pPr algn="ctr" fontAlgn="b"/>
+                      <a:r>
+                        <a:rPr lang="he-IL" sz="1400" u="none" strike="noStrike" dirty="0">
+                          <a:effectLst/>
+                          <a:cs typeface="+mn-cs"/>
+                        </a:rPr>
+                        <a:t>10</a:t>
+                      </a:r>
+                      <a:endParaRPr lang="he-IL" sz="1400" b="0" i="0" u="none" strike="noStrike" dirty="0">
+                        <a:solidFill>
+                          <a:srgbClr val="000000"/>
+                        </a:solidFill>
+                        <a:effectLst/>
+                        <a:latin typeface="+mn-lt"/>
+                        <a:cs typeface="+mn-cs"/>
+                      </a:endParaRPr>
+                    </a:p>
+                  </a:txBody>
+                  <a:tcPr marL="9525" marR="9525" marT="9525" marB="0" anchor="b"/>
+                </a:tc>
+                <a:tc>
+                  <a:txBody>
+                    <a:bodyPr/>
+                    <a:lstStyle/>
+                    <a:p>
+                      <a:pPr algn="ctr" fontAlgn="b"/>
+                      <a:r>
+                        <a:rPr lang="he-IL" sz="1400" u="none" strike="noStrike" dirty="0">
+                          <a:effectLst/>
+                          <a:cs typeface="+mn-cs"/>
+                        </a:rPr>
+                        <a:t>10</a:t>
+                      </a:r>
+                      <a:endParaRPr lang="he-IL" sz="1400" b="0" i="0" u="none" strike="noStrike" dirty="0">
+                        <a:solidFill>
+                          <a:srgbClr val="000000"/>
+                        </a:solidFill>
+                        <a:effectLst/>
+                        <a:latin typeface="+mn-lt"/>
+                        <a:cs typeface="+mn-cs"/>
+                      </a:endParaRPr>
+                    </a:p>
+                  </a:txBody>
+                  <a:tcPr marL="9525" marR="9525" marT="9525" marB="0" anchor="b"/>
+                </a:tc>
+                <a:extLst>
+                  <a:ext uri="{0D108BD9-81ED-4DB2-BD59-A6C34878D82A}">
+                    <a16:rowId xmlns:a16="http://schemas.microsoft.com/office/drawing/2014/main" val="1215387484"/>
+                  </a:ext>
+                </a:extLst>
+              </a:tr>
+              <a:tr h="352979">
+                <a:tc>
+                  <a:txBody>
+                    <a:bodyPr/>
+                    <a:lstStyle/>
+                    <a:p>
+                      <a:pPr algn="ctr" fontAlgn="b"/>
+                      <a:r>
+                        <a:rPr kumimoji="0" lang="en-US" sz="1700" b="0" i="0" u="none" strike="noStrike" kern="1200" cap="none" spc="0" normalizeH="0" baseline="0" noProof="0" dirty="0">
+                          <a:ln>
+                            <a:noFill/>
+                          </a:ln>
+                          <a:solidFill>
+                            <a:prstClr val="black"/>
+                          </a:solidFill>
+                          <a:effectLst/>
+                          <a:uLnTx/>
+                          <a:uFillTx/>
+                          <a:latin typeface="Calibri" panose="020F0502020204030204"/>
+                          <a:ea typeface="+mn-ea"/>
+                          <a:cs typeface="+mn-cs"/>
+                        </a:rPr>
+                        <a:t>01-01-18</a:t>
+                      </a:r>
+                      <a:endParaRPr lang="he-IL" sz="1400" b="0" i="0" u="none" strike="noStrike" dirty="0">
+                        <a:solidFill>
+                          <a:srgbClr val="000000"/>
+                        </a:solidFill>
+                        <a:effectLst/>
+                        <a:latin typeface="+mn-lt"/>
+                        <a:cs typeface="+mn-cs"/>
+                      </a:endParaRPr>
+                    </a:p>
+                  </a:txBody>
+                  <a:tcPr marL="9525" marR="9525" marT="9525" marB="0" anchor="b"/>
+                </a:tc>
+                <a:tc>
+                  <a:txBody>
+                    <a:bodyPr/>
+                    <a:lstStyle/>
+                    <a:p>
+                      <a:pPr algn="ctr" fontAlgn="b"/>
+                      <a:r>
+                        <a:rPr lang="en-US" sz="1400" u="none" strike="noStrike" dirty="0">
+                          <a:effectLst/>
+                          <a:cs typeface="+mn-cs"/>
+                        </a:rPr>
+                        <a:t>Bet </a:t>
+                      </a:r>
+                      <a:r>
+                        <a:rPr lang="en-US" sz="1400" u="none" strike="noStrike" dirty="0" err="1">
+                          <a:effectLst/>
+                          <a:cs typeface="+mn-cs"/>
+                        </a:rPr>
+                        <a:t>Shean</a:t>
+                      </a:r>
+                      <a:endParaRPr lang="en-US" sz="1400" b="0" i="0" u="none" strike="noStrike" dirty="0">
+                        <a:solidFill>
+                          <a:srgbClr val="000000"/>
+                        </a:solidFill>
+                        <a:effectLst/>
+                        <a:latin typeface="+mn-lt"/>
+                        <a:cs typeface="+mn-cs"/>
+                      </a:endParaRPr>
+                    </a:p>
+                  </a:txBody>
+                  <a:tcPr marL="9525" marR="9525" marT="9525" marB="0" anchor="b"/>
+                </a:tc>
+                <a:tc>
+                  <a:txBody>
+                    <a:bodyPr/>
+                    <a:lstStyle/>
+                    <a:p>
+                      <a:pPr algn="ctr" fontAlgn="b"/>
+                      <a:r>
+                        <a:rPr lang="en-US" sz="1400" b="0" i="0" u="none" strike="noStrike" dirty="0">
+                          <a:solidFill>
+                            <a:srgbClr val="000000"/>
+                          </a:solidFill>
+                          <a:effectLst/>
+                          <a:latin typeface="+mn-lt"/>
+                          <a:cs typeface="+mn-cs"/>
+                        </a:rPr>
+                        <a:t>1</a:t>
+                      </a:r>
+                      <a:endParaRPr lang="he-IL" sz="1400" b="0" i="0" u="none" strike="noStrike" dirty="0">
+                        <a:solidFill>
+                          <a:srgbClr val="000000"/>
+                        </a:solidFill>
+                        <a:effectLst/>
+                        <a:latin typeface="+mn-lt"/>
+                        <a:cs typeface="+mn-cs"/>
+                      </a:endParaRPr>
+                    </a:p>
+                  </a:txBody>
+                  <a:tcPr marL="9525" marR="9525" marT="9525" marB="0" anchor="b"/>
+                </a:tc>
+                <a:tc>
+                  <a:txBody>
+                    <a:bodyPr/>
+                    <a:lstStyle/>
+                    <a:p>
+                      <a:pPr algn="ctr" fontAlgn="b"/>
+                      <a:r>
+                        <a:rPr lang="he-IL" sz="1400" u="none" strike="noStrike" dirty="0">
+                          <a:effectLst/>
+                          <a:cs typeface="+mn-cs"/>
+                        </a:rPr>
+                        <a:t>19</a:t>
+                      </a:r>
+                      <a:endParaRPr lang="he-IL" sz="1400" b="0" i="0" u="none" strike="noStrike" dirty="0">
+                        <a:solidFill>
+                          <a:srgbClr val="000000"/>
+                        </a:solidFill>
+                        <a:effectLst/>
+                        <a:latin typeface="+mn-lt"/>
+                        <a:cs typeface="+mn-cs"/>
+                      </a:endParaRPr>
+                    </a:p>
+                  </a:txBody>
+                  <a:tcPr marL="9525" marR="9525" marT="9525" marB="0" anchor="b"/>
+                </a:tc>
+                <a:tc>
+                  <a:txBody>
+                    <a:bodyPr/>
+                    <a:lstStyle/>
+                    <a:p>
+                      <a:pPr algn="ctr" fontAlgn="b"/>
+                      <a:r>
+                        <a:rPr lang="he-IL" sz="1400" u="none" strike="noStrike" dirty="0">
+                          <a:effectLst/>
+                          <a:cs typeface="+mn-cs"/>
+                        </a:rPr>
+                        <a:t>12</a:t>
+                      </a:r>
+                      <a:endParaRPr lang="he-IL" sz="1400" b="0" i="0" u="none" strike="noStrike" dirty="0">
+                        <a:solidFill>
+                          <a:srgbClr val="000000"/>
+                        </a:solidFill>
+                        <a:effectLst/>
+                        <a:latin typeface="+mn-lt"/>
+                        <a:cs typeface="+mn-cs"/>
+                      </a:endParaRPr>
+                    </a:p>
+                  </a:txBody>
+                  <a:tcPr marL="9525" marR="9525" marT="9525" marB="0" anchor="b"/>
+                </a:tc>
+                <a:tc>
+                  <a:txBody>
+                    <a:bodyPr/>
+                    <a:lstStyle/>
+                    <a:p>
+                      <a:pPr algn="ctr" fontAlgn="b"/>
+                      <a:r>
+                        <a:rPr lang="he-IL" sz="1400" u="none" strike="noStrike" dirty="0">
+                          <a:effectLst/>
+                          <a:cs typeface="+mn-cs"/>
+                        </a:rPr>
+                        <a:t>13</a:t>
+                      </a:r>
+                      <a:endParaRPr lang="he-IL" sz="1400" b="0" i="0" u="none" strike="noStrike" dirty="0">
+                        <a:solidFill>
+                          <a:srgbClr val="000000"/>
+                        </a:solidFill>
+                        <a:effectLst/>
+                        <a:latin typeface="+mn-lt"/>
+                        <a:cs typeface="+mn-cs"/>
+                      </a:endParaRPr>
+                    </a:p>
+                  </a:txBody>
+                  <a:tcPr marL="9525" marR="9525" marT="9525" marB="0" anchor="b"/>
+                </a:tc>
+                <a:tc>
+                  <a:txBody>
+                    <a:bodyPr/>
+                    <a:lstStyle/>
+                    <a:p>
+                      <a:pPr algn="ctr" fontAlgn="b"/>
+                      <a:r>
+                        <a:rPr lang="he-IL" sz="1400" u="none" strike="noStrike" dirty="0">
+                          <a:effectLst/>
+                          <a:cs typeface="+mn-cs"/>
+                        </a:rPr>
+                        <a:t>16</a:t>
+                      </a:r>
+                      <a:endParaRPr lang="he-IL" sz="1400" b="0" i="0" u="none" strike="noStrike" dirty="0">
+                        <a:solidFill>
+                          <a:srgbClr val="000000"/>
+                        </a:solidFill>
+                        <a:effectLst/>
+                        <a:latin typeface="+mn-lt"/>
+                        <a:cs typeface="+mn-cs"/>
+                      </a:endParaRPr>
+                    </a:p>
+                  </a:txBody>
+                  <a:tcPr marL="9525" marR="9525" marT="9525" marB="0" anchor="b"/>
+                </a:tc>
+                <a:tc>
+                  <a:txBody>
+                    <a:bodyPr/>
+                    <a:lstStyle/>
+                    <a:p>
+                      <a:pPr algn="ctr" fontAlgn="b"/>
+                      <a:r>
+                        <a:rPr lang="he-IL" sz="1400" u="none" strike="noStrike" dirty="0">
+                          <a:effectLst/>
+                          <a:cs typeface="+mn-cs"/>
+                        </a:rPr>
+                        <a:t>12</a:t>
+                      </a:r>
+                      <a:endParaRPr lang="he-IL" sz="1400" b="0" i="0" u="none" strike="noStrike" dirty="0">
+                        <a:solidFill>
+                          <a:srgbClr val="000000"/>
+                        </a:solidFill>
+                        <a:effectLst/>
+                        <a:latin typeface="+mn-lt"/>
+                        <a:cs typeface="+mn-cs"/>
+                      </a:endParaRPr>
+                    </a:p>
+                  </a:txBody>
+                  <a:tcPr marL="9525" marR="9525" marT="9525" marB="0" anchor="b"/>
+                </a:tc>
+                <a:tc>
+                  <a:txBody>
+                    <a:bodyPr/>
+                    <a:lstStyle/>
+                    <a:p>
+                      <a:pPr algn="ctr" fontAlgn="b"/>
+                      <a:r>
+                        <a:rPr lang="he-IL" sz="1400" u="none" strike="noStrike" dirty="0">
+                          <a:effectLst/>
+                          <a:cs typeface="+mn-cs"/>
+                        </a:rPr>
+                        <a:t>15</a:t>
+                      </a:r>
+                      <a:endParaRPr lang="he-IL" sz="1400" b="0" i="0" u="none" strike="noStrike" dirty="0">
+                        <a:solidFill>
+                          <a:srgbClr val="000000"/>
+                        </a:solidFill>
+                        <a:effectLst/>
+                        <a:latin typeface="+mn-lt"/>
+                        <a:cs typeface="+mn-cs"/>
+                      </a:endParaRPr>
+                    </a:p>
+                  </a:txBody>
+                  <a:tcPr marL="9525" marR="9525" marT="9525" marB="0" anchor="b"/>
+                </a:tc>
+                <a:extLst>
+                  <a:ext uri="{0D108BD9-81ED-4DB2-BD59-A6C34878D82A}">
+                    <a16:rowId xmlns:a16="http://schemas.microsoft.com/office/drawing/2014/main" val="3256971125"/>
+                  </a:ext>
+                </a:extLst>
+              </a:tr>
+              <a:tr h="352979">
+                <a:tc>
+                  <a:txBody>
+                    <a:bodyPr/>
+                    <a:lstStyle/>
+                    <a:p>
+                      <a:pPr algn="ctr" fontAlgn="b"/>
+                      <a:r>
+                        <a:rPr kumimoji="0" lang="en-US" sz="1700" b="0" i="0" u="none" strike="noStrike" kern="1200" cap="none" spc="0" normalizeH="0" baseline="0" noProof="0" dirty="0">
+                          <a:ln>
+                            <a:noFill/>
+                          </a:ln>
+                          <a:solidFill>
+                            <a:prstClr val="black"/>
+                          </a:solidFill>
+                          <a:effectLst/>
+                          <a:uLnTx/>
+                          <a:uFillTx/>
+                          <a:latin typeface="Calibri" panose="020F0502020204030204"/>
+                          <a:ea typeface="+mn-ea"/>
+                          <a:cs typeface="+mn-cs"/>
+                        </a:rPr>
+                        <a:t>01-01-18</a:t>
+                      </a:r>
+                      <a:endParaRPr lang="he-IL" sz="1400" b="0" i="0" u="none" strike="noStrike" dirty="0">
+                        <a:solidFill>
+                          <a:srgbClr val="000000"/>
+                        </a:solidFill>
+                        <a:effectLst/>
+                        <a:latin typeface="+mn-lt"/>
+                        <a:cs typeface="+mn-cs"/>
+                      </a:endParaRPr>
+                    </a:p>
+                  </a:txBody>
+                  <a:tcPr marL="9525" marR="9525" marT="9525" marB="0" anchor="b"/>
+                </a:tc>
+                <a:tc>
+                  <a:txBody>
+                    <a:bodyPr/>
+                    <a:lstStyle/>
+                    <a:p>
+                      <a:pPr algn="ctr" fontAlgn="b"/>
+                      <a:r>
+                        <a:rPr lang="en-US" sz="1400" u="none" strike="noStrike" dirty="0" err="1">
+                          <a:effectLst/>
+                          <a:cs typeface="+mn-cs"/>
+                        </a:rPr>
+                        <a:t>Elat</a:t>
+                      </a:r>
+                      <a:endParaRPr lang="en-US" sz="1400" b="0" i="0" u="none" strike="noStrike" dirty="0">
+                        <a:solidFill>
+                          <a:srgbClr val="000000"/>
+                        </a:solidFill>
+                        <a:effectLst/>
+                        <a:latin typeface="+mn-lt"/>
+                        <a:cs typeface="+mn-cs"/>
+                      </a:endParaRPr>
+                    </a:p>
+                  </a:txBody>
+                  <a:tcPr marL="9525" marR="9525" marT="9525" marB="0" anchor="b"/>
+                </a:tc>
+                <a:tc>
+                  <a:txBody>
+                    <a:bodyPr/>
+                    <a:lstStyle/>
+                    <a:p>
+                      <a:pPr algn="ctr" fontAlgn="b"/>
+                      <a:r>
+                        <a:rPr lang="en-US" sz="1400" b="0" i="0" u="none" strike="noStrike" dirty="0">
+                          <a:solidFill>
+                            <a:srgbClr val="000000"/>
+                          </a:solidFill>
+                          <a:effectLst/>
+                          <a:latin typeface="+mn-lt"/>
+                          <a:cs typeface="+mn-cs"/>
+                        </a:rPr>
+                        <a:t>2</a:t>
+                      </a:r>
+                      <a:endParaRPr lang="he-IL" sz="1400" b="0" i="0" u="none" strike="noStrike" dirty="0">
+                        <a:solidFill>
+                          <a:srgbClr val="000000"/>
+                        </a:solidFill>
+                        <a:effectLst/>
+                        <a:latin typeface="+mn-lt"/>
+                        <a:cs typeface="+mn-cs"/>
+                      </a:endParaRPr>
+                    </a:p>
+                  </a:txBody>
+                  <a:tcPr marL="9525" marR="9525" marT="9525" marB="0" anchor="b"/>
+                </a:tc>
+                <a:tc>
+                  <a:txBody>
+                    <a:bodyPr/>
+                    <a:lstStyle/>
+                    <a:p>
+                      <a:pPr algn="ctr" fontAlgn="b"/>
+                      <a:r>
+                        <a:rPr lang="he-IL" sz="1400" u="none" strike="noStrike" dirty="0">
+                          <a:effectLst/>
+                          <a:cs typeface="+mn-cs"/>
+                        </a:rPr>
+                        <a:t>22</a:t>
+                      </a:r>
+                      <a:endParaRPr lang="he-IL" sz="1400" b="0" i="0" u="none" strike="noStrike" dirty="0">
+                        <a:solidFill>
+                          <a:srgbClr val="000000"/>
+                        </a:solidFill>
+                        <a:effectLst/>
+                        <a:latin typeface="+mn-lt"/>
+                        <a:cs typeface="+mn-cs"/>
+                      </a:endParaRPr>
+                    </a:p>
+                  </a:txBody>
+                  <a:tcPr marL="9525" marR="9525" marT="9525" marB="0" anchor="b"/>
+                </a:tc>
+                <a:tc>
+                  <a:txBody>
+                    <a:bodyPr/>
+                    <a:lstStyle/>
+                    <a:p>
+                      <a:pPr algn="ctr" fontAlgn="b"/>
+                      <a:r>
+                        <a:rPr lang="he-IL" sz="1400" u="none" strike="noStrike" dirty="0">
+                          <a:effectLst/>
+                          <a:cs typeface="+mn-cs"/>
+                        </a:rPr>
+                        <a:t>14</a:t>
+                      </a:r>
+                      <a:endParaRPr lang="he-IL" sz="1400" b="0" i="0" u="none" strike="noStrike" dirty="0">
+                        <a:solidFill>
+                          <a:srgbClr val="000000"/>
+                        </a:solidFill>
+                        <a:effectLst/>
+                        <a:latin typeface="+mn-lt"/>
+                        <a:cs typeface="+mn-cs"/>
+                      </a:endParaRPr>
+                    </a:p>
+                  </a:txBody>
+                  <a:tcPr marL="9525" marR="9525" marT="9525" marB="0" anchor="b"/>
+                </a:tc>
+                <a:tc>
+                  <a:txBody>
+                    <a:bodyPr/>
+                    <a:lstStyle/>
+                    <a:p>
+                      <a:pPr algn="ctr" fontAlgn="b"/>
+                      <a:r>
+                        <a:rPr lang="he-IL" sz="1400" u="none" strike="noStrike" dirty="0">
+                          <a:effectLst/>
+                          <a:cs typeface="+mn-cs"/>
+                        </a:rPr>
+                        <a:t>16</a:t>
+                      </a:r>
+                      <a:endParaRPr lang="he-IL" sz="1400" b="0" i="0" u="none" strike="noStrike" dirty="0">
+                        <a:solidFill>
+                          <a:srgbClr val="000000"/>
+                        </a:solidFill>
+                        <a:effectLst/>
+                        <a:latin typeface="+mn-lt"/>
+                        <a:cs typeface="+mn-cs"/>
+                      </a:endParaRPr>
+                    </a:p>
+                  </a:txBody>
+                  <a:tcPr marL="9525" marR="9525" marT="9525" marB="0" anchor="b"/>
+                </a:tc>
+                <a:tc>
+                  <a:txBody>
+                    <a:bodyPr/>
+                    <a:lstStyle/>
+                    <a:p>
+                      <a:pPr algn="ctr" fontAlgn="b"/>
+                      <a:r>
+                        <a:rPr lang="he-IL" sz="1400" u="none" strike="noStrike" dirty="0">
+                          <a:effectLst/>
+                          <a:cs typeface="+mn-cs"/>
+                        </a:rPr>
+                        <a:t>17</a:t>
+                      </a:r>
+                      <a:endParaRPr lang="he-IL" sz="1400" b="0" i="0" u="none" strike="noStrike" dirty="0">
+                        <a:solidFill>
+                          <a:srgbClr val="000000"/>
+                        </a:solidFill>
+                        <a:effectLst/>
+                        <a:latin typeface="+mn-lt"/>
+                        <a:cs typeface="+mn-cs"/>
+                      </a:endParaRPr>
+                    </a:p>
+                  </a:txBody>
+                  <a:tcPr marL="9525" marR="9525" marT="9525" marB="0" anchor="b"/>
+                </a:tc>
+                <a:tc>
+                  <a:txBody>
+                    <a:bodyPr/>
+                    <a:lstStyle/>
+                    <a:p>
+                      <a:pPr algn="ctr" fontAlgn="b"/>
+                      <a:r>
+                        <a:rPr lang="he-IL" sz="1400" u="none" strike="noStrike" dirty="0">
+                          <a:effectLst/>
+                          <a:cs typeface="+mn-cs"/>
+                        </a:rPr>
+                        <a:t>14</a:t>
+                      </a:r>
+                      <a:endParaRPr lang="he-IL" sz="1400" b="0" i="0" u="none" strike="noStrike" dirty="0">
+                        <a:solidFill>
+                          <a:srgbClr val="000000"/>
+                        </a:solidFill>
+                        <a:effectLst/>
+                        <a:latin typeface="+mn-lt"/>
+                        <a:cs typeface="+mn-cs"/>
+                      </a:endParaRPr>
+                    </a:p>
+                  </a:txBody>
+                  <a:tcPr marL="9525" marR="9525" marT="9525" marB="0" anchor="b"/>
+                </a:tc>
+                <a:tc>
+                  <a:txBody>
+                    <a:bodyPr/>
+                    <a:lstStyle/>
+                    <a:p>
+                      <a:pPr algn="ctr" fontAlgn="b"/>
+                      <a:r>
+                        <a:rPr lang="he-IL" sz="1400" u="none" strike="noStrike" dirty="0">
+                          <a:effectLst/>
+                          <a:cs typeface="+mn-cs"/>
+                        </a:rPr>
+                        <a:t>19</a:t>
+                      </a:r>
+                      <a:endParaRPr lang="he-IL" sz="1400" b="0" i="0" u="none" strike="noStrike" dirty="0">
+                        <a:solidFill>
+                          <a:srgbClr val="000000"/>
+                        </a:solidFill>
+                        <a:effectLst/>
+                        <a:latin typeface="+mn-lt"/>
+                        <a:cs typeface="+mn-cs"/>
+                      </a:endParaRPr>
+                    </a:p>
+                  </a:txBody>
+                  <a:tcPr marL="9525" marR="9525" marT="9525" marB="0" anchor="b"/>
+                </a:tc>
+                <a:extLst>
+                  <a:ext uri="{0D108BD9-81ED-4DB2-BD59-A6C34878D82A}">
+                    <a16:rowId xmlns:a16="http://schemas.microsoft.com/office/drawing/2014/main" val="3707620875"/>
+                  </a:ext>
+                </a:extLst>
+              </a:tr>
+            </a:tbl>
+          </a:graphicData>
+        </a:graphic>
+      </p:graphicFrame>
+      <p:sp>
+        <p:nvSpPr>
+          <p:cNvPr id="14" name="TextBox 13">
+            <a:extLst>
+              <a:ext uri="{FF2B5EF4-FFF2-40B4-BE49-F238E27FC236}">
+                <a16:creationId xmlns:a16="http://schemas.microsoft.com/office/drawing/2014/main" id="{FF33FA12-F8A6-4B3B-9AD4-586C60F54383}"/>
+              </a:ext>
+            </a:extLst>
+          </p:cNvPr>
+          <p:cNvSpPr txBox="1"/>
+          <p:nvPr/>
+        </p:nvSpPr>
+        <p:spPr>
+          <a:xfrm>
+            <a:off x="8279704" y="3756061"/>
+            <a:ext cx="2380058" cy="424732"/>
+          </a:xfrm>
+          <a:prstGeom prst="rect">
+            <a:avLst/>
+          </a:prstGeom>
+          <a:noFill/>
+        </p:spPr>
+        <p:txBody>
+          <a:bodyPr wrap="square" rtlCol="1">
+            <a:spAutoFit/>
+          </a:bodyPr>
+          <a:lstStyle/>
+          <a:p>
+            <a:pPr defTabSz="914400">
+              <a:lnSpc>
+                <a:spcPct val="90000"/>
+              </a:lnSpc>
+              <a:buClr>
+                <a:schemeClr val="accent1"/>
+              </a:buClr>
+            </a:pPr>
+            <a:r>
+              <a:rPr lang="en-US" sz="2400" dirty="0">
+                <a:solidFill>
+                  <a:schemeClr val="tx1">
+                    <a:lumMod val="75000"/>
+                    <a:lumOff val="25000"/>
+                  </a:schemeClr>
+                </a:solidFill>
+              </a:rPr>
+              <a:t>Output</a:t>
+            </a:r>
+            <a:endParaRPr lang="he-IL" dirty="0"/>
+          </a:p>
+        </p:txBody>
+      </p:sp>
+      <p:sp>
+        <p:nvSpPr>
+          <p:cNvPr id="7" name="TextBox 6">
+            <a:extLst>
+              <a:ext uri="{FF2B5EF4-FFF2-40B4-BE49-F238E27FC236}">
+                <a16:creationId xmlns:a16="http://schemas.microsoft.com/office/drawing/2014/main" id="{60E9BB63-8D54-469B-8A34-5BD1C0D163A7}"/>
+              </a:ext>
+            </a:extLst>
+          </p:cNvPr>
+          <p:cNvSpPr txBox="1"/>
+          <p:nvPr/>
+        </p:nvSpPr>
+        <p:spPr>
+          <a:xfrm>
+            <a:off x="583729" y="3700903"/>
+            <a:ext cx="4052444" cy="424732"/>
+          </a:xfrm>
+          <a:prstGeom prst="rect">
+            <a:avLst/>
+          </a:prstGeom>
+          <a:noFill/>
+        </p:spPr>
+        <p:txBody>
+          <a:bodyPr wrap="square" rtlCol="1">
+            <a:spAutoFit/>
+          </a:bodyPr>
+          <a:lstStyle/>
+          <a:p>
+            <a:pPr defTabSz="914400">
+              <a:lnSpc>
+                <a:spcPct val="90000"/>
+              </a:lnSpc>
+              <a:buClr>
+                <a:schemeClr val="accent1"/>
+              </a:buClr>
+            </a:pPr>
+            <a:r>
+              <a:rPr lang="en-US" sz="2400" dirty="0">
+                <a:solidFill>
+                  <a:schemeClr val="tx1">
+                    <a:lumMod val="75000"/>
+                    <a:lumOff val="25000"/>
+                  </a:schemeClr>
+                </a:solidFill>
+              </a:rPr>
+              <a:t>Input</a:t>
+            </a:r>
+            <a:endParaRPr lang="he-IL" dirty="0"/>
+          </a:p>
+        </p:txBody>
+      </p:sp>
+      <p:pic>
+        <p:nvPicPr>
+          <p:cNvPr id="8" name="Picture 7">
+            <a:extLst>
+              <a:ext uri="{FF2B5EF4-FFF2-40B4-BE49-F238E27FC236}">
+                <a16:creationId xmlns:a16="http://schemas.microsoft.com/office/drawing/2014/main" id="{A313638F-E34B-429E-B2BE-6AF34CC43898}"/>
+              </a:ext>
+            </a:extLst>
+          </p:cNvPr>
+          <p:cNvPicPr>
+            <a:picLocks noChangeAspect="1"/>
+          </p:cNvPicPr>
+          <p:nvPr/>
+        </p:nvPicPr>
+        <p:blipFill rotWithShape="1">
+          <a:blip r:embed="rId2">
+            <a:extLst>
+              <a:ext uri="{28A0092B-C50C-407E-A947-70E740481C1C}">
+                <a14:useLocalDpi xmlns:a14="http://schemas.microsoft.com/office/drawing/2010/main" val="0"/>
+              </a:ext>
+            </a:extLst>
+          </a:blip>
+          <a:srcRect/>
+          <a:stretch/>
+        </p:blipFill>
+        <p:spPr>
+          <a:xfrm>
+            <a:off x="193964" y="230188"/>
+            <a:ext cx="2105889" cy="1184563"/>
+          </a:xfrm>
+          <a:prstGeom prst="rect">
+            <a:avLst/>
+          </a:prstGeom>
+        </p:spPr>
+      </p:pic>
+      <p:pic>
+        <p:nvPicPr>
+          <p:cNvPr id="10" name="Picture 2" descr="Image result for bgu">
+            <a:extLst>
+              <a:ext uri="{FF2B5EF4-FFF2-40B4-BE49-F238E27FC236}">
+                <a16:creationId xmlns:a16="http://schemas.microsoft.com/office/drawing/2014/main" id="{A0FF3404-1A30-42E9-B3CE-CEDE7E59CC48}"/>
+              </a:ext>
+            </a:extLst>
+          </p:cNvPr>
+          <p:cNvPicPr>
+            <a:picLocks noChangeAspect="1" noChangeArrowheads="1"/>
+          </p:cNvPicPr>
+          <p:nvPr/>
+        </p:nvPicPr>
+        <p:blipFill>
+          <a:blip r:embed="rId3" cstate="print">
+            <a:extLst>
+              <a:ext uri="{28A0092B-C50C-407E-A947-70E740481C1C}">
+                <a14:useLocalDpi xmlns:a14="http://schemas.microsoft.com/office/drawing/2010/main" val="0"/>
+              </a:ext>
+            </a:extLst>
+          </a:blip>
+          <a:srcRect/>
+          <a:stretch>
+            <a:fillRect/>
+          </a:stretch>
+        </p:blipFill>
+        <p:spPr bwMode="auto">
+          <a:xfrm>
+            <a:off x="10526685" y="86793"/>
+            <a:ext cx="1471351" cy="1471351"/>
+          </a:xfrm>
+          <a:prstGeom prst="rect">
+            <a:avLst/>
+          </a:prstGeom>
+          <a:noFill/>
+          <a:extLst>
+            <a:ext uri="{909E8E84-426E-40DD-AFC4-6F175D3DCCD1}">
+              <a14:hiddenFill xmlns:a14="http://schemas.microsoft.com/office/drawing/2010/main">
+                <a:solidFill>
+                  <a:srgbClr val="FFFFFF"/>
+                </a:solidFill>
+              </a14:hiddenFill>
+            </a:ext>
+          </a:extLst>
+        </p:spPr>
+      </p:pic>
+      <p:pic>
+        <p:nvPicPr>
+          <p:cNvPr id="3074" name="Picture 2" descr="Image result for weather">
+            <a:extLst>
+              <a:ext uri="{FF2B5EF4-FFF2-40B4-BE49-F238E27FC236}">
+                <a16:creationId xmlns:a16="http://schemas.microsoft.com/office/drawing/2014/main" id="{E3F71BDA-AFF1-49B6-98BC-713E46B7CC87}"/>
+              </a:ext>
+            </a:extLst>
+          </p:cNvPr>
+          <p:cNvPicPr>
+            <a:picLocks noChangeAspect="1" noChangeArrowheads="1"/>
+          </p:cNvPicPr>
+          <p:nvPr/>
+        </p:nvPicPr>
+        <p:blipFill>
+          <a:blip r:embed="rId4">
+            <a:extLst>
+              <a:ext uri="{28A0092B-C50C-407E-A947-70E740481C1C}">
+                <a14:useLocalDpi xmlns:a14="http://schemas.microsoft.com/office/drawing/2010/main" val="0"/>
+              </a:ext>
+            </a:extLst>
+          </a:blip>
+          <a:srcRect/>
+          <a:stretch>
+            <a:fillRect/>
+          </a:stretch>
+        </p:blipFill>
+        <p:spPr bwMode="auto">
+          <a:xfrm>
+            <a:off x="9154936" y="1468564"/>
+            <a:ext cx="1614615" cy="2185996"/>
+          </a:xfrm>
+          <a:prstGeom prst="rect">
+            <a:avLst/>
+          </a:prstGeom>
+          <a:noFill/>
+          <a:extLst>
+            <a:ext uri="{909E8E84-426E-40DD-AFC4-6F175D3DCCD1}">
+              <a14:hiddenFill xmlns:a14="http://schemas.microsoft.com/office/drawing/2010/main">
+                <a:solidFill>
+                  <a:srgbClr val="FFFFFF"/>
+                </a:solidFill>
+              </a14:hiddenFill>
+            </a:ext>
+          </a:extLst>
+        </p:spPr>
+      </p:pic>
+    </p:spTree>
+    <p:extLst>
+      <p:ext uri="{BB962C8B-B14F-4D97-AF65-F5344CB8AC3E}">
+        <p14:creationId xmlns:p14="http://schemas.microsoft.com/office/powerpoint/2010/main" val="796132221"/>
+      </p:ext>
+    </p:extLst>
+  </p:cSld>
+  <p:clrMapOvr>
+    <a:masterClrMapping/>
+  </p:clrMapOvr>
+</p:sld>
+</file>
+
+<file path=ppt/slides/slide7.xml><?xml version="1.0" encoding="utf-8"?>
+<p:sld xmlns:a="http://schemas.openxmlformats.org/drawingml/2006/main" xmlns:r="http://schemas.openxmlformats.org/officeDocument/2006/relationships" xmlns:p="http://schemas.openxmlformats.org/presentationml/2006/main">
+  <p:cSld>
+    <p:spTree>
+      <p:nvGrpSpPr>
+        <p:cNvPr id="1" name=""/>
+        <p:cNvGrpSpPr/>
+        <p:nvPr/>
+      </p:nvGrpSpPr>
+      <p:grpSpPr>
+        <a:xfrm>
+          <a:off x="0" y="0"/>
+          <a:ext cx="0" cy="0"/>
+          <a:chOff x="0" y="0"/>
+          <a:chExt cx="0" cy="0"/>
+        </a:xfrm>
+      </p:grpSpPr>
+      <p:sp>
+        <p:nvSpPr>
+          <p:cNvPr id="2" name="כותרת 1">
+            <a:extLst>
+              <a:ext uri="{FF2B5EF4-FFF2-40B4-BE49-F238E27FC236}">
+                <a16:creationId xmlns:a16="http://schemas.microsoft.com/office/drawing/2014/main" id="{0697D4F4-F50F-4B8B-8F8B-AAB9182CDCF8}"/>
+              </a:ext>
+            </a:extLst>
+          </p:cNvPr>
+          <p:cNvSpPr>
+            <a:spLocks noGrp="1"/>
+          </p:cNvSpPr>
+          <p:nvPr>
+            <p:ph type="title"/>
+          </p:nvPr>
+        </p:nvSpPr>
+        <p:spPr/>
+        <p:txBody>
+          <a:bodyPr vert="horz" lIns="91440" tIns="45720" rIns="91440" bIns="45720" rtlCol="1" anchor="ctr">
+            <a:normAutofit/>
+          </a:bodyPr>
+          <a:lstStyle/>
+          <a:p>
+            <a:pPr algn="ctr"/>
+            <a:r>
+              <a:rPr lang="en-US" dirty="0"/>
+              <a:t>DMBI Data Hackathon - timeline</a:t>
+            </a:r>
+            <a:endParaRPr lang="he-IL" dirty="0"/>
+          </a:p>
+        </p:txBody>
+      </p:sp>
+      <p:pic>
+        <p:nvPicPr>
+          <p:cNvPr id="6" name="Picture 5">
+            <a:extLst>
+              <a:ext uri="{FF2B5EF4-FFF2-40B4-BE49-F238E27FC236}">
+                <a16:creationId xmlns:a16="http://schemas.microsoft.com/office/drawing/2014/main" id="{F6C8768B-75C6-4862-BD41-955D3EED206B}"/>
+              </a:ext>
+            </a:extLst>
+          </p:cNvPr>
+          <p:cNvPicPr>
+            <a:picLocks noChangeAspect="1"/>
+          </p:cNvPicPr>
+          <p:nvPr/>
+        </p:nvPicPr>
+        <p:blipFill rotWithShape="1">
+          <a:blip r:embed="rId2">
+            <a:extLst>
+              <a:ext uri="{28A0092B-C50C-407E-A947-70E740481C1C}">
+                <a14:useLocalDpi xmlns:a14="http://schemas.microsoft.com/office/drawing/2010/main" val="0"/>
+              </a:ext>
+            </a:extLst>
+          </a:blip>
+          <a:srcRect/>
+          <a:stretch/>
+        </p:blipFill>
+        <p:spPr>
+          <a:xfrm>
+            <a:off x="193964" y="230188"/>
+            <a:ext cx="2105889" cy="1184563"/>
+          </a:xfrm>
+          <a:prstGeom prst="rect">
+            <a:avLst/>
+          </a:prstGeom>
+        </p:spPr>
+      </p:pic>
+      <p:pic>
+        <p:nvPicPr>
+          <p:cNvPr id="7" name="Picture 2" descr="Image result for bgu">
+            <a:extLst>
+              <a:ext uri="{FF2B5EF4-FFF2-40B4-BE49-F238E27FC236}">
+                <a16:creationId xmlns:a16="http://schemas.microsoft.com/office/drawing/2014/main" id="{90848CA4-C583-40E9-8976-C26F6CA508BB}"/>
+              </a:ext>
+            </a:extLst>
+          </p:cNvPr>
+          <p:cNvPicPr>
+            <a:picLocks noChangeAspect="1" noChangeArrowheads="1"/>
+          </p:cNvPicPr>
+          <p:nvPr/>
+        </p:nvPicPr>
+        <p:blipFill>
+          <a:blip r:embed="rId3" cstate="print">
+            <a:extLst>
+              <a:ext uri="{28A0092B-C50C-407E-A947-70E740481C1C}">
+                <a14:useLocalDpi xmlns:a14="http://schemas.microsoft.com/office/drawing/2010/main" val="0"/>
+              </a:ext>
+            </a:extLst>
+          </a:blip>
+          <a:srcRect/>
+          <a:stretch>
+            <a:fillRect/>
+          </a:stretch>
+        </p:blipFill>
+        <p:spPr bwMode="auto">
+          <a:xfrm>
+            <a:off x="10526685" y="86793"/>
+            <a:ext cx="1471351" cy="1471351"/>
+          </a:xfrm>
+          <a:prstGeom prst="rect">
+            <a:avLst/>
+          </a:prstGeom>
+          <a:noFill/>
+          <a:extLst>
+            <a:ext uri="{909E8E84-426E-40DD-AFC4-6F175D3DCCD1}">
+              <a14:hiddenFill xmlns:a14="http://schemas.microsoft.com/office/drawing/2010/main">
+                <a:solidFill>
+                  <a:srgbClr val="FFFFFF"/>
+                </a:solidFill>
+              </a14:hiddenFill>
+            </a:ext>
+          </a:extLst>
+        </p:spPr>
+      </p:pic>
+      <p:sp>
+        <p:nvSpPr>
+          <p:cNvPr id="5" name="Content Placeholder 4">
+            <a:extLst>
+              <a:ext uri="{FF2B5EF4-FFF2-40B4-BE49-F238E27FC236}">
+                <a16:creationId xmlns:a16="http://schemas.microsoft.com/office/drawing/2014/main" id="{E4C2BB1C-D729-48F2-B91A-CD3A1F94B173}"/>
+              </a:ext>
+            </a:extLst>
+          </p:cNvPr>
+          <p:cNvSpPr>
+            <a:spLocks noGrp="1"/>
+          </p:cNvSpPr>
+          <p:nvPr>
+            <p:ph idx="1"/>
+          </p:nvPr>
+        </p:nvSpPr>
+        <p:spPr>
+          <a:xfrm>
+            <a:off x="442785" y="1825625"/>
+            <a:ext cx="5397842" cy="4351338"/>
+          </a:xfrm>
+        </p:spPr>
+        <p:txBody>
+          <a:bodyPr>
+            <a:normAutofit lnSpcReduction="10000"/>
+          </a:bodyPr>
+          <a:lstStyle/>
+          <a:p>
             <a:pPr algn="l" rtl="0" fontAlgn="base"/>
             <a:r>
+              <a:rPr lang="en-US" sz="2000" b="1" dirty="0"/>
+              <a:t>Day 1, 3/5:</a:t>
+            </a:r>
+            <a:r>
+              <a:rPr lang="en-US" sz="2000" dirty="0"/>
+              <a:t> </a:t>
+            </a:r>
+          </a:p>
+          <a:p>
+            <a:pPr algn="l" rtl="0" fontAlgn="base"/>
+            <a:r>
+              <a:rPr lang="en-US" sz="2000" dirty="0"/>
+              <a:t>9:00 - Arrival and light breakfast</a:t>
+            </a:r>
+          </a:p>
+          <a:p>
+            <a:pPr algn="l" rtl="0" fontAlgn="base"/>
+            <a:r>
+              <a:rPr lang="en-US" sz="2000" dirty="0"/>
+              <a:t>9:45 - Hackathon starts! Challenges overview</a:t>
+            </a:r>
+          </a:p>
+          <a:p>
+            <a:pPr algn="l" rtl="0" fontAlgn="base"/>
+            <a:r>
+              <a:rPr lang="en-US" sz="2000" dirty="0"/>
+              <a:t>12:00 - Tutorial - "an Introductory Tutorial on Embeddings with TensorFlow" by </a:t>
+            </a:r>
+            <a:r>
+              <a:rPr lang="en-US" sz="2000" dirty="0">
+                <a:hlinkClick r:id="rId4"/>
+              </a:rPr>
+              <a:t>Taboola</a:t>
+            </a:r>
+            <a:endParaRPr lang="en-US" sz="2000" dirty="0"/>
+          </a:p>
+          <a:p>
+            <a:pPr algn="l" rtl="0" fontAlgn="base"/>
+            <a:r>
+              <a:rPr lang="en-US" sz="2000" dirty="0"/>
+              <a:t>14:00 - Lunch</a:t>
+            </a:r>
+          </a:p>
+          <a:p>
+            <a:pPr algn="l" rtl="0" fontAlgn="base"/>
+            <a:r>
+              <a:rPr lang="en-US" sz="2000" dirty="0"/>
+              <a:t>16:00 - Tutorial - "Advanced </a:t>
+            </a:r>
+            <a:r>
+              <a:rPr lang="en-US" sz="2000" dirty="0" err="1"/>
+              <a:t>Keras</a:t>
+            </a:r>
+            <a:r>
+              <a:rPr lang="en-US" sz="2000" dirty="0"/>
+              <a:t> Applications" by </a:t>
+            </a:r>
+            <a:r>
+              <a:rPr lang="en-US" sz="2000" dirty="0">
+                <a:hlinkClick r:id="rId4"/>
+              </a:rPr>
+              <a:t>Yam Peleg</a:t>
+            </a:r>
+            <a:endParaRPr lang="en-US" sz="2000" dirty="0"/>
+          </a:p>
+          <a:p>
+            <a:pPr algn="l" rtl="0" fontAlgn="base"/>
+            <a:r>
+              <a:rPr lang="en-US" sz="2000" dirty="0"/>
+              <a:t>19:00 - Tutorial -  "Interpretability of Machine Learning Models" by  </a:t>
+            </a:r>
+            <a:r>
+              <a:rPr lang="en-US" sz="2000" dirty="0">
+                <a:hlinkClick r:id="rId4"/>
+              </a:rPr>
+              <a:t>Michaël </a:t>
+            </a:r>
+            <a:r>
+              <a:rPr lang="en-US" sz="2000" dirty="0" err="1">
+                <a:hlinkClick r:id="rId4"/>
+              </a:rPr>
+              <a:t>Mariën</a:t>
+            </a:r>
+            <a:r>
+              <a:rPr lang="en-US" sz="2000" dirty="0"/>
+              <a:t> from KBC</a:t>
+            </a:r>
+          </a:p>
+          <a:p>
+            <a:pPr algn="l" rtl="0" fontAlgn="base"/>
+            <a:r>
+              <a:rPr lang="en-US" sz="2000" dirty="0"/>
+              <a:t>20:30 - Dinner</a:t>
+            </a:r>
+          </a:p>
+          <a:p>
+            <a:pPr algn="l" rtl="0" fontAlgn="base"/>
+            <a:r>
+              <a:rPr lang="en-US" sz="2000" dirty="0"/>
+              <a:t>21:30 - Stretches and Body Relaxation</a:t>
+            </a:r>
+          </a:p>
+          <a:p>
+            <a:pPr marL="0" indent="0" algn="l" rtl="0" fontAlgn="base">
+              <a:buNone/>
+            </a:pPr>
+            <a:endParaRPr lang="en-US" sz="2000" dirty="0"/>
+          </a:p>
+        </p:txBody>
+      </p:sp>
+      <p:sp>
+        <p:nvSpPr>
+          <p:cNvPr id="8" name="Rectangle 7">
+            <a:extLst>
+              <a:ext uri="{FF2B5EF4-FFF2-40B4-BE49-F238E27FC236}">
+                <a16:creationId xmlns:a16="http://schemas.microsoft.com/office/drawing/2014/main" id="{A88DC748-F668-4AFA-BD7B-6B26A14DA3E1}"/>
+              </a:ext>
+            </a:extLst>
+          </p:cNvPr>
+          <p:cNvSpPr/>
+          <p:nvPr/>
+        </p:nvSpPr>
+        <p:spPr>
+          <a:xfrm>
+            <a:off x="6433751" y="1825625"/>
+            <a:ext cx="6096000" cy="2308324"/>
+          </a:xfrm>
+          <a:prstGeom prst="rect">
+            <a:avLst/>
+          </a:prstGeom>
+        </p:spPr>
+        <p:txBody>
+          <a:bodyPr>
+            <a:spAutoFit/>
+          </a:bodyPr>
+          <a:lstStyle/>
+          <a:p>
+            <a:pPr algn="l" rtl="0" fontAlgn="base"/>
+            <a:r>
+              <a:rPr lang="en-US" b="1" dirty="0"/>
+              <a:t>Day 2, 4/5:</a:t>
+            </a:r>
+            <a:endParaRPr lang="en-US" dirty="0"/>
+          </a:p>
+          <a:p>
+            <a:pPr algn="l" rtl="0" fontAlgn="base"/>
+            <a:r>
               <a:rPr lang="en-US" dirty="0"/>
-              <a:t>12:00 - "an Introductory Tutorial on Embeddings with TensorFlow" by Taboola</a:t>
+              <a:t>00:00 - Night snacks</a:t>
             </a:r>
           </a:p>
           <a:p>
             <a:pPr algn="l" rtl="0" fontAlgn="base"/>
             <a:r>
               <a:rPr lang="en-US" dirty="0"/>
-              <a:t>16:00 "Advanced </a:t>
-            </a:r>
-            <a:r>
-              <a:rPr lang="en-US" dirty="0" err="1"/>
-              <a:t>Keras</a:t>
-            </a:r>
+              <a:t>6:30 - Test sets are given</a:t>
+            </a:r>
+          </a:p>
+          <a:p>
+            <a:pPr algn="l" rtl="0" fontAlgn="base"/>
             <a:r>
               <a:rPr lang="en-US" dirty="0"/>
-              <a:t> Applications" by Yam Peleg</a:t>
+              <a:t>7:00 - Breakfast</a:t>
             </a:r>
           </a:p>
           <a:p>
             <a:pPr algn="l" rtl="0" fontAlgn="base"/>
             <a:r>
               <a:rPr lang="en-US" dirty="0"/>
-              <a:t>19:00 "Interpretability of Machine Learning Models" by  Michaël </a:t>
-            </a:r>
-            <a:r>
-              <a:rPr lang="en-US" dirty="0" err="1"/>
-              <a:t>Mariën</a:t>
-            </a:r>
+              <a:t>9:00 - First judging round</a:t>
+            </a:r>
+          </a:p>
+          <a:p>
+            <a:pPr algn="l" rtl="0" fontAlgn="base"/>
             <a:r>
               <a:rPr lang="en-US" dirty="0"/>
-              <a:t> from KBC</a:t>
-            </a:r>
-          </a:p>
-          <a:p>
-            <a:pPr algn="l" rtl="0"/>
-            <a:endParaRPr lang="he-IL" dirty="0"/>
+              <a:t>11:30 - Presentation and second judging round</a:t>
+            </a:r>
+          </a:p>
+          <a:p>
+            <a:pPr algn="l" rtl="0" fontAlgn="base"/>
+            <a:r>
+              <a:rPr lang="en-US" dirty="0"/>
+              <a:t>12:30 – winners announced </a:t>
+            </a:r>
+          </a:p>
+          <a:p>
+            <a:pPr algn="l" rtl="0" fontAlgn="base"/>
+            <a:r>
+              <a:rPr lang="en-US" dirty="0"/>
+              <a:t>13:00 - Hackathon ends!</a:t>
+            </a:r>
+          </a:p>
+        </p:txBody>
+      </p:sp>
+      <p:sp>
+        <p:nvSpPr>
+          <p:cNvPr id="12" name="Rectangle 11">
+            <a:extLst>
+              <a:ext uri="{FF2B5EF4-FFF2-40B4-BE49-F238E27FC236}">
+                <a16:creationId xmlns:a16="http://schemas.microsoft.com/office/drawing/2014/main" id="{7CB913EE-D151-4A9A-9025-BBCAB9F2583B}"/>
+              </a:ext>
+            </a:extLst>
+          </p:cNvPr>
+          <p:cNvSpPr/>
+          <p:nvPr/>
+        </p:nvSpPr>
+        <p:spPr>
+          <a:xfrm>
+            <a:off x="6433751" y="4259203"/>
+            <a:ext cx="5198076" cy="2308324"/>
+          </a:xfrm>
+          <a:prstGeom prst="rect">
+            <a:avLst/>
+          </a:prstGeom>
+        </p:spPr>
+        <p:txBody>
+          <a:bodyPr wrap="square">
+            <a:spAutoFit/>
+          </a:bodyPr>
+          <a:lstStyle/>
+          <a:p>
+            <a:pPr algn="l" rtl="0" fontAlgn="base"/>
+            <a:r>
+              <a:rPr lang="en-US" b="1" dirty="0"/>
+              <a:t>Things to remember:</a:t>
+            </a:r>
+          </a:p>
+          <a:p>
+            <a:pPr marL="285750" indent="-285750" algn="l" rtl="0" fontAlgn="base">
+              <a:buFont typeface="Arial" panose="020B0604020202020204" pitchFamily="34" charset="0"/>
+              <a:buChar char="•"/>
+            </a:pPr>
+            <a:r>
+              <a:rPr lang="en-US" dirty="0"/>
+              <a:t>Prepare a presentation that describes your work for judging rounds</a:t>
+            </a:r>
+          </a:p>
+          <a:p>
+            <a:pPr marL="285750" indent="-285750" algn="l" rtl="0" fontAlgn="base">
+              <a:buFont typeface="Arial" panose="020B0604020202020204" pitchFamily="34" charset="0"/>
+              <a:buChar char="•"/>
+            </a:pPr>
+            <a:r>
+              <a:rPr lang="en-US" dirty="0"/>
+              <a:t>Solutions are scored:</a:t>
+            </a:r>
+          </a:p>
+          <a:p>
+            <a:pPr marL="742950" lvl="1" indent="-285750" algn="l" rtl="0" fontAlgn="base">
+              <a:buFont typeface="Wingdings" panose="05000000000000000000" pitchFamily="2" charset="2"/>
+              <a:buChar char="§"/>
+            </a:pPr>
+            <a:r>
+              <a:rPr lang="en-US" dirty="0"/>
+              <a:t>60% metric optimization</a:t>
+            </a:r>
+          </a:p>
+          <a:p>
+            <a:pPr marL="742950" lvl="1" indent="-285750" algn="l" rtl="0" fontAlgn="base">
+              <a:buFont typeface="Wingdings" panose="05000000000000000000" pitchFamily="2" charset="2"/>
+              <a:buChar char="§"/>
+            </a:pPr>
+            <a:r>
+              <a:rPr lang="en-US" dirty="0"/>
+              <a:t>30% creativity and innovation</a:t>
+            </a:r>
+          </a:p>
+          <a:p>
+            <a:pPr marL="742950" lvl="1" indent="-285750" algn="l" rtl="0" fontAlgn="base">
+              <a:buFont typeface="Wingdings" panose="05000000000000000000" pitchFamily="2" charset="2"/>
+              <a:buChar char="§"/>
+            </a:pPr>
+            <a:r>
+              <a:rPr lang="en-US" dirty="0"/>
+              <a:t>10% special insights to the data (even if not effecting selected metric)</a:t>
+            </a:r>
           </a:p>
         </p:txBody>
       </p:sp>
     </p:spTree>
     <p:extLst>
       <p:ext uri="{BB962C8B-B14F-4D97-AF65-F5344CB8AC3E}">
-        <p14:creationId xmlns:p14="http://schemas.microsoft.com/office/powerpoint/2010/main" val="1053139001"/>
+        <p14:creationId xmlns:p14="http://schemas.microsoft.com/office/powerpoint/2010/main" val="1809144969"/>
+      </p:ext>
+    </p:extLst>
+  </p:cSld>
+  <p:clrMapOvr>
+    <a:masterClrMapping/>
+  </p:clrMapOvr>
+</p:sld>
+</file>
+
+<file path=ppt/slides/slide8.xml><?xml version="1.0" encoding="utf-8"?>
+<p:sld xmlns:a="http://schemas.openxmlformats.org/drawingml/2006/main" xmlns:r="http://schemas.openxmlformats.org/officeDocument/2006/relationships" xmlns:p="http://schemas.openxmlformats.org/presentationml/2006/main">
+  <p:cSld>
+    <p:spTree>
+      <p:nvGrpSpPr>
+        <p:cNvPr id="1" name=""/>
+        <p:cNvGrpSpPr/>
+        <p:nvPr/>
+      </p:nvGrpSpPr>
+      <p:grpSpPr>
+        <a:xfrm>
+          <a:off x="0" y="0"/>
+          <a:ext cx="0" cy="0"/>
+          <a:chOff x="0" y="0"/>
+          <a:chExt cx="0" cy="0"/>
+        </a:xfrm>
+      </p:grpSpPr>
+      <p:sp>
+        <p:nvSpPr>
+          <p:cNvPr id="2" name="כותרת 1">
+            <a:extLst>
+              <a:ext uri="{FF2B5EF4-FFF2-40B4-BE49-F238E27FC236}">
+                <a16:creationId xmlns:a16="http://schemas.microsoft.com/office/drawing/2014/main" id="{0697D4F4-F50F-4B8B-8F8B-AAB9182CDCF8}"/>
+              </a:ext>
+            </a:extLst>
+          </p:cNvPr>
+          <p:cNvSpPr>
+            <a:spLocks noGrp="1"/>
+          </p:cNvSpPr>
+          <p:nvPr>
+            <p:ph type="title"/>
+          </p:nvPr>
+        </p:nvSpPr>
+        <p:spPr/>
+        <p:txBody>
+          <a:bodyPr vert="horz" lIns="91440" tIns="45720" rIns="91440" bIns="45720" rtlCol="1" anchor="ctr">
+            <a:normAutofit/>
+          </a:bodyPr>
+          <a:lstStyle/>
+          <a:p>
+            <a:pPr algn="ctr"/>
+            <a:r>
+              <a:rPr lang="en-US" dirty="0"/>
+              <a:t>DMBI Data Hackathon</a:t>
+            </a:r>
+            <a:endParaRPr lang="he-IL" dirty="0"/>
+          </a:p>
+        </p:txBody>
+      </p:sp>
+      <p:pic>
+        <p:nvPicPr>
+          <p:cNvPr id="6" name="Picture 5">
+            <a:extLst>
+              <a:ext uri="{FF2B5EF4-FFF2-40B4-BE49-F238E27FC236}">
+                <a16:creationId xmlns:a16="http://schemas.microsoft.com/office/drawing/2014/main" id="{F6C8768B-75C6-4862-BD41-955D3EED206B}"/>
+              </a:ext>
+            </a:extLst>
+          </p:cNvPr>
+          <p:cNvPicPr>
+            <a:picLocks noChangeAspect="1"/>
+          </p:cNvPicPr>
+          <p:nvPr/>
+        </p:nvPicPr>
+        <p:blipFill rotWithShape="1">
+          <a:blip r:embed="rId2">
+            <a:extLst>
+              <a:ext uri="{28A0092B-C50C-407E-A947-70E740481C1C}">
+                <a14:useLocalDpi xmlns:a14="http://schemas.microsoft.com/office/drawing/2010/main" val="0"/>
+              </a:ext>
+            </a:extLst>
+          </a:blip>
+          <a:srcRect/>
+          <a:stretch/>
+        </p:blipFill>
+        <p:spPr>
+          <a:xfrm>
+            <a:off x="193964" y="230188"/>
+            <a:ext cx="2105889" cy="1184563"/>
+          </a:xfrm>
+          <a:prstGeom prst="rect">
+            <a:avLst/>
+          </a:prstGeom>
+        </p:spPr>
+      </p:pic>
+      <p:pic>
+        <p:nvPicPr>
+          <p:cNvPr id="7" name="Picture 2" descr="Image result for bgu">
+            <a:extLst>
+              <a:ext uri="{FF2B5EF4-FFF2-40B4-BE49-F238E27FC236}">
+                <a16:creationId xmlns:a16="http://schemas.microsoft.com/office/drawing/2014/main" id="{90848CA4-C583-40E9-8976-C26F6CA508BB}"/>
+              </a:ext>
+            </a:extLst>
+          </p:cNvPr>
+          <p:cNvPicPr>
+            <a:picLocks noChangeAspect="1" noChangeArrowheads="1"/>
+          </p:cNvPicPr>
+          <p:nvPr/>
+        </p:nvPicPr>
+        <p:blipFill>
+          <a:blip r:embed="rId3" cstate="print">
+            <a:extLst>
+              <a:ext uri="{28A0092B-C50C-407E-A947-70E740481C1C}">
+                <a14:useLocalDpi xmlns:a14="http://schemas.microsoft.com/office/drawing/2010/main" val="0"/>
+              </a:ext>
+            </a:extLst>
+          </a:blip>
+          <a:srcRect/>
+          <a:stretch>
+            <a:fillRect/>
+          </a:stretch>
+        </p:blipFill>
+        <p:spPr bwMode="auto">
+          <a:xfrm>
+            <a:off x="10526685" y="86793"/>
+            <a:ext cx="1471351" cy="1471351"/>
+          </a:xfrm>
+          <a:prstGeom prst="rect">
+            <a:avLst/>
+          </a:prstGeom>
+          <a:noFill/>
+          <a:extLst>
+            <a:ext uri="{909E8E84-426E-40DD-AFC4-6F175D3DCCD1}">
+              <a14:hiddenFill xmlns:a14="http://schemas.microsoft.com/office/drawing/2010/main">
+                <a:solidFill>
+                  <a:srgbClr val="FFFFFF"/>
+                </a:solidFill>
+              </a14:hiddenFill>
+            </a:ext>
+          </a:extLst>
+        </p:spPr>
+      </p:pic>
+      <p:sp>
+        <p:nvSpPr>
+          <p:cNvPr id="4" name="Content Placeholder 3">
+            <a:extLst>
+              <a:ext uri="{FF2B5EF4-FFF2-40B4-BE49-F238E27FC236}">
+                <a16:creationId xmlns:a16="http://schemas.microsoft.com/office/drawing/2014/main" id="{5BF5F385-8941-4E56-B73A-893F58B61CC8}"/>
+              </a:ext>
+            </a:extLst>
+          </p:cNvPr>
+          <p:cNvSpPr>
+            <a:spLocks noGrp="1"/>
+          </p:cNvSpPr>
+          <p:nvPr>
+            <p:ph idx="1"/>
+          </p:nvPr>
+        </p:nvSpPr>
+        <p:spPr>
+          <a:xfrm>
+            <a:off x="838200" y="1584789"/>
+            <a:ext cx="10515600" cy="5006674"/>
+          </a:xfrm>
+        </p:spPr>
+        <p:txBody>
+          <a:bodyPr>
+            <a:normAutofit/>
+          </a:bodyPr>
+          <a:lstStyle/>
+          <a:p>
+            <a:pPr marL="0" indent="0" algn="l" rtl="0">
+              <a:lnSpc>
+                <a:spcPct val="100000"/>
+              </a:lnSpc>
+              <a:buNone/>
+            </a:pPr>
+            <a:r>
+              <a:rPr lang="en-US" b="1" dirty="0"/>
+              <a:t>Challenges' leaders:</a:t>
+            </a:r>
+          </a:p>
+          <a:p>
+            <a:pPr algn="l" rtl="0">
+              <a:lnSpc>
+                <a:spcPct val="200000"/>
+              </a:lnSpc>
+            </a:pPr>
+            <a:r>
+              <a:rPr lang="en-US" dirty="0"/>
+              <a:t>Weather prediction – Liat Friedman Antwarg               050-6348572</a:t>
+            </a:r>
+          </a:p>
+          <a:p>
+            <a:pPr algn="l" rtl="0">
+              <a:lnSpc>
+                <a:spcPct val="200000"/>
+              </a:lnSpc>
+            </a:pPr>
+            <a:r>
+              <a:rPr lang="en-US" dirty="0"/>
+              <a:t>Drug-Drug  interaction discovery – Guy </a:t>
+            </a:r>
+            <a:r>
+              <a:rPr lang="en-US" dirty="0" err="1"/>
+              <a:t>Shtar</a:t>
+            </a:r>
+            <a:r>
+              <a:rPr lang="en-US" dirty="0"/>
+              <a:t>               052-6703086</a:t>
+            </a:r>
+          </a:p>
+          <a:p>
+            <a:pPr algn="l" rtl="0">
+              <a:lnSpc>
+                <a:spcPct val="200000"/>
+              </a:lnSpc>
+            </a:pPr>
+            <a:r>
+              <a:rPr lang="en-US" dirty="0"/>
+              <a:t>IoT device type identification – Yair Meidan                 052-6040619</a:t>
+            </a:r>
+          </a:p>
+          <a:p>
+            <a:pPr algn="l" rtl="0">
+              <a:lnSpc>
+                <a:spcPct val="110000"/>
+              </a:lnSpc>
+            </a:pPr>
+            <a:endParaRPr lang="en-US" sz="1200" dirty="0"/>
+          </a:p>
+          <a:p>
+            <a:pPr algn="l" rtl="0">
+              <a:lnSpc>
+                <a:spcPct val="110000"/>
+              </a:lnSpc>
+            </a:pPr>
+            <a:r>
+              <a:rPr lang="en-US" dirty="0"/>
+              <a:t>Main communication channel – Facebook group updates: </a:t>
+            </a:r>
+            <a:r>
+              <a:rPr lang="en-US" dirty="0">
+                <a:hlinkClick r:id="rId4"/>
+              </a:rPr>
+              <a:t>https://www.facebook.com/groups/422756224817612</a:t>
+            </a:r>
+            <a:r>
+              <a:rPr lang="en-US" dirty="0"/>
+              <a:t> </a:t>
+            </a:r>
+          </a:p>
+        </p:txBody>
+      </p:sp>
+      <p:pic>
+        <p:nvPicPr>
+          <p:cNvPr id="4098" name="Picture 2" descr="https://scontent.fhfa1-1.fna.fbcdn.net/v/t1.0-1/p100x100/15079011_10154049880586088_3248833306408953989_n.jpg?_nc_cat=0&amp;oh=b515099e043c782abb1544fd48e33872&amp;oe=5B920FE8">
+            <a:hlinkClick r:id="rId5"/>
+            <a:extLst>
+              <a:ext uri="{FF2B5EF4-FFF2-40B4-BE49-F238E27FC236}">
+                <a16:creationId xmlns:a16="http://schemas.microsoft.com/office/drawing/2014/main" id="{C6CACDD2-5341-4277-BC0F-0AB4DC664C75}"/>
+              </a:ext>
+            </a:extLst>
+          </p:cNvPr>
+          <p:cNvPicPr>
+            <a:picLocks noChangeAspect="1" noChangeArrowheads="1"/>
+          </p:cNvPicPr>
+          <p:nvPr/>
+        </p:nvPicPr>
+        <p:blipFill>
+          <a:blip r:embed="rId6">
+            <a:extLst>
+              <a:ext uri="{28A0092B-C50C-407E-A947-70E740481C1C}">
+                <a14:useLocalDpi xmlns:a14="http://schemas.microsoft.com/office/drawing/2010/main" val="0"/>
+              </a:ext>
+            </a:extLst>
+          </a:blip>
+          <a:srcRect/>
+          <a:stretch>
+            <a:fillRect/>
+          </a:stretch>
+        </p:blipFill>
+        <p:spPr bwMode="auto">
+          <a:xfrm>
+            <a:off x="7821527" y="2258324"/>
+            <a:ext cx="720811" cy="720811"/>
+          </a:xfrm>
+          <a:prstGeom prst="rect">
+            <a:avLst/>
+          </a:prstGeom>
+          <a:noFill/>
+          <a:extLst>
+            <a:ext uri="{909E8E84-426E-40DD-AFC4-6F175D3DCCD1}">
+              <a14:hiddenFill xmlns:a14="http://schemas.microsoft.com/office/drawing/2010/main">
+                <a:solidFill>
+                  <a:srgbClr val="FFFFFF"/>
+                </a:solidFill>
+              </a14:hiddenFill>
+            </a:ext>
+          </a:extLst>
+        </p:spPr>
+      </p:pic>
+      <p:pic>
+        <p:nvPicPr>
+          <p:cNvPr id="4100" name="Picture 4" descr="https://scontent.fhfa1-1.fna.fbcdn.net/v/t1.0-1/c53.22.280.280/s80x80/563318_10150957233979554_1244008004_n.jpg?_nc_cat=0&amp;oh=9bfd94e92341180a2c26b57bb14bfef5&amp;oe=5B9A9C95">
+            <a:extLst>
+              <a:ext uri="{FF2B5EF4-FFF2-40B4-BE49-F238E27FC236}">
+                <a16:creationId xmlns:a16="http://schemas.microsoft.com/office/drawing/2014/main" id="{AB2CFED1-EA33-49A6-919D-EEE0598B93BC}"/>
+              </a:ext>
+            </a:extLst>
+          </p:cNvPr>
+          <p:cNvPicPr>
+            <a:picLocks noChangeAspect="1" noChangeArrowheads="1"/>
+          </p:cNvPicPr>
+          <p:nvPr/>
+        </p:nvPicPr>
+        <p:blipFill>
+          <a:blip r:embed="rId7">
+            <a:extLst>
+              <a:ext uri="{28A0092B-C50C-407E-A947-70E740481C1C}">
+                <a14:useLocalDpi xmlns:a14="http://schemas.microsoft.com/office/drawing/2010/main" val="0"/>
+              </a:ext>
+            </a:extLst>
+          </a:blip>
+          <a:srcRect/>
+          <a:stretch>
+            <a:fillRect/>
+          </a:stretch>
+        </p:blipFill>
+        <p:spPr bwMode="auto">
+          <a:xfrm>
+            <a:off x="7780338" y="3182251"/>
+            <a:ext cx="762000" cy="762000"/>
+          </a:xfrm>
+          <a:prstGeom prst="rect">
+            <a:avLst/>
+          </a:prstGeom>
+          <a:noFill/>
+          <a:extLst>
+            <a:ext uri="{909E8E84-426E-40DD-AFC4-6F175D3DCCD1}">
+              <a14:hiddenFill xmlns:a14="http://schemas.microsoft.com/office/drawing/2010/main">
+                <a:solidFill>
+                  <a:srgbClr val="FFFFFF"/>
+                </a:solidFill>
+              </a14:hiddenFill>
+            </a:ext>
+          </a:extLst>
+        </p:spPr>
+      </p:pic>
+      <p:pic>
+        <p:nvPicPr>
+          <p:cNvPr id="11" name="Picture 10">
+            <a:extLst>
+              <a:ext uri="{FF2B5EF4-FFF2-40B4-BE49-F238E27FC236}">
+                <a16:creationId xmlns:a16="http://schemas.microsoft.com/office/drawing/2014/main" id="{16A20713-F3AE-4539-BB85-EF18A4F16C4D}"/>
+              </a:ext>
+            </a:extLst>
+          </p:cNvPr>
+          <p:cNvPicPr>
+            <a:picLocks noChangeAspect="1"/>
+          </p:cNvPicPr>
+          <p:nvPr/>
+        </p:nvPicPr>
+        <p:blipFill>
+          <a:blip r:embed="rId8"/>
+          <a:stretch>
+            <a:fillRect/>
+          </a:stretch>
+        </p:blipFill>
+        <p:spPr>
+          <a:xfrm>
+            <a:off x="7780338" y="4239141"/>
+            <a:ext cx="762000" cy="762000"/>
+          </a:xfrm>
+          <a:prstGeom prst="rect">
+            <a:avLst/>
+          </a:prstGeom>
+        </p:spPr>
+      </p:pic>
+    </p:spTree>
+    <p:extLst>
+      <p:ext uri="{BB962C8B-B14F-4D97-AF65-F5344CB8AC3E}">
+        <p14:creationId xmlns:p14="http://schemas.microsoft.com/office/powerpoint/2010/main" val="2933794616"/>
+      </p:ext>
+    </p:extLst>
+  </p:cSld>
+  <p:clrMapOvr>
+    <a:masterClrMapping/>
+  </p:clrMapOvr>
+</p:sld>
+</file>
+
+<file path=ppt/slides/slide9.xml><?xml version="1.0" encoding="utf-8"?>
+<p:sld xmlns:a="http://schemas.openxmlformats.org/drawingml/2006/main" xmlns:r="http://schemas.openxmlformats.org/officeDocument/2006/relationships" xmlns:p="http://schemas.openxmlformats.org/presentationml/2006/main">
+  <p:cSld>
+    <p:spTree>
+      <p:nvGrpSpPr>
+        <p:cNvPr id="1" name=""/>
+        <p:cNvGrpSpPr/>
+        <p:nvPr/>
+      </p:nvGrpSpPr>
+      <p:grpSpPr>
+        <a:xfrm>
+          <a:off x="0" y="0"/>
+          <a:ext cx="0" cy="0"/>
+          <a:chOff x="0" y="0"/>
+          <a:chExt cx="0" cy="0"/>
+        </a:xfrm>
+      </p:grpSpPr>
+      <p:pic>
+        <p:nvPicPr>
+          <p:cNvPr id="6" name="Picture 5">
+            <a:extLst>
+              <a:ext uri="{FF2B5EF4-FFF2-40B4-BE49-F238E27FC236}">
+                <a16:creationId xmlns:a16="http://schemas.microsoft.com/office/drawing/2014/main" id="{8D17072E-C2E3-49A0-95DC-51200ABA6C8B}"/>
+              </a:ext>
+            </a:extLst>
+          </p:cNvPr>
+          <p:cNvPicPr>
+            <a:picLocks noChangeAspect="1"/>
+          </p:cNvPicPr>
+          <p:nvPr/>
+        </p:nvPicPr>
+        <p:blipFill rotWithShape="1">
+          <a:blip r:embed="rId2">
+            <a:extLst>
+              <a:ext uri="{28A0092B-C50C-407E-A947-70E740481C1C}">
+                <a14:useLocalDpi xmlns:a14="http://schemas.microsoft.com/office/drawing/2010/main" val="0"/>
+              </a:ext>
+            </a:extLst>
+          </a:blip>
+          <a:srcRect l="11896" r="16132"/>
+          <a:stretch/>
+        </p:blipFill>
+        <p:spPr>
+          <a:xfrm>
+            <a:off x="280086" y="181046"/>
+            <a:ext cx="3307923" cy="2585324"/>
+          </a:xfrm>
+          <a:prstGeom prst="rect">
+            <a:avLst/>
+          </a:prstGeom>
+        </p:spPr>
+      </p:pic>
+      <p:pic>
+        <p:nvPicPr>
+          <p:cNvPr id="3" name="Picture 2">
+            <a:extLst>
+              <a:ext uri="{FF2B5EF4-FFF2-40B4-BE49-F238E27FC236}">
+                <a16:creationId xmlns:a16="http://schemas.microsoft.com/office/drawing/2014/main" id="{E343B223-CBCB-45BB-816A-C742A11D364A}"/>
+              </a:ext>
+            </a:extLst>
+          </p:cNvPr>
+          <p:cNvPicPr>
+            <a:picLocks noChangeAspect="1"/>
+          </p:cNvPicPr>
+          <p:nvPr/>
+        </p:nvPicPr>
+        <p:blipFill rotWithShape="1">
+          <a:blip r:embed="rId2">
+            <a:extLst>
+              <a:ext uri="{28A0092B-C50C-407E-A947-70E740481C1C}">
+                <a14:useLocalDpi xmlns:a14="http://schemas.microsoft.com/office/drawing/2010/main" val="0"/>
+              </a:ext>
+            </a:extLst>
+          </a:blip>
+          <a:srcRect l="11227" r="15463"/>
+          <a:stretch/>
+        </p:blipFill>
+        <p:spPr>
+          <a:xfrm>
+            <a:off x="8641492" y="3980936"/>
+            <a:ext cx="3369434" cy="2585324"/>
+          </a:xfrm>
+          <a:prstGeom prst="rect">
+            <a:avLst/>
+          </a:prstGeom>
+        </p:spPr>
+      </p:pic>
+      <p:sp>
+        <p:nvSpPr>
+          <p:cNvPr id="2" name="Rectangle 1">
+            <a:extLst>
+              <a:ext uri="{FF2B5EF4-FFF2-40B4-BE49-F238E27FC236}">
+                <a16:creationId xmlns:a16="http://schemas.microsoft.com/office/drawing/2014/main" id="{97300321-B191-48FF-BC00-681AD5552B4A}"/>
+              </a:ext>
+            </a:extLst>
+          </p:cNvPr>
+          <p:cNvSpPr/>
+          <p:nvPr/>
+        </p:nvSpPr>
+        <p:spPr>
+          <a:xfrm>
+            <a:off x="3684002" y="2004532"/>
+            <a:ext cx="5394095" cy="2585323"/>
+          </a:xfrm>
+          <a:prstGeom prst="rect">
+            <a:avLst/>
+          </a:prstGeom>
+          <a:noFill/>
+        </p:spPr>
+        <p:txBody>
+          <a:bodyPr wrap="square" lIns="91440" tIns="45720" rIns="91440" bIns="45720">
+            <a:spAutoFit/>
+          </a:bodyPr>
+          <a:lstStyle/>
+          <a:p>
+            <a:pPr algn="ctr"/>
+            <a:r>
+              <a:rPr lang="en-US" sz="5400" dirty="0">
+                <a:ln w="38100">
+                  <a:solidFill>
+                    <a:srgbClr val="4DA26B"/>
+                  </a:solidFill>
+                </a:ln>
+                <a:solidFill>
+                  <a:srgbClr val="2F874B"/>
+                </a:solidFill>
+                <a:effectLst>
+                  <a:outerShdw blurRad="38100" dist="25400" dir="5400000" algn="ctr" rotWithShape="0">
+                    <a:srgbClr val="6E747A">
+                      <a:alpha val="43000"/>
+                    </a:srgbClr>
+                  </a:outerShdw>
+                </a:effectLst>
+                <a:latin typeface="Aharoni" panose="02010803020104030203" pitchFamily="2" charset="-79"/>
+                <a:cs typeface="Aharoni" panose="02010803020104030203" pitchFamily="2" charset="-79"/>
+              </a:rPr>
+              <a:t>Good luck</a:t>
+            </a:r>
+          </a:p>
+          <a:p>
+            <a:pPr algn="ctr"/>
+            <a:r>
+              <a:rPr lang="en-US" sz="5400" dirty="0">
+                <a:ln w="38100">
+                  <a:solidFill>
+                    <a:srgbClr val="4DA26B"/>
+                  </a:solidFill>
+                </a:ln>
+                <a:solidFill>
+                  <a:srgbClr val="2F874B"/>
+                </a:solidFill>
+                <a:effectLst>
+                  <a:outerShdw blurRad="38100" dist="25400" dir="5400000" algn="ctr" rotWithShape="0">
+                    <a:srgbClr val="6E747A">
+                      <a:alpha val="43000"/>
+                    </a:srgbClr>
+                  </a:outerShdw>
+                </a:effectLst>
+                <a:latin typeface="Aharoni" panose="02010803020104030203" pitchFamily="2" charset="-79"/>
+                <a:cs typeface="Aharoni" panose="02010803020104030203" pitchFamily="2" charset="-79"/>
+              </a:rPr>
+              <a:t>&amp; </a:t>
+            </a:r>
+          </a:p>
+          <a:p>
+            <a:pPr algn="ctr"/>
+            <a:r>
+              <a:rPr lang="en-US" sz="5400" dirty="0">
+                <a:ln w="38100">
+                  <a:solidFill>
+                    <a:srgbClr val="4DA26B"/>
+                  </a:solidFill>
+                </a:ln>
+                <a:solidFill>
+                  <a:srgbClr val="2F874B"/>
+                </a:solidFill>
+                <a:effectLst>
+                  <a:outerShdw blurRad="38100" dist="25400" dir="5400000" algn="ctr" rotWithShape="0">
+                    <a:srgbClr val="6E747A">
+                      <a:alpha val="43000"/>
+                    </a:srgbClr>
+                  </a:outerShdw>
+                </a:effectLst>
+                <a:latin typeface="Aharoni" panose="02010803020104030203" pitchFamily="2" charset="-79"/>
+                <a:cs typeface="Aharoni" panose="02010803020104030203" pitchFamily="2" charset="-79"/>
+              </a:rPr>
+              <a:t>have fun!</a:t>
+            </a:r>
+          </a:p>
+        </p:txBody>
+      </p:sp>
+    </p:spTree>
+    <p:extLst>
+      <p:ext uri="{BB962C8B-B14F-4D97-AF65-F5344CB8AC3E}">
+        <p14:creationId xmlns:p14="http://schemas.microsoft.com/office/powerpoint/2010/main" val="2702283830"/>
       </p:ext>
     </p:extLst>
   </p:cSld>

--- a/tutorials.pptx
+++ b/tutorials.pptx
@@ -8,12 +8,13 @@
     <p:sldId id="256" r:id="rId2"/>
     <p:sldId id="261" r:id="rId3"/>
     <p:sldId id="257" r:id="rId4"/>
-    <p:sldId id="258" r:id="rId5"/>
-    <p:sldId id="259" r:id="rId6"/>
-    <p:sldId id="260" r:id="rId7"/>
-    <p:sldId id="262" r:id="rId8"/>
-    <p:sldId id="263" r:id="rId9"/>
-    <p:sldId id="264" r:id="rId10"/>
+    <p:sldId id="262" r:id="rId5"/>
+    <p:sldId id="265" r:id="rId6"/>
+    <p:sldId id="258" r:id="rId7"/>
+    <p:sldId id="259" r:id="rId8"/>
+    <p:sldId id="260" r:id="rId9"/>
+    <p:sldId id="263" r:id="rId10"/>
+    <p:sldId id="264" r:id="rId11"/>
   </p:sldIdLst>
   <p:sldSz cx="12192000" cy="6858000"/>
   <p:notesSz cx="6858000" cy="9144000"/>
@@ -267,7 +268,7 @@
           <a:p>
             <a:fld id="{1A6A7B21-3A70-4FAC-AB22-3D7506ED2D07}" type="datetimeFigureOut">
               <a:rPr lang="he-IL" smtClean="0"/>
-              <a:t>י"ז/אייר/תשע"ח</a:t>
+              <a:t>י"ח/אייר/תשע"ח</a:t>
             </a:fld>
             <a:endParaRPr lang="he-IL"/>
           </a:p>
@@ -465,7 +466,7 @@
           <a:p>
             <a:fld id="{1A6A7B21-3A70-4FAC-AB22-3D7506ED2D07}" type="datetimeFigureOut">
               <a:rPr lang="he-IL" smtClean="0"/>
-              <a:t>י"ז/אייר/תשע"ח</a:t>
+              <a:t>י"ח/אייר/תשע"ח</a:t>
             </a:fld>
             <a:endParaRPr lang="he-IL"/>
           </a:p>
@@ -673,7 +674,7 @@
           <a:p>
             <a:fld id="{1A6A7B21-3A70-4FAC-AB22-3D7506ED2D07}" type="datetimeFigureOut">
               <a:rPr lang="he-IL" smtClean="0"/>
-              <a:t>י"ז/אייר/תשע"ח</a:t>
+              <a:t>י"ח/אייר/תשע"ח</a:t>
             </a:fld>
             <a:endParaRPr lang="he-IL"/>
           </a:p>
@@ -928,7 +929,7 @@
           <a:p>
             <a:fld id="{547EC484-806A-4DDB-A00D-2C23AC465B75}" type="datetimeFigureOut">
               <a:rPr lang="en-US" smtClean="0"/>
-              <a:t>5/2/2018</a:t>
+              <a:t>5/3/2018</a:t>
             </a:fld>
             <a:endParaRPr lang="en-US"/>
           </a:p>
@@ -1136,7 +1137,7 @@
           <a:p>
             <a:fld id="{1A6A7B21-3A70-4FAC-AB22-3D7506ED2D07}" type="datetimeFigureOut">
               <a:rPr lang="he-IL" smtClean="0"/>
-              <a:t>י"ז/אייר/תשע"ח</a:t>
+              <a:t>י"ח/אייר/תשע"ח</a:t>
             </a:fld>
             <a:endParaRPr lang="he-IL"/>
           </a:p>
@@ -1411,7 +1412,7 @@
           <a:p>
             <a:fld id="{1A6A7B21-3A70-4FAC-AB22-3D7506ED2D07}" type="datetimeFigureOut">
               <a:rPr lang="he-IL" smtClean="0"/>
-              <a:t>י"ז/אייר/תשע"ח</a:t>
+              <a:t>י"ח/אייר/תשע"ח</a:t>
             </a:fld>
             <a:endParaRPr lang="he-IL"/>
           </a:p>
@@ -1676,7 +1677,7 @@
           <a:p>
             <a:fld id="{1A6A7B21-3A70-4FAC-AB22-3D7506ED2D07}" type="datetimeFigureOut">
               <a:rPr lang="he-IL" smtClean="0"/>
-              <a:t>י"ז/אייר/תשע"ח</a:t>
+              <a:t>י"ח/אייר/תשע"ח</a:t>
             </a:fld>
             <a:endParaRPr lang="he-IL"/>
           </a:p>
@@ -2088,7 +2089,7 @@
           <a:p>
             <a:fld id="{1A6A7B21-3A70-4FAC-AB22-3D7506ED2D07}" type="datetimeFigureOut">
               <a:rPr lang="he-IL" smtClean="0"/>
-              <a:t>י"ז/אייר/תשע"ח</a:t>
+              <a:t>י"ח/אייר/תשע"ח</a:t>
             </a:fld>
             <a:endParaRPr lang="he-IL"/>
           </a:p>
@@ -2229,7 +2230,7 @@
           <a:p>
             <a:fld id="{1A6A7B21-3A70-4FAC-AB22-3D7506ED2D07}" type="datetimeFigureOut">
               <a:rPr lang="he-IL" smtClean="0"/>
-              <a:t>י"ז/אייר/תשע"ח</a:t>
+              <a:t>י"ח/אייר/תשע"ח</a:t>
             </a:fld>
             <a:endParaRPr lang="he-IL"/>
           </a:p>
@@ -2342,7 +2343,7 @@
           <a:p>
             <a:fld id="{1A6A7B21-3A70-4FAC-AB22-3D7506ED2D07}" type="datetimeFigureOut">
               <a:rPr lang="he-IL" smtClean="0"/>
-              <a:t>י"ז/אייר/תשע"ח</a:t>
+              <a:t>י"ח/אייר/תשע"ח</a:t>
             </a:fld>
             <a:endParaRPr lang="he-IL"/>
           </a:p>
@@ -2653,7 +2654,7 @@
           <a:p>
             <a:fld id="{1A6A7B21-3A70-4FAC-AB22-3D7506ED2D07}" type="datetimeFigureOut">
               <a:rPr lang="he-IL" smtClean="0"/>
-              <a:t>י"ז/אייר/תשע"ח</a:t>
+              <a:t>י"ח/אייר/תשע"ח</a:t>
             </a:fld>
             <a:endParaRPr lang="he-IL"/>
           </a:p>
@@ -2941,7 +2942,7 @@
           <a:p>
             <a:fld id="{1A6A7B21-3A70-4FAC-AB22-3D7506ED2D07}" type="datetimeFigureOut">
               <a:rPr lang="he-IL" smtClean="0"/>
-              <a:t>י"ז/אייר/תשע"ח</a:t>
+              <a:t>י"ח/אייר/תשע"ח</a:t>
             </a:fld>
             <a:endParaRPr lang="he-IL"/>
           </a:p>
@@ -3182,7 +3183,7 @@
           <a:p>
             <a:fld id="{1A6A7B21-3A70-4FAC-AB22-3D7506ED2D07}" type="datetimeFigureOut">
               <a:rPr lang="he-IL" smtClean="0"/>
-              <a:t>י"ז/אייר/תשע"ח</a:t>
+              <a:t>י"ח/אייר/תשע"ח</a:t>
             </a:fld>
             <a:endParaRPr lang="he-IL"/>
           </a:p>
@@ -3656,6 +3657,210 @@
 </p:sld>
 </file>
 
+<file path=ppt/slides/slide10.xml><?xml version="1.0" encoding="utf-8"?>
+<p:sld xmlns:a="http://schemas.openxmlformats.org/drawingml/2006/main" xmlns:r="http://schemas.openxmlformats.org/officeDocument/2006/relationships" xmlns:p="http://schemas.openxmlformats.org/presentationml/2006/main">
+  <p:cSld>
+    <p:spTree>
+      <p:nvGrpSpPr>
+        <p:cNvPr id="1" name=""/>
+        <p:cNvGrpSpPr/>
+        <p:nvPr/>
+      </p:nvGrpSpPr>
+      <p:grpSpPr>
+        <a:xfrm>
+          <a:off x="0" y="0"/>
+          <a:ext cx="0" cy="0"/>
+          <a:chOff x="0" y="0"/>
+          <a:chExt cx="0" cy="0"/>
+        </a:xfrm>
+      </p:grpSpPr>
+      <p:pic>
+        <p:nvPicPr>
+          <p:cNvPr id="6" name="Picture 5">
+            <a:extLst>
+              <a:ext uri="{FF2B5EF4-FFF2-40B4-BE49-F238E27FC236}">
+                <a16:creationId xmlns:a16="http://schemas.microsoft.com/office/drawing/2014/main" id="{8D17072E-C2E3-49A0-95DC-51200ABA6C8B}"/>
+              </a:ext>
+            </a:extLst>
+          </p:cNvPr>
+          <p:cNvPicPr>
+            <a:picLocks noChangeAspect="1"/>
+          </p:cNvPicPr>
+          <p:nvPr/>
+        </p:nvPicPr>
+        <p:blipFill rotWithShape="1">
+          <a:blip r:embed="rId2">
+            <a:extLst>
+              <a:ext uri="{28A0092B-C50C-407E-A947-70E740481C1C}">
+                <a14:useLocalDpi xmlns:a14="http://schemas.microsoft.com/office/drawing/2010/main" val="0"/>
+              </a:ext>
+            </a:extLst>
+          </a:blip>
+          <a:srcRect l="11896" r="16132"/>
+          <a:stretch/>
+        </p:blipFill>
+        <p:spPr>
+          <a:xfrm>
+            <a:off x="280086" y="181046"/>
+            <a:ext cx="3307923" cy="2585324"/>
+          </a:xfrm>
+          <a:prstGeom prst="rect">
+            <a:avLst/>
+          </a:prstGeom>
+        </p:spPr>
+      </p:pic>
+      <p:pic>
+        <p:nvPicPr>
+          <p:cNvPr id="3" name="Picture 2">
+            <a:extLst>
+              <a:ext uri="{FF2B5EF4-FFF2-40B4-BE49-F238E27FC236}">
+                <a16:creationId xmlns:a16="http://schemas.microsoft.com/office/drawing/2014/main" id="{E343B223-CBCB-45BB-816A-C742A11D364A}"/>
+              </a:ext>
+            </a:extLst>
+          </p:cNvPr>
+          <p:cNvPicPr>
+            <a:picLocks noChangeAspect="1"/>
+          </p:cNvPicPr>
+          <p:nvPr/>
+        </p:nvPicPr>
+        <p:blipFill rotWithShape="1">
+          <a:blip r:embed="rId2">
+            <a:extLst>
+              <a:ext uri="{28A0092B-C50C-407E-A947-70E740481C1C}">
+                <a14:useLocalDpi xmlns:a14="http://schemas.microsoft.com/office/drawing/2010/main" val="0"/>
+              </a:ext>
+            </a:extLst>
+          </a:blip>
+          <a:srcRect l="11227" r="15463"/>
+          <a:stretch/>
+        </p:blipFill>
+        <p:spPr>
+          <a:xfrm>
+            <a:off x="8641492" y="3980936"/>
+            <a:ext cx="3369434" cy="2585324"/>
+          </a:xfrm>
+          <a:prstGeom prst="rect">
+            <a:avLst/>
+          </a:prstGeom>
+        </p:spPr>
+      </p:pic>
+      <p:sp>
+        <p:nvSpPr>
+          <p:cNvPr id="2" name="Rectangle 1">
+            <a:extLst>
+              <a:ext uri="{FF2B5EF4-FFF2-40B4-BE49-F238E27FC236}">
+                <a16:creationId xmlns:a16="http://schemas.microsoft.com/office/drawing/2014/main" id="{97300321-B191-48FF-BC00-681AD5552B4A}"/>
+              </a:ext>
+            </a:extLst>
+          </p:cNvPr>
+          <p:cNvSpPr/>
+          <p:nvPr/>
+        </p:nvSpPr>
+        <p:spPr>
+          <a:xfrm>
+            <a:off x="3684002" y="2004532"/>
+            <a:ext cx="5394095" cy="2585323"/>
+          </a:xfrm>
+          <a:prstGeom prst="rect">
+            <a:avLst/>
+          </a:prstGeom>
+          <a:noFill/>
+        </p:spPr>
+        <p:txBody>
+          <a:bodyPr wrap="square" lIns="91440" tIns="45720" rIns="91440" bIns="45720">
+            <a:spAutoFit/>
+          </a:bodyPr>
+          <a:lstStyle/>
+          <a:p>
+            <a:pPr algn="ctr"/>
+            <a:r>
+              <a:rPr lang="en-US" sz="5400" dirty="0">
+                <a:ln w="38100">
+                  <a:solidFill>
+                    <a:srgbClr val="4DA26B"/>
+                  </a:solidFill>
+                </a:ln>
+                <a:solidFill>
+                  <a:srgbClr val="2F874B"/>
+                </a:solidFill>
+                <a:effectLst>
+                  <a:outerShdw blurRad="38100" dist="25400" dir="5400000" algn="ctr" rotWithShape="0">
+                    <a:srgbClr val="6E747A">
+                      <a:alpha val="43000"/>
+                    </a:srgbClr>
+                  </a:outerShdw>
+                </a:effectLst>
+                <a:latin typeface="Aharoni" panose="02010803020104030203" pitchFamily="2" charset="-79"/>
+                <a:cs typeface="Aharoni" panose="02010803020104030203" pitchFamily="2" charset="-79"/>
+              </a:rPr>
+              <a:t>Good luck</a:t>
+            </a:r>
+          </a:p>
+          <a:p>
+            <a:pPr algn="ctr"/>
+            <a:r>
+              <a:rPr lang="en-US" sz="5400" dirty="0">
+                <a:ln w="38100">
+                  <a:solidFill>
+                    <a:srgbClr val="4DA26B"/>
+                  </a:solidFill>
+                </a:ln>
+                <a:solidFill>
+                  <a:srgbClr val="2F874B"/>
+                </a:solidFill>
+                <a:effectLst>
+                  <a:outerShdw blurRad="38100" dist="25400" dir="5400000" algn="ctr" rotWithShape="0">
+                    <a:srgbClr val="6E747A">
+                      <a:alpha val="43000"/>
+                    </a:srgbClr>
+                  </a:outerShdw>
+                </a:effectLst>
+                <a:latin typeface="Aharoni" panose="02010803020104030203" pitchFamily="2" charset="-79"/>
+                <a:cs typeface="Aharoni" panose="02010803020104030203" pitchFamily="2" charset="-79"/>
+              </a:rPr>
+              <a:t>&amp; </a:t>
+            </a:r>
+          </a:p>
+          <a:p>
+            <a:pPr algn="ctr"/>
+            <a:r>
+              <a:rPr lang="en-US" sz="5400" dirty="0">
+                <a:ln w="38100">
+                  <a:solidFill>
+                    <a:srgbClr val="4DA26B"/>
+                  </a:solidFill>
+                </a:ln>
+                <a:solidFill>
+                  <a:srgbClr val="2F874B"/>
+                </a:solidFill>
+                <a:effectLst>
+                  <a:outerShdw blurRad="38100" dist="25400" dir="5400000" algn="ctr" rotWithShape="0">
+                    <a:srgbClr val="6E747A">
+                      <a:alpha val="43000"/>
+                    </a:srgbClr>
+                  </a:outerShdw>
+                </a:effectLst>
+                <a:latin typeface="Aharoni" panose="02010803020104030203" pitchFamily="2" charset="-79"/>
+                <a:cs typeface="Aharoni" panose="02010803020104030203" pitchFamily="2" charset="-79"/>
+              </a:rPr>
+              <a:t>have fun!</a:t>
+            </a:r>
+          </a:p>
+        </p:txBody>
+      </p:sp>
+    </p:spTree>
+    <p:extLst>
+      <p:ext uri="{BB962C8B-B14F-4D97-AF65-F5344CB8AC3E}">
+        <p14:creationId xmlns:p14="http://schemas.microsoft.com/office/powerpoint/2010/main" val="2702283830"/>
+      </p:ext>
+    </p:extLst>
+  </p:cSld>
+  <p:clrMapOvr>
+    <a:masterClrMapping/>
+  </p:clrMapOvr>
+</p:sld>
+</file>
+
 <file path=ppt/slides/slide2.xml><?xml version="1.0" encoding="utf-8"?>
 <p:sld xmlns:a="http://schemas.openxmlformats.org/drawingml/2006/main" xmlns:r="http://schemas.openxmlformats.org/officeDocument/2006/relationships" xmlns:p="http://schemas.openxmlformats.org/presentationml/2006/main">
   <p:cSld>
@@ -4221,10 +4426,10 @@
           <a:p>
             <a:pPr algn="ctr"/>
             <a:r>
-              <a:rPr lang="en-US" dirty="0"/>
-              <a:t>DMBI Data Hackathon</a:t>
-            </a:r>
-            <a:endParaRPr lang="he-IL" dirty="0"/>
+              <a:rPr lang="en-US" sz="3600" b="1" dirty="0"/>
+              <a:t>DMBI Data Hackathon – tutorial sessions</a:t>
+            </a:r>
+            <a:endParaRPr lang="he-IL" sz="3600" b="1" dirty="0"/>
           </a:p>
         </p:txBody>
       </p:sp>
@@ -4561,6 +4766,614 @@
 </file>
 
 <file path=ppt/slides/slide4.xml><?xml version="1.0" encoding="utf-8"?>
+<p:sld xmlns:a="http://schemas.openxmlformats.org/drawingml/2006/main" xmlns:r="http://schemas.openxmlformats.org/officeDocument/2006/relationships" xmlns:p="http://schemas.openxmlformats.org/presentationml/2006/main">
+  <p:cSld>
+    <p:spTree>
+      <p:nvGrpSpPr>
+        <p:cNvPr id="1" name=""/>
+        <p:cNvGrpSpPr/>
+        <p:nvPr/>
+      </p:nvGrpSpPr>
+      <p:grpSpPr>
+        <a:xfrm>
+          <a:off x="0" y="0"/>
+          <a:ext cx="0" cy="0"/>
+          <a:chOff x="0" y="0"/>
+          <a:chExt cx="0" cy="0"/>
+        </a:xfrm>
+      </p:grpSpPr>
+      <p:sp>
+        <p:nvSpPr>
+          <p:cNvPr id="2" name="כותרת 1">
+            <a:extLst>
+              <a:ext uri="{FF2B5EF4-FFF2-40B4-BE49-F238E27FC236}">
+                <a16:creationId xmlns:a16="http://schemas.microsoft.com/office/drawing/2014/main" id="{0697D4F4-F50F-4B8B-8F8B-AAB9182CDCF8}"/>
+              </a:ext>
+            </a:extLst>
+          </p:cNvPr>
+          <p:cNvSpPr>
+            <a:spLocks noGrp="1"/>
+          </p:cNvSpPr>
+          <p:nvPr>
+            <p:ph type="title"/>
+          </p:nvPr>
+        </p:nvSpPr>
+        <p:spPr/>
+        <p:txBody>
+          <a:bodyPr vert="horz" lIns="91440" tIns="45720" rIns="91440" bIns="45720" rtlCol="1" anchor="ctr">
+            <a:normAutofit/>
+          </a:bodyPr>
+          <a:lstStyle/>
+          <a:p>
+            <a:pPr algn="ctr"/>
+            <a:r>
+              <a:rPr lang="en-US" dirty="0"/>
+              <a:t>DMBI Data Hackathon - timeline</a:t>
+            </a:r>
+            <a:endParaRPr lang="he-IL" dirty="0"/>
+          </a:p>
+        </p:txBody>
+      </p:sp>
+      <p:pic>
+        <p:nvPicPr>
+          <p:cNvPr id="6" name="Picture 5">
+            <a:extLst>
+              <a:ext uri="{FF2B5EF4-FFF2-40B4-BE49-F238E27FC236}">
+                <a16:creationId xmlns:a16="http://schemas.microsoft.com/office/drawing/2014/main" id="{F6C8768B-75C6-4862-BD41-955D3EED206B}"/>
+              </a:ext>
+            </a:extLst>
+          </p:cNvPr>
+          <p:cNvPicPr>
+            <a:picLocks noChangeAspect="1"/>
+          </p:cNvPicPr>
+          <p:nvPr/>
+        </p:nvPicPr>
+        <p:blipFill rotWithShape="1">
+          <a:blip r:embed="rId2">
+            <a:extLst>
+              <a:ext uri="{28A0092B-C50C-407E-A947-70E740481C1C}">
+                <a14:useLocalDpi xmlns:a14="http://schemas.microsoft.com/office/drawing/2010/main" val="0"/>
+              </a:ext>
+            </a:extLst>
+          </a:blip>
+          <a:srcRect/>
+          <a:stretch/>
+        </p:blipFill>
+        <p:spPr>
+          <a:xfrm>
+            <a:off x="193964" y="230188"/>
+            <a:ext cx="2105889" cy="1184563"/>
+          </a:xfrm>
+          <a:prstGeom prst="rect">
+            <a:avLst/>
+          </a:prstGeom>
+        </p:spPr>
+      </p:pic>
+      <p:pic>
+        <p:nvPicPr>
+          <p:cNvPr id="7" name="Picture 2" descr="Image result for bgu">
+            <a:extLst>
+              <a:ext uri="{FF2B5EF4-FFF2-40B4-BE49-F238E27FC236}">
+                <a16:creationId xmlns:a16="http://schemas.microsoft.com/office/drawing/2014/main" id="{90848CA4-C583-40E9-8976-C26F6CA508BB}"/>
+              </a:ext>
+            </a:extLst>
+          </p:cNvPr>
+          <p:cNvPicPr>
+            <a:picLocks noChangeAspect="1" noChangeArrowheads="1"/>
+          </p:cNvPicPr>
+          <p:nvPr/>
+        </p:nvPicPr>
+        <p:blipFill>
+          <a:blip r:embed="rId3" cstate="print">
+            <a:extLst>
+              <a:ext uri="{28A0092B-C50C-407E-A947-70E740481C1C}">
+                <a14:useLocalDpi xmlns:a14="http://schemas.microsoft.com/office/drawing/2010/main" val="0"/>
+              </a:ext>
+            </a:extLst>
+          </a:blip>
+          <a:srcRect/>
+          <a:stretch>
+            <a:fillRect/>
+          </a:stretch>
+        </p:blipFill>
+        <p:spPr bwMode="auto">
+          <a:xfrm>
+            <a:off x="10526685" y="86793"/>
+            <a:ext cx="1471351" cy="1471351"/>
+          </a:xfrm>
+          <a:prstGeom prst="rect">
+            <a:avLst/>
+          </a:prstGeom>
+          <a:noFill/>
+          <a:extLst>
+            <a:ext uri="{909E8E84-426E-40DD-AFC4-6F175D3DCCD1}">
+              <a14:hiddenFill xmlns:a14="http://schemas.microsoft.com/office/drawing/2010/main">
+                <a:solidFill>
+                  <a:srgbClr val="FFFFFF"/>
+                </a:solidFill>
+              </a14:hiddenFill>
+            </a:ext>
+          </a:extLst>
+        </p:spPr>
+      </p:pic>
+      <p:sp>
+        <p:nvSpPr>
+          <p:cNvPr id="5" name="Content Placeholder 4">
+            <a:extLst>
+              <a:ext uri="{FF2B5EF4-FFF2-40B4-BE49-F238E27FC236}">
+                <a16:creationId xmlns:a16="http://schemas.microsoft.com/office/drawing/2014/main" id="{E4C2BB1C-D729-48F2-B91A-CD3A1F94B173}"/>
+              </a:ext>
+            </a:extLst>
+          </p:cNvPr>
+          <p:cNvSpPr>
+            <a:spLocks noGrp="1"/>
+          </p:cNvSpPr>
+          <p:nvPr>
+            <p:ph idx="1"/>
+          </p:nvPr>
+        </p:nvSpPr>
+        <p:spPr>
+          <a:xfrm>
+            <a:off x="442785" y="1825625"/>
+            <a:ext cx="5397842" cy="4351338"/>
+          </a:xfrm>
+        </p:spPr>
+        <p:txBody>
+          <a:bodyPr>
+            <a:normAutofit lnSpcReduction="10000"/>
+          </a:bodyPr>
+          <a:lstStyle/>
+          <a:p>
+            <a:pPr algn="l" rtl="0" fontAlgn="base"/>
+            <a:r>
+              <a:rPr lang="en-US" sz="2000" b="1" dirty="0"/>
+              <a:t>Day 1, 3/5:</a:t>
+            </a:r>
+            <a:r>
+              <a:rPr lang="en-US" sz="2000" dirty="0"/>
+              <a:t> </a:t>
+            </a:r>
+          </a:p>
+          <a:p>
+            <a:pPr algn="l" rtl="0" fontAlgn="base"/>
+            <a:r>
+              <a:rPr lang="en-US" sz="2000" dirty="0"/>
+              <a:t>9:00 - Arrival and light breakfast</a:t>
+            </a:r>
+          </a:p>
+          <a:p>
+            <a:pPr algn="l" rtl="0" fontAlgn="base"/>
+            <a:r>
+              <a:rPr lang="en-US" sz="2000" dirty="0"/>
+              <a:t>9:45 - Hackathon starts! Challenges overview</a:t>
+            </a:r>
+          </a:p>
+          <a:p>
+            <a:pPr algn="l" rtl="0" fontAlgn="base"/>
+            <a:r>
+              <a:rPr lang="en-US" sz="2000" dirty="0"/>
+              <a:t>12:00 - Tutorial - "an Introductory Tutorial on Embeddings with TensorFlow" by </a:t>
+            </a:r>
+            <a:r>
+              <a:rPr lang="en-US" sz="2000" dirty="0">
+                <a:hlinkClick r:id="rId4"/>
+              </a:rPr>
+              <a:t>Taboola</a:t>
+            </a:r>
+            <a:endParaRPr lang="en-US" sz="2000" dirty="0"/>
+          </a:p>
+          <a:p>
+            <a:pPr algn="l" rtl="0" fontAlgn="base"/>
+            <a:r>
+              <a:rPr lang="en-US" sz="2000" dirty="0"/>
+              <a:t>14:00 - Lunch</a:t>
+            </a:r>
+          </a:p>
+          <a:p>
+            <a:pPr algn="l" rtl="0" fontAlgn="base"/>
+            <a:r>
+              <a:rPr lang="en-US" sz="2000" dirty="0"/>
+              <a:t>16:00 - Tutorial - "Advanced </a:t>
+            </a:r>
+            <a:r>
+              <a:rPr lang="en-US" sz="2000" dirty="0" err="1"/>
+              <a:t>Keras</a:t>
+            </a:r>
+            <a:r>
+              <a:rPr lang="en-US" sz="2000" dirty="0"/>
+              <a:t> Applications" by </a:t>
+            </a:r>
+            <a:r>
+              <a:rPr lang="en-US" sz="2000" dirty="0">
+                <a:hlinkClick r:id="rId4"/>
+              </a:rPr>
+              <a:t>Yam Peleg</a:t>
+            </a:r>
+            <a:endParaRPr lang="en-US" sz="2000" dirty="0"/>
+          </a:p>
+          <a:p>
+            <a:pPr algn="l" rtl="0" fontAlgn="base"/>
+            <a:r>
+              <a:rPr lang="en-US" sz="2000" dirty="0"/>
+              <a:t>19:00 - Tutorial -  "Interpretability of Machine Learning Models" by  </a:t>
+            </a:r>
+            <a:r>
+              <a:rPr lang="en-US" sz="2000" dirty="0">
+                <a:hlinkClick r:id="rId4"/>
+              </a:rPr>
+              <a:t>Michaël </a:t>
+            </a:r>
+            <a:r>
+              <a:rPr lang="en-US" sz="2000" dirty="0" err="1">
+                <a:hlinkClick r:id="rId4"/>
+              </a:rPr>
+              <a:t>Mariën</a:t>
+            </a:r>
+            <a:r>
+              <a:rPr lang="en-US" sz="2000" dirty="0"/>
+              <a:t> from KBC</a:t>
+            </a:r>
+          </a:p>
+          <a:p>
+            <a:pPr algn="l" rtl="0" fontAlgn="base"/>
+            <a:r>
+              <a:rPr lang="en-US" sz="2000" dirty="0"/>
+              <a:t>20:30 - Dinner</a:t>
+            </a:r>
+          </a:p>
+          <a:p>
+            <a:pPr algn="l" rtl="0" fontAlgn="base"/>
+            <a:r>
+              <a:rPr lang="en-US" sz="2000" dirty="0"/>
+              <a:t>21:30 - Stretches and Body Relaxation</a:t>
+            </a:r>
+          </a:p>
+          <a:p>
+            <a:pPr marL="0" indent="0" algn="l" rtl="0" fontAlgn="base">
+              <a:buNone/>
+            </a:pPr>
+            <a:endParaRPr lang="en-US" sz="2000" dirty="0"/>
+          </a:p>
+        </p:txBody>
+      </p:sp>
+      <p:sp>
+        <p:nvSpPr>
+          <p:cNvPr id="8" name="Rectangle 7">
+            <a:extLst>
+              <a:ext uri="{FF2B5EF4-FFF2-40B4-BE49-F238E27FC236}">
+                <a16:creationId xmlns:a16="http://schemas.microsoft.com/office/drawing/2014/main" id="{A88DC748-F668-4AFA-BD7B-6B26A14DA3E1}"/>
+              </a:ext>
+            </a:extLst>
+          </p:cNvPr>
+          <p:cNvSpPr/>
+          <p:nvPr/>
+        </p:nvSpPr>
+        <p:spPr>
+          <a:xfrm>
+            <a:off x="6433751" y="1825625"/>
+            <a:ext cx="6096000" cy="2308324"/>
+          </a:xfrm>
+          <a:prstGeom prst="rect">
+            <a:avLst/>
+          </a:prstGeom>
+        </p:spPr>
+        <p:txBody>
+          <a:bodyPr>
+            <a:spAutoFit/>
+          </a:bodyPr>
+          <a:lstStyle/>
+          <a:p>
+            <a:pPr algn="l" rtl="0" fontAlgn="base"/>
+            <a:r>
+              <a:rPr lang="en-US" b="1" dirty="0"/>
+              <a:t>Day 2, 4/5:</a:t>
+            </a:r>
+            <a:endParaRPr lang="en-US" dirty="0"/>
+          </a:p>
+          <a:p>
+            <a:pPr algn="l" rtl="0" fontAlgn="base"/>
+            <a:r>
+              <a:rPr lang="en-US" dirty="0"/>
+              <a:t>00:00 - Night snacks</a:t>
+            </a:r>
+          </a:p>
+          <a:p>
+            <a:pPr algn="l" rtl="0" fontAlgn="base"/>
+            <a:r>
+              <a:rPr lang="en-US" dirty="0"/>
+              <a:t>6:30 - Test sets are given</a:t>
+            </a:r>
+          </a:p>
+          <a:p>
+            <a:pPr algn="l" rtl="0" fontAlgn="base"/>
+            <a:r>
+              <a:rPr lang="en-US" dirty="0"/>
+              <a:t>7:00 - Breakfast</a:t>
+            </a:r>
+          </a:p>
+          <a:p>
+            <a:pPr algn="l" rtl="0" fontAlgn="base"/>
+            <a:r>
+              <a:rPr lang="en-US" dirty="0"/>
+              <a:t>9:00 - First judging round</a:t>
+            </a:r>
+          </a:p>
+          <a:p>
+            <a:pPr algn="l" rtl="0" fontAlgn="base"/>
+            <a:r>
+              <a:rPr lang="en-US" dirty="0"/>
+              <a:t>11:30 - Presentation and second judging round</a:t>
+            </a:r>
+          </a:p>
+          <a:p>
+            <a:pPr algn="l" rtl="0" fontAlgn="base"/>
+            <a:r>
+              <a:rPr lang="en-US" dirty="0"/>
+              <a:t>12:30 – winners announced </a:t>
+            </a:r>
+          </a:p>
+          <a:p>
+            <a:pPr algn="l" rtl="0" fontAlgn="base"/>
+            <a:r>
+              <a:rPr lang="en-US" dirty="0"/>
+              <a:t>13:00 - Hackathon ends!</a:t>
+            </a:r>
+          </a:p>
+        </p:txBody>
+      </p:sp>
+      <p:sp>
+        <p:nvSpPr>
+          <p:cNvPr id="12" name="Rectangle 11">
+            <a:extLst>
+              <a:ext uri="{FF2B5EF4-FFF2-40B4-BE49-F238E27FC236}">
+                <a16:creationId xmlns:a16="http://schemas.microsoft.com/office/drawing/2014/main" id="{7CB913EE-D151-4A9A-9025-BBCAB9F2583B}"/>
+              </a:ext>
+            </a:extLst>
+          </p:cNvPr>
+          <p:cNvSpPr/>
+          <p:nvPr/>
+        </p:nvSpPr>
+        <p:spPr>
+          <a:xfrm>
+            <a:off x="6433751" y="4259203"/>
+            <a:ext cx="5198076" cy="2308324"/>
+          </a:xfrm>
+          <a:prstGeom prst="rect">
+            <a:avLst/>
+          </a:prstGeom>
+        </p:spPr>
+        <p:txBody>
+          <a:bodyPr wrap="square">
+            <a:spAutoFit/>
+          </a:bodyPr>
+          <a:lstStyle/>
+          <a:p>
+            <a:pPr algn="l" rtl="0" fontAlgn="base"/>
+            <a:r>
+              <a:rPr lang="en-US" b="1" dirty="0"/>
+              <a:t>Things to remember:</a:t>
+            </a:r>
+          </a:p>
+          <a:p>
+            <a:pPr marL="285750" indent="-285750" algn="l" rtl="0" fontAlgn="base">
+              <a:buFont typeface="Arial" panose="020B0604020202020204" pitchFamily="34" charset="0"/>
+              <a:buChar char="•"/>
+            </a:pPr>
+            <a:r>
+              <a:rPr lang="en-US" dirty="0"/>
+              <a:t>Prepare a presentation that describes your work for judging rounds</a:t>
+            </a:r>
+          </a:p>
+          <a:p>
+            <a:pPr marL="285750" indent="-285750" algn="l" rtl="0" fontAlgn="base">
+              <a:buFont typeface="Arial" panose="020B0604020202020204" pitchFamily="34" charset="0"/>
+              <a:buChar char="•"/>
+            </a:pPr>
+            <a:r>
+              <a:rPr lang="en-US" dirty="0"/>
+              <a:t>Solutions are scored:</a:t>
+            </a:r>
+          </a:p>
+          <a:p>
+            <a:pPr marL="742950" lvl="1" indent="-285750" algn="l" rtl="0" fontAlgn="base">
+              <a:buFont typeface="Wingdings" panose="05000000000000000000" pitchFamily="2" charset="2"/>
+              <a:buChar char="§"/>
+            </a:pPr>
+            <a:r>
+              <a:rPr lang="en-US" dirty="0"/>
+              <a:t>60% metric optimization</a:t>
+            </a:r>
+          </a:p>
+          <a:p>
+            <a:pPr marL="742950" lvl="1" indent="-285750" algn="l" rtl="0" fontAlgn="base">
+              <a:buFont typeface="Wingdings" panose="05000000000000000000" pitchFamily="2" charset="2"/>
+              <a:buChar char="§"/>
+            </a:pPr>
+            <a:r>
+              <a:rPr lang="en-US" dirty="0"/>
+              <a:t>30% creativity and innovation</a:t>
+            </a:r>
+          </a:p>
+          <a:p>
+            <a:pPr marL="742950" lvl="1" indent="-285750" algn="l" rtl="0" fontAlgn="base">
+              <a:buFont typeface="Wingdings" panose="05000000000000000000" pitchFamily="2" charset="2"/>
+              <a:buChar char="§"/>
+            </a:pPr>
+            <a:r>
+              <a:rPr lang="en-US" dirty="0"/>
+              <a:t>10% special insights to the data (even if not effecting selected metric)</a:t>
+            </a:r>
+          </a:p>
+        </p:txBody>
+      </p:sp>
+    </p:spTree>
+    <p:extLst>
+      <p:ext uri="{BB962C8B-B14F-4D97-AF65-F5344CB8AC3E}">
+        <p14:creationId xmlns:p14="http://schemas.microsoft.com/office/powerpoint/2010/main" val="1809144969"/>
+      </p:ext>
+    </p:extLst>
+  </p:cSld>
+  <p:clrMapOvr>
+    <a:masterClrMapping/>
+  </p:clrMapOvr>
+</p:sld>
+</file>
+
+<file path=ppt/slides/slide5.xml><?xml version="1.0" encoding="utf-8"?>
+<p:sld xmlns:a="http://schemas.openxmlformats.org/drawingml/2006/main" xmlns:r="http://schemas.openxmlformats.org/officeDocument/2006/relationships" xmlns:p="http://schemas.openxmlformats.org/presentationml/2006/main">
+  <p:cSld>
+    <p:spTree>
+      <p:nvGrpSpPr>
+        <p:cNvPr id="1" name=""/>
+        <p:cNvGrpSpPr/>
+        <p:nvPr/>
+      </p:nvGrpSpPr>
+      <p:grpSpPr>
+        <a:xfrm>
+          <a:off x="0" y="0"/>
+          <a:ext cx="0" cy="0"/>
+          <a:chOff x="0" y="0"/>
+          <a:chExt cx="0" cy="0"/>
+        </a:xfrm>
+      </p:grpSpPr>
+      <p:pic>
+        <p:nvPicPr>
+          <p:cNvPr id="6" name="Picture 5">
+            <a:extLst>
+              <a:ext uri="{FF2B5EF4-FFF2-40B4-BE49-F238E27FC236}">
+                <a16:creationId xmlns:a16="http://schemas.microsoft.com/office/drawing/2014/main" id="{8D17072E-C2E3-49A0-95DC-51200ABA6C8B}"/>
+              </a:ext>
+            </a:extLst>
+          </p:cNvPr>
+          <p:cNvPicPr>
+            <a:picLocks noChangeAspect="1"/>
+          </p:cNvPicPr>
+          <p:nvPr/>
+        </p:nvPicPr>
+        <p:blipFill rotWithShape="1">
+          <a:blip r:embed="rId2">
+            <a:extLst>
+              <a:ext uri="{28A0092B-C50C-407E-A947-70E740481C1C}">
+                <a14:useLocalDpi xmlns:a14="http://schemas.microsoft.com/office/drawing/2010/main" val="0"/>
+              </a:ext>
+            </a:extLst>
+          </a:blip>
+          <a:srcRect l="11896" r="16132"/>
+          <a:stretch/>
+        </p:blipFill>
+        <p:spPr>
+          <a:xfrm>
+            <a:off x="280086" y="181046"/>
+            <a:ext cx="3307923" cy="2585324"/>
+          </a:xfrm>
+          <a:prstGeom prst="rect">
+            <a:avLst/>
+          </a:prstGeom>
+        </p:spPr>
+      </p:pic>
+      <p:pic>
+        <p:nvPicPr>
+          <p:cNvPr id="3" name="Picture 2">
+            <a:extLst>
+              <a:ext uri="{FF2B5EF4-FFF2-40B4-BE49-F238E27FC236}">
+                <a16:creationId xmlns:a16="http://schemas.microsoft.com/office/drawing/2014/main" id="{E343B223-CBCB-45BB-816A-C742A11D364A}"/>
+              </a:ext>
+            </a:extLst>
+          </p:cNvPr>
+          <p:cNvPicPr>
+            <a:picLocks noChangeAspect="1"/>
+          </p:cNvPicPr>
+          <p:nvPr/>
+        </p:nvPicPr>
+        <p:blipFill rotWithShape="1">
+          <a:blip r:embed="rId2">
+            <a:extLst>
+              <a:ext uri="{28A0092B-C50C-407E-A947-70E740481C1C}">
+                <a14:useLocalDpi xmlns:a14="http://schemas.microsoft.com/office/drawing/2010/main" val="0"/>
+              </a:ext>
+            </a:extLst>
+          </a:blip>
+          <a:srcRect l="11227" r="15463"/>
+          <a:stretch/>
+        </p:blipFill>
+        <p:spPr>
+          <a:xfrm>
+            <a:off x="8641492" y="3980936"/>
+            <a:ext cx="3369434" cy="2585324"/>
+          </a:xfrm>
+          <a:prstGeom prst="rect">
+            <a:avLst/>
+          </a:prstGeom>
+        </p:spPr>
+      </p:pic>
+      <p:sp>
+        <p:nvSpPr>
+          <p:cNvPr id="2" name="Rectangle 1">
+            <a:extLst>
+              <a:ext uri="{FF2B5EF4-FFF2-40B4-BE49-F238E27FC236}">
+                <a16:creationId xmlns:a16="http://schemas.microsoft.com/office/drawing/2014/main" id="{97300321-B191-48FF-BC00-681AD5552B4A}"/>
+              </a:ext>
+            </a:extLst>
+          </p:cNvPr>
+          <p:cNvSpPr/>
+          <p:nvPr/>
+        </p:nvSpPr>
+        <p:spPr>
+          <a:xfrm>
+            <a:off x="3889948" y="2766370"/>
+            <a:ext cx="5394095" cy="923330"/>
+          </a:xfrm>
+          <a:prstGeom prst="rect">
+            <a:avLst/>
+          </a:prstGeom>
+          <a:noFill/>
+        </p:spPr>
+        <p:txBody>
+          <a:bodyPr wrap="square" lIns="91440" tIns="45720" rIns="91440" bIns="45720">
+            <a:spAutoFit/>
+          </a:bodyPr>
+          <a:lstStyle/>
+          <a:p>
+            <a:pPr algn="ctr"/>
+            <a:r>
+              <a:rPr lang="en-US" sz="5400" dirty="0">
+                <a:ln w="38100">
+                  <a:solidFill>
+                    <a:srgbClr val="4DA26B"/>
+                  </a:solidFill>
+                </a:ln>
+                <a:solidFill>
+                  <a:srgbClr val="2F874B"/>
+                </a:solidFill>
+                <a:effectLst>
+                  <a:outerShdw blurRad="38100" dist="25400" dir="5400000" algn="ctr" rotWithShape="0">
+                    <a:srgbClr val="6E747A">
+                      <a:alpha val="43000"/>
+                    </a:srgbClr>
+                  </a:outerShdw>
+                </a:effectLst>
+                <a:latin typeface="Aharoni" panose="02010803020104030203" pitchFamily="2" charset="-79"/>
+                <a:cs typeface="Aharoni" panose="02010803020104030203" pitchFamily="2" charset="-79"/>
+              </a:rPr>
+              <a:t>challenges</a:t>
+            </a:r>
+          </a:p>
+        </p:txBody>
+      </p:sp>
+    </p:spTree>
+    <p:extLst>
+      <p:ext uri="{BB962C8B-B14F-4D97-AF65-F5344CB8AC3E}">
+        <p14:creationId xmlns:p14="http://schemas.microsoft.com/office/powerpoint/2010/main" val="1115394691"/>
+      </p:ext>
+    </p:extLst>
+  </p:cSld>
+  <p:clrMapOvr>
+    <a:masterClrMapping/>
+  </p:clrMapOvr>
+</p:sld>
+</file>
+
+<file path=ppt/slides/slide6.xml><?xml version="1.0" encoding="utf-8"?>
 <p:sld xmlns:a="http://schemas.openxmlformats.org/drawingml/2006/main" xmlns:r="http://schemas.openxmlformats.org/officeDocument/2006/relationships" xmlns:p="http://schemas.openxmlformats.org/presentationml/2006/main">
   <p:cSld>
     <p:spTree>
@@ -5250,7 +6063,7 @@
 </p:sld>
 </file>
 
-<file path=ppt/slides/slide5.xml><?xml version="1.0" encoding="utf-8"?>
+<file path=ppt/slides/slide7.xml><?xml version="1.0" encoding="utf-8"?>
 <p:sld xmlns:a="http://schemas.openxmlformats.org/drawingml/2006/main" xmlns:r="http://schemas.openxmlformats.org/officeDocument/2006/relationships" xmlns:p="http://schemas.openxmlformats.org/presentationml/2006/main">
   <p:cSld>
     <p:spTree>
@@ -5350,7 +6163,7 @@
           <a:p>
             <a:fld id="{FADAFFCC-3068-47C7-A553-613C66E7752E}" type="datetime1">
               <a:rPr lang="en-US" smtClean="0"/>
-              <a:t>5/2/2018</a:t>
+              <a:t>5/3/2018</a:t>
             </a:fld>
             <a:endParaRPr lang="he-IL"/>
           </a:p>
@@ -6408,7 +7221,7 @@
 </p:sld>
 </file>
 
-<file path=ppt/slides/slide6.xml><?xml version="1.0" encoding="utf-8"?>
+<file path=ppt/slides/slide8.xml><?xml version="1.0" encoding="utf-8"?>
 <p:sld xmlns:a="http://schemas.openxmlformats.org/drawingml/2006/main" xmlns:r="http://schemas.openxmlformats.org/officeDocument/2006/relationships" xmlns:p="http://schemas.openxmlformats.org/presentationml/2006/main">
   <p:cSld>
     <p:spTree>
@@ -8718,461 +9531,7 @@
 </p:sld>
 </file>
 
-<file path=ppt/slides/slide7.xml><?xml version="1.0" encoding="utf-8"?>
-<p:sld xmlns:a="http://schemas.openxmlformats.org/drawingml/2006/main" xmlns:r="http://schemas.openxmlformats.org/officeDocument/2006/relationships" xmlns:p="http://schemas.openxmlformats.org/presentationml/2006/main">
-  <p:cSld>
-    <p:spTree>
-      <p:nvGrpSpPr>
-        <p:cNvPr id="1" name=""/>
-        <p:cNvGrpSpPr/>
-        <p:nvPr/>
-      </p:nvGrpSpPr>
-      <p:grpSpPr>
-        <a:xfrm>
-          <a:off x="0" y="0"/>
-          <a:ext cx="0" cy="0"/>
-          <a:chOff x="0" y="0"/>
-          <a:chExt cx="0" cy="0"/>
-        </a:xfrm>
-      </p:grpSpPr>
-      <p:sp>
-        <p:nvSpPr>
-          <p:cNvPr id="2" name="כותרת 1">
-            <a:extLst>
-              <a:ext uri="{FF2B5EF4-FFF2-40B4-BE49-F238E27FC236}">
-                <a16:creationId xmlns:a16="http://schemas.microsoft.com/office/drawing/2014/main" id="{0697D4F4-F50F-4B8B-8F8B-AAB9182CDCF8}"/>
-              </a:ext>
-            </a:extLst>
-          </p:cNvPr>
-          <p:cNvSpPr>
-            <a:spLocks noGrp="1"/>
-          </p:cNvSpPr>
-          <p:nvPr>
-            <p:ph type="title"/>
-          </p:nvPr>
-        </p:nvSpPr>
-        <p:spPr/>
-        <p:txBody>
-          <a:bodyPr vert="horz" lIns="91440" tIns="45720" rIns="91440" bIns="45720" rtlCol="1" anchor="ctr">
-            <a:normAutofit/>
-          </a:bodyPr>
-          <a:lstStyle/>
-          <a:p>
-            <a:pPr algn="ctr"/>
-            <a:r>
-              <a:rPr lang="en-US" dirty="0"/>
-              <a:t>DMBI Data Hackathon - timeline</a:t>
-            </a:r>
-            <a:endParaRPr lang="he-IL" dirty="0"/>
-          </a:p>
-        </p:txBody>
-      </p:sp>
-      <p:pic>
-        <p:nvPicPr>
-          <p:cNvPr id="6" name="Picture 5">
-            <a:extLst>
-              <a:ext uri="{FF2B5EF4-FFF2-40B4-BE49-F238E27FC236}">
-                <a16:creationId xmlns:a16="http://schemas.microsoft.com/office/drawing/2014/main" id="{F6C8768B-75C6-4862-BD41-955D3EED206B}"/>
-              </a:ext>
-            </a:extLst>
-          </p:cNvPr>
-          <p:cNvPicPr>
-            <a:picLocks noChangeAspect="1"/>
-          </p:cNvPicPr>
-          <p:nvPr/>
-        </p:nvPicPr>
-        <p:blipFill rotWithShape="1">
-          <a:blip r:embed="rId2">
-            <a:extLst>
-              <a:ext uri="{28A0092B-C50C-407E-A947-70E740481C1C}">
-                <a14:useLocalDpi xmlns:a14="http://schemas.microsoft.com/office/drawing/2010/main" val="0"/>
-              </a:ext>
-            </a:extLst>
-          </a:blip>
-          <a:srcRect/>
-          <a:stretch/>
-        </p:blipFill>
-        <p:spPr>
-          <a:xfrm>
-            <a:off x="193964" y="230188"/>
-            <a:ext cx="2105889" cy="1184563"/>
-          </a:xfrm>
-          <a:prstGeom prst="rect">
-            <a:avLst/>
-          </a:prstGeom>
-        </p:spPr>
-      </p:pic>
-      <p:pic>
-        <p:nvPicPr>
-          <p:cNvPr id="7" name="Picture 2" descr="Image result for bgu">
-            <a:extLst>
-              <a:ext uri="{FF2B5EF4-FFF2-40B4-BE49-F238E27FC236}">
-                <a16:creationId xmlns:a16="http://schemas.microsoft.com/office/drawing/2014/main" id="{90848CA4-C583-40E9-8976-C26F6CA508BB}"/>
-              </a:ext>
-            </a:extLst>
-          </p:cNvPr>
-          <p:cNvPicPr>
-            <a:picLocks noChangeAspect="1" noChangeArrowheads="1"/>
-          </p:cNvPicPr>
-          <p:nvPr/>
-        </p:nvPicPr>
-        <p:blipFill>
-          <a:blip r:embed="rId3" cstate="print">
-            <a:extLst>
-              <a:ext uri="{28A0092B-C50C-407E-A947-70E740481C1C}">
-                <a14:useLocalDpi xmlns:a14="http://schemas.microsoft.com/office/drawing/2010/main" val="0"/>
-              </a:ext>
-            </a:extLst>
-          </a:blip>
-          <a:srcRect/>
-          <a:stretch>
-            <a:fillRect/>
-          </a:stretch>
-        </p:blipFill>
-        <p:spPr bwMode="auto">
-          <a:xfrm>
-            <a:off x="10526685" y="86793"/>
-            <a:ext cx="1471351" cy="1471351"/>
-          </a:xfrm>
-          <a:prstGeom prst="rect">
-            <a:avLst/>
-          </a:prstGeom>
-          <a:noFill/>
-          <a:extLst>
-            <a:ext uri="{909E8E84-426E-40DD-AFC4-6F175D3DCCD1}">
-              <a14:hiddenFill xmlns:a14="http://schemas.microsoft.com/office/drawing/2010/main">
-                <a:solidFill>
-                  <a:srgbClr val="FFFFFF"/>
-                </a:solidFill>
-              </a14:hiddenFill>
-            </a:ext>
-          </a:extLst>
-        </p:spPr>
-      </p:pic>
-      <p:sp>
-        <p:nvSpPr>
-          <p:cNvPr id="5" name="Content Placeholder 4">
-            <a:extLst>
-              <a:ext uri="{FF2B5EF4-FFF2-40B4-BE49-F238E27FC236}">
-                <a16:creationId xmlns:a16="http://schemas.microsoft.com/office/drawing/2014/main" id="{E4C2BB1C-D729-48F2-B91A-CD3A1F94B173}"/>
-              </a:ext>
-            </a:extLst>
-          </p:cNvPr>
-          <p:cNvSpPr>
-            <a:spLocks noGrp="1"/>
-          </p:cNvSpPr>
-          <p:nvPr>
-            <p:ph idx="1"/>
-          </p:nvPr>
-        </p:nvSpPr>
-        <p:spPr>
-          <a:xfrm>
-            <a:off x="442785" y="1825625"/>
-            <a:ext cx="5397842" cy="4351338"/>
-          </a:xfrm>
-        </p:spPr>
-        <p:txBody>
-          <a:bodyPr>
-            <a:normAutofit lnSpcReduction="10000"/>
-          </a:bodyPr>
-          <a:lstStyle/>
-          <a:p>
-            <a:pPr algn="l" rtl="0" fontAlgn="base"/>
-            <a:r>
-              <a:rPr lang="en-US" sz="2000" b="1" dirty="0"/>
-              <a:t>Day 1, 3/5:</a:t>
-            </a:r>
-            <a:r>
-              <a:rPr lang="en-US" sz="2000" dirty="0"/>
-              <a:t> </a:t>
-            </a:r>
-          </a:p>
-          <a:p>
-            <a:pPr algn="l" rtl="0" fontAlgn="base"/>
-            <a:r>
-              <a:rPr lang="en-US" sz="2000" dirty="0"/>
-              <a:t>9:00 - Arrival and light breakfast</a:t>
-            </a:r>
-          </a:p>
-          <a:p>
-            <a:pPr algn="l" rtl="0" fontAlgn="base"/>
-            <a:r>
-              <a:rPr lang="en-US" sz="2000" dirty="0"/>
-              <a:t>9:45 - Hackathon starts! Challenges overview</a:t>
-            </a:r>
-          </a:p>
-          <a:p>
-            <a:pPr algn="l" rtl="0" fontAlgn="base"/>
-            <a:r>
-              <a:rPr lang="en-US" sz="2000" dirty="0"/>
-              <a:t>12:00 - Tutorial - "an Introductory Tutorial on Embeddings with TensorFlow" by </a:t>
-            </a:r>
-            <a:r>
-              <a:rPr lang="en-US" sz="2000" dirty="0">
-                <a:hlinkClick r:id="rId4"/>
-              </a:rPr>
-              <a:t>Taboola</a:t>
-            </a:r>
-            <a:endParaRPr lang="en-US" sz="2000" dirty="0"/>
-          </a:p>
-          <a:p>
-            <a:pPr algn="l" rtl="0" fontAlgn="base"/>
-            <a:r>
-              <a:rPr lang="en-US" sz="2000" dirty="0"/>
-              <a:t>14:00 - Lunch</a:t>
-            </a:r>
-          </a:p>
-          <a:p>
-            <a:pPr algn="l" rtl="0" fontAlgn="base"/>
-            <a:r>
-              <a:rPr lang="en-US" sz="2000" dirty="0"/>
-              <a:t>16:00 - Tutorial - "Advanced </a:t>
-            </a:r>
-            <a:r>
-              <a:rPr lang="en-US" sz="2000" dirty="0" err="1"/>
-              <a:t>Keras</a:t>
-            </a:r>
-            <a:r>
-              <a:rPr lang="en-US" sz="2000" dirty="0"/>
-              <a:t> Applications" by </a:t>
-            </a:r>
-            <a:r>
-              <a:rPr lang="en-US" sz="2000" dirty="0">
-                <a:hlinkClick r:id="rId4"/>
-              </a:rPr>
-              <a:t>Yam Peleg</a:t>
-            </a:r>
-            <a:endParaRPr lang="en-US" sz="2000" dirty="0"/>
-          </a:p>
-          <a:p>
-            <a:pPr algn="l" rtl="0" fontAlgn="base"/>
-            <a:r>
-              <a:rPr lang="en-US" sz="2000" dirty="0"/>
-              <a:t>19:00 - Tutorial -  "Interpretability of Machine Learning Models" by  </a:t>
-            </a:r>
-            <a:r>
-              <a:rPr lang="en-US" sz="2000" dirty="0">
-                <a:hlinkClick r:id="rId4"/>
-              </a:rPr>
-              <a:t>Michaël </a:t>
-            </a:r>
-            <a:r>
-              <a:rPr lang="en-US" sz="2000" dirty="0" err="1">
-                <a:hlinkClick r:id="rId4"/>
-              </a:rPr>
-              <a:t>Mariën</a:t>
-            </a:r>
-            <a:r>
-              <a:rPr lang="en-US" sz="2000" dirty="0"/>
-              <a:t> from KBC</a:t>
-            </a:r>
-          </a:p>
-          <a:p>
-            <a:pPr algn="l" rtl="0" fontAlgn="base"/>
-            <a:r>
-              <a:rPr lang="en-US" sz="2000" dirty="0"/>
-              <a:t>20:30 - Dinner</a:t>
-            </a:r>
-          </a:p>
-          <a:p>
-            <a:pPr algn="l" rtl="0" fontAlgn="base"/>
-            <a:r>
-              <a:rPr lang="en-US" sz="2000" dirty="0"/>
-              <a:t>21:30 - Stretches and Body Relaxation</a:t>
-            </a:r>
-          </a:p>
-          <a:p>
-            <a:pPr marL="0" indent="0" algn="l" rtl="0" fontAlgn="base">
-              <a:buNone/>
-            </a:pPr>
-            <a:endParaRPr lang="en-US" sz="2000" dirty="0"/>
-          </a:p>
-        </p:txBody>
-      </p:sp>
-      <p:sp>
-        <p:nvSpPr>
-          <p:cNvPr id="8" name="Rectangle 7">
-            <a:extLst>
-              <a:ext uri="{FF2B5EF4-FFF2-40B4-BE49-F238E27FC236}">
-                <a16:creationId xmlns:a16="http://schemas.microsoft.com/office/drawing/2014/main" id="{A88DC748-F668-4AFA-BD7B-6B26A14DA3E1}"/>
-              </a:ext>
-            </a:extLst>
-          </p:cNvPr>
-          <p:cNvSpPr/>
-          <p:nvPr/>
-        </p:nvSpPr>
-        <p:spPr>
-          <a:xfrm>
-            <a:off x="6433751" y="1825625"/>
-            <a:ext cx="6096000" cy="2308324"/>
-          </a:xfrm>
-          <a:prstGeom prst="rect">
-            <a:avLst/>
-          </a:prstGeom>
-        </p:spPr>
-        <p:txBody>
-          <a:bodyPr>
-            <a:spAutoFit/>
-          </a:bodyPr>
-          <a:lstStyle/>
-          <a:p>
-            <a:pPr algn="l" rtl="0" fontAlgn="base"/>
-            <a:r>
-              <a:rPr lang="en-US" b="1" dirty="0"/>
-              <a:t>Day 2, 4/5:</a:t>
-            </a:r>
-            <a:endParaRPr lang="en-US" dirty="0"/>
-          </a:p>
-          <a:p>
-            <a:pPr algn="l" rtl="0" fontAlgn="base"/>
-            <a:r>
-              <a:rPr lang="en-US" dirty="0"/>
-              <a:t>00:00 - Night snacks</a:t>
-            </a:r>
-          </a:p>
-          <a:p>
-            <a:pPr algn="l" rtl="0" fontAlgn="base"/>
-            <a:r>
-              <a:rPr lang="en-US" dirty="0"/>
-              <a:t>6:30 - Test sets are given</a:t>
-            </a:r>
-          </a:p>
-          <a:p>
-            <a:pPr algn="l" rtl="0" fontAlgn="base"/>
-            <a:r>
-              <a:rPr lang="en-US" dirty="0"/>
-              <a:t>7:00 - Breakfast</a:t>
-            </a:r>
-          </a:p>
-          <a:p>
-            <a:pPr algn="l" rtl="0" fontAlgn="base"/>
-            <a:r>
-              <a:rPr lang="en-US" dirty="0"/>
-              <a:t>9:00 - First judging round</a:t>
-            </a:r>
-          </a:p>
-          <a:p>
-            <a:pPr algn="l" rtl="0" fontAlgn="base"/>
-            <a:r>
-              <a:rPr lang="en-US" dirty="0"/>
-              <a:t>11:30 - Presentation and second judging round</a:t>
-            </a:r>
-          </a:p>
-          <a:p>
-            <a:pPr algn="l" rtl="0" fontAlgn="base"/>
-            <a:r>
-              <a:rPr lang="en-US" dirty="0"/>
-              <a:t>12:30 – winners announced </a:t>
-            </a:r>
-          </a:p>
-          <a:p>
-            <a:pPr algn="l" rtl="0" fontAlgn="base"/>
-            <a:r>
-              <a:rPr lang="en-US" dirty="0"/>
-              <a:t>13:00 - Hackathon ends!</a:t>
-            </a:r>
-          </a:p>
-        </p:txBody>
-      </p:sp>
-      <p:sp>
-        <p:nvSpPr>
-          <p:cNvPr id="12" name="Rectangle 11">
-            <a:extLst>
-              <a:ext uri="{FF2B5EF4-FFF2-40B4-BE49-F238E27FC236}">
-                <a16:creationId xmlns:a16="http://schemas.microsoft.com/office/drawing/2014/main" id="{7CB913EE-D151-4A9A-9025-BBCAB9F2583B}"/>
-              </a:ext>
-            </a:extLst>
-          </p:cNvPr>
-          <p:cNvSpPr/>
-          <p:nvPr/>
-        </p:nvSpPr>
-        <p:spPr>
-          <a:xfrm>
-            <a:off x="6433751" y="4259203"/>
-            <a:ext cx="5198076" cy="2308324"/>
-          </a:xfrm>
-          <a:prstGeom prst="rect">
-            <a:avLst/>
-          </a:prstGeom>
-        </p:spPr>
-        <p:txBody>
-          <a:bodyPr wrap="square">
-            <a:spAutoFit/>
-          </a:bodyPr>
-          <a:lstStyle/>
-          <a:p>
-            <a:pPr algn="l" rtl="0" fontAlgn="base"/>
-            <a:r>
-              <a:rPr lang="en-US" b="1" dirty="0"/>
-              <a:t>Things to remember:</a:t>
-            </a:r>
-          </a:p>
-          <a:p>
-            <a:pPr marL="285750" indent="-285750" algn="l" rtl="0" fontAlgn="base">
-              <a:buFont typeface="Arial" panose="020B0604020202020204" pitchFamily="34" charset="0"/>
-              <a:buChar char="•"/>
-            </a:pPr>
-            <a:r>
-              <a:rPr lang="en-US" dirty="0"/>
-              <a:t>Prepare a presentation that describes your work for judging rounds</a:t>
-            </a:r>
-          </a:p>
-          <a:p>
-            <a:pPr marL="285750" indent="-285750" algn="l" rtl="0" fontAlgn="base">
-              <a:buFont typeface="Arial" panose="020B0604020202020204" pitchFamily="34" charset="0"/>
-              <a:buChar char="•"/>
-            </a:pPr>
-            <a:r>
-              <a:rPr lang="en-US" dirty="0"/>
-              <a:t>Solutions are scored:</a:t>
-            </a:r>
-          </a:p>
-          <a:p>
-            <a:pPr marL="742950" lvl="1" indent="-285750" algn="l" rtl="0" fontAlgn="base">
-              <a:buFont typeface="Wingdings" panose="05000000000000000000" pitchFamily="2" charset="2"/>
-              <a:buChar char="§"/>
-            </a:pPr>
-            <a:r>
-              <a:rPr lang="en-US" dirty="0"/>
-              <a:t>60% metric optimization</a:t>
-            </a:r>
-          </a:p>
-          <a:p>
-            <a:pPr marL="742950" lvl="1" indent="-285750" algn="l" rtl="0" fontAlgn="base">
-              <a:buFont typeface="Wingdings" panose="05000000000000000000" pitchFamily="2" charset="2"/>
-              <a:buChar char="§"/>
-            </a:pPr>
-            <a:r>
-              <a:rPr lang="en-US" dirty="0"/>
-              <a:t>30% creativity and innovation</a:t>
-            </a:r>
-          </a:p>
-          <a:p>
-            <a:pPr marL="742950" lvl="1" indent="-285750" algn="l" rtl="0" fontAlgn="base">
-              <a:buFont typeface="Wingdings" panose="05000000000000000000" pitchFamily="2" charset="2"/>
-              <a:buChar char="§"/>
-            </a:pPr>
-            <a:r>
-              <a:rPr lang="en-US" dirty="0"/>
-              <a:t>10% special insights to the data (even if not effecting selected metric)</a:t>
-            </a:r>
-          </a:p>
-        </p:txBody>
-      </p:sp>
-    </p:spTree>
-    <p:extLst>
-      <p:ext uri="{BB962C8B-B14F-4D97-AF65-F5344CB8AC3E}">
-        <p14:creationId xmlns:p14="http://schemas.microsoft.com/office/powerpoint/2010/main" val="1809144969"/>
-      </p:ext>
-    </p:extLst>
-  </p:cSld>
-  <p:clrMapOvr>
-    <a:masterClrMapping/>
-  </p:clrMapOvr>
-</p:sld>
-</file>
-
-<file path=ppt/slides/slide8.xml><?xml version="1.0" encoding="utf-8"?>
+<file path=ppt/slides/slide9.xml><?xml version="1.0" encoding="utf-8"?>
 <p:sld xmlns:a="http://schemas.openxmlformats.org/drawingml/2006/main" xmlns:r="http://schemas.openxmlformats.org/officeDocument/2006/relationships" xmlns:p="http://schemas.openxmlformats.org/presentationml/2006/main">
   <p:cSld>
     <p:spTree>
@@ -9543,210 +9902,6 @@
     <p:extLst>
       <p:ext uri="{BB962C8B-B14F-4D97-AF65-F5344CB8AC3E}">
         <p14:creationId xmlns:p14="http://schemas.microsoft.com/office/powerpoint/2010/main" val="2933794616"/>
-      </p:ext>
-    </p:extLst>
-  </p:cSld>
-  <p:clrMapOvr>
-    <a:masterClrMapping/>
-  </p:clrMapOvr>
-</p:sld>
-</file>
-
-<file path=ppt/slides/slide9.xml><?xml version="1.0" encoding="utf-8"?>
-<p:sld xmlns:a="http://schemas.openxmlformats.org/drawingml/2006/main" xmlns:r="http://schemas.openxmlformats.org/officeDocument/2006/relationships" xmlns:p="http://schemas.openxmlformats.org/presentationml/2006/main">
-  <p:cSld>
-    <p:spTree>
-      <p:nvGrpSpPr>
-        <p:cNvPr id="1" name=""/>
-        <p:cNvGrpSpPr/>
-        <p:nvPr/>
-      </p:nvGrpSpPr>
-      <p:grpSpPr>
-        <a:xfrm>
-          <a:off x="0" y="0"/>
-          <a:ext cx="0" cy="0"/>
-          <a:chOff x="0" y="0"/>
-          <a:chExt cx="0" cy="0"/>
-        </a:xfrm>
-      </p:grpSpPr>
-      <p:pic>
-        <p:nvPicPr>
-          <p:cNvPr id="6" name="Picture 5">
-            <a:extLst>
-              <a:ext uri="{FF2B5EF4-FFF2-40B4-BE49-F238E27FC236}">
-                <a16:creationId xmlns:a16="http://schemas.microsoft.com/office/drawing/2014/main" id="{8D17072E-C2E3-49A0-95DC-51200ABA6C8B}"/>
-              </a:ext>
-            </a:extLst>
-          </p:cNvPr>
-          <p:cNvPicPr>
-            <a:picLocks noChangeAspect="1"/>
-          </p:cNvPicPr>
-          <p:nvPr/>
-        </p:nvPicPr>
-        <p:blipFill rotWithShape="1">
-          <a:blip r:embed="rId2">
-            <a:extLst>
-              <a:ext uri="{28A0092B-C50C-407E-A947-70E740481C1C}">
-                <a14:useLocalDpi xmlns:a14="http://schemas.microsoft.com/office/drawing/2010/main" val="0"/>
-              </a:ext>
-            </a:extLst>
-          </a:blip>
-          <a:srcRect l="11896" r="16132"/>
-          <a:stretch/>
-        </p:blipFill>
-        <p:spPr>
-          <a:xfrm>
-            <a:off x="280086" y="181046"/>
-            <a:ext cx="3307923" cy="2585324"/>
-          </a:xfrm>
-          <a:prstGeom prst="rect">
-            <a:avLst/>
-          </a:prstGeom>
-        </p:spPr>
-      </p:pic>
-      <p:pic>
-        <p:nvPicPr>
-          <p:cNvPr id="3" name="Picture 2">
-            <a:extLst>
-              <a:ext uri="{FF2B5EF4-FFF2-40B4-BE49-F238E27FC236}">
-                <a16:creationId xmlns:a16="http://schemas.microsoft.com/office/drawing/2014/main" id="{E343B223-CBCB-45BB-816A-C742A11D364A}"/>
-              </a:ext>
-            </a:extLst>
-          </p:cNvPr>
-          <p:cNvPicPr>
-            <a:picLocks noChangeAspect="1"/>
-          </p:cNvPicPr>
-          <p:nvPr/>
-        </p:nvPicPr>
-        <p:blipFill rotWithShape="1">
-          <a:blip r:embed="rId2">
-            <a:extLst>
-              <a:ext uri="{28A0092B-C50C-407E-A947-70E740481C1C}">
-                <a14:useLocalDpi xmlns:a14="http://schemas.microsoft.com/office/drawing/2010/main" val="0"/>
-              </a:ext>
-            </a:extLst>
-          </a:blip>
-          <a:srcRect l="11227" r="15463"/>
-          <a:stretch/>
-        </p:blipFill>
-        <p:spPr>
-          <a:xfrm>
-            <a:off x="8641492" y="3980936"/>
-            <a:ext cx="3369434" cy="2585324"/>
-          </a:xfrm>
-          <a:prstGeom prst="rect">
-            <a:avLst/>
-          </a:prstGeom>
-        </p:spPr>
-      </p:pic>
-      <p:sp>
-        <p:nvSpPr>
-          <p:cNvPr id="2" name="Rectangle 1">
-            <a:extLst>
-              <a:ext uri="{FF2B5EF4-FFF2-40B4-BE49-F238E27FC236}">
-                <a16:creationId xmlns:a16="http://schemas.microsoft.com/office/drawing/2014/main" id="{97300321-B191-48FF-BC00-681AD5552B4A}"/>
-              </a:ext>
-            </a:extLst>
-          </p:cNvPr>
-          <p:cNvSpPr/>
-          <p:nvPr/>
-        </p:nvSpPr>
-        <p:spPr>
-          <a:xfrm>
-            <a:off x="3684002" y="2004532"/>
-            <a:ext cx="5394095" cy="2585323"/>
-          </a:xfrm>
-          <a:prstGeom prst="rect">
-            <a:avLst/>
-          </a:prstGeom>
-          <a:noFill/>
-        </p:spPr>
-        <p:txBody>
-          <a:bodyPr wrap="square" lIns="91440" tIns="45720" rIns="91440" bIns="45720">
-            <a:spAutoFit/>
-          </a:bodyPr>
-          <a:lstStyle/>
-          <a:p>
-            <a:pPr algn="ctr"/>
-            <a:r>
-              <a:rPr lang="en-US" sz="5400" dirty="0">
-                <a:ln w="38100">
-                  <a:solidFill>
-                    <a:srgbClr val="4DA26B"/>
-                  </a:solidFill>
-                </a:ln>
-                <a:solidFill>
-                  <a:srgbClr val="2F874B"/>
-                </a:solidFill>
-                <a:effectLst>
-                  <a:outerShdw blurRad="38100" dist="25400" dir="5400000" algn="ctr" rotWithShape="0">
-                    <a:srgbClr val="6E747A">
-                      <a:alpha val="43000"/>
-                    </a:srgbClr>
-                  </a:outerShdw>
-                </a:effectLst>
-                <a:latin typeface="Aharoni" panose="02010803020104030203" pitchFamily="2" charset="-79"/>
-                <a:cs typeface="Aharoni" panose="02010803020104030203" pitchFamily="2" charset="-79"/>
-              </a:rPr>
-              <a:t>Good luck</a:t>
-            </a:r>
-          </a:p>
-          <a:p>
-            <a:pPr algn="ctr"/>
-            <a:r>
-              <a:rPr lang="en-US" sz="5400" dirty="0">
-                <a:ln w="38100">
-                  <a:solidFill>
-                    <a:srgbClr val="4DA26B"/>
-                  </a:solidFill>
-                </a:ln>
-                <a:solidFill>
-                  <a:srgbClr val="2F874B"/>
-                </a:solidFill>
-                <a:effectLst>
-                  <a:outerShdw blurRad="38100" dist="25400" dir="5400000" algn="ctr" rotWithShape="0">
-                    <a:srgbClr val="6E747A">
-                      <a:alpha val="43000"/>
-                    </a:srgbClr>
-                  </a:outerShdw>
-                </a:effectLst>
-                <a:latin typeface="Aharoni" panose="02010803020104030203" pitchFamily="2" charset="-79"/>
-                <a:cs typeface="Aharoni" panose="02010803020104030203" pitchFamily="2" charset="-79"/>
-              </a:rPr>
-              <a:t>&amp; </a:t>
-            </a:r>
-          </a:p>
-          <a:p>
-            <a:pPr algn="ctr"/>
-            <a:r>
-              <a:rPr lang="en-US" sz="5400" dirty="0">
-                <a:ln w="38100">
-                  <a:solidFill>
-                    <a:srgbClr val="4DA26B"/>
-                  </a:solidFill>
-                </a:ln>
-                <a:solidFill>
-                  <a:srgbClr val="2F874B"/>
-                </a:solidFill>
-                <a:effectLst>
-                  <a:outerShdw blurRad="38100" dist="25400" dir="5400000" algn="ctr" rotWithShape="0">
-                    <a:srgbClr val="6E747A">
-                      <a:alpha val="43000"/>
-                    </a:srgbClr>
-                  </a:outerShdw>
-                </a:effectLst>
-                <a:latin typeface="Aharoni" panose="02010803020104030203" pitchFamily="2" charset="-79"/>
-                <a:cs typeface="Aharoni" panose="02010803020104030203" pitchFamily="2" charset="-79"/>
-              </a:rPr>
-              <a:t>have fun!</a:t>
-            </a:r>
-          </a:p>
-        </p:txBody>
-      </p:sp>
-    </p:spTree>
-    <p:extLst>
-      <p:ext uri="{BB962C8B-B14F-4D97-AF65-F5344CB8AC3E}">
-        <p14:creationId xmlns:p14="http://schemas.microsoft.com/office/powerpoint/2010/main" val="2702283830"/>
       </p:ext>
     </p:extLst>
   </p:cSld>
